--- a/Docs/DIY-ECG-Arduino-Q.pptx
+++ b/Docs/DIY-ECG-Arduino-Q.pptx
@@ -6,6 +6,7 @@
   </p:sldMasterIdLst>
   <p:sldIdLst>
     <p:sldId id="256" r:id="rId2"/>
+    <p:sldId id="257" r:id="rId3"/>
   </p:sldIdLst>
   <p:sldSz cx="12192000" cy="6858000"/>
   <p:notesSz cx="6858000" cy="9144000"/>
@@ -104,6 +105,11 @@
       </a:defRPr>
     </a:lvl9pPr>
   </p:defaultTextStyle>
+  <p:extLst>
+    <p:ext uri="{EFAFB233-063F-42B5-8137-9DF3F51BA10A}">
+      <p15:sldGuideLst xmlns:p15="http://schemas.microsoft.com/office/powerpoint/2012/main"/>
+    </p:ext>
+  </p:extLst>
 </p:presentation>
 </file>
 
@@ -254,7 +260,7 @@
           <a:p>
             <a:fld id="{B92A6CB0-A10C-4034-BFC2-C37150C834DC}" type="datetimeFigureOut">
               <a:rPr lang="de-DE" smtClean="0"/>
-              <a:t>03.02.2026</a:t>
+              <a:t>05.02.2026</a:t>
             </a:fld>
             <a:endParaRPr lang="de-DE"/>
           </a:p>
@@ -452,7 +458,7 @@
           <a:p>
             <a:fld id="{B92A6CB0-A10C-4034-BFC2-C37150C834DC}" type="datetimeFigureOut">
               <a:rPr lang="de-DE" smtClean="0"/>
-              <a:t>03.02.2026</a:t>
+              <a:t>05.02.2026</a:t>
             </a:fld>
             <a:endParaRPr lang="de-DE"/>
           </a:p>
@@ -660,7 +666,7 @@
           <a:p>
             <a:fld id="{B92A6CB0-A10C-4034-BFC2-C37150C834DC}" type="datetimeFigureOut">
               <a:rPr lang="de-DE" smtClean="0"/>
-              <a:t>03.02.2026</a:t>
+              <a:t>05.02.2026</a:t>
             </a:fld>
             <a:endParaRPr lang="de-DE"/>
           </a:p>
@@ -858,7 +864,7 @@
           <a:p>
             <a:fld id="{B92A6CB0-A10C-4034-BFC2-C37150C834DC}" type="datetimeFigureOut">
               <a:rPr lang="de-DE" smtClean="0"/>
-              <a:t>03.02.2026</a:t>
+              <a:t>05.02.2026</a:t>
             </a:fld>
             <a:endParaRPr lang="de-DE"/>
           </a:p>
@@ -1133,7 +1139,7 @@
           <a:p>
             <a:fld id="{B92A6CB0-A10C-4034-BFC2-C37150C834DC}" type="datetimeFigureOut">
               <a:rPr lang="de-DE" smtClean="0"/>
-              <a:t>03.02.2026</a:t>
+              <a:t>05.02.2026</a:t>
             </a:fld>
             <a:endParaRPr lang="de-DE"/>
           </a:p>
@@ -1398,7 +1404,7 @@
           <a:p>
             <a:fld id="{B92A6CB0-A10C-4034-BFC2-C37150C834DC}" type="datetimeFigureOut">
               <a:rPr lang="de-DE" smtClean="0"/>
-              <a:t>03.02.2026</a:t>
+              <a:t>05.02.2026</a:t>
             </a:fld>
             <a:endParaRPr lang="de-DE"/>
           </a:p>
@@ -1810,7 +1816,7 @@
           <a:p>
             <a:fld id="{B92A6CB0-A10C-4034-BFC2-C37150C834DC}" type="datetimeFigureOut">
               <a:rPr lang="de-DE" smtClean="0"/>
-              <a:t>03.02.2026</a:t>
+              <a:t>05.02.2026</a:t>
             </a:fld>
             <a:endParaRPr lang="de-DE"/>
           </a:p>
@@ -1951,7 +1957,7 @@
           <a:p>
             <a:fld id="{B92A6CB0-A10C-4034-BFC2-C37150C834DC}" type="datetimeFigureOut">
               <a:rPr lang="de-DE" smtClean="0"/>
-              <a:t>03.02.2026</a:t>
+              <a:t>05.02.2026</a:t>
             </a:fld>
             <a:endParaRPr lang="de-DE"/>
           </a:p>
@@ -2064,7 +2070,7 @@
           <a:p>
             <a:fld id="{B92A6CB0-A10C-4034-BFC2-C37150C834DC}" type="datetimeFigureOut">
               <a:rPr lang="de-DE" smtClean="0"/>
-              <a:t>03.02.2026</a:t>
+              <a:t>05.02.2026</a:t>
             </a:fld>
             <a:endParaRPr lang="de-DE"/>
           </a:p>
@@ -2375,7 +2381,7 @@
           <a:p>
             <a:fld id="{B92A6CB0-A10C-4034-BFC2-C37150C834DC}" type="datetimeFigureOut">
               <a:rPr lang="de-DE" smtClean="0"/>
-              <a:t>03.02.2026</a:t>
+              <a:t>05.02.2026</a:t>
             </a:fld>
             <a:endParaRPr lang="de-DE"/>
           </a:p>
@@ -2663,7 +2669,7 @@
           <a:p>
             <a:fld id="{B92A6CB0-A10C-4034-BFC2-C37150C834DC}" type="datetimeFigureOut">
               <a:rPr lang="de-DE" smtClean="0"/>
-              <a:t>03.02.2026</a:t>
+              <a:t>05.02.2026</a:t>
             </a:fld>
             <a:endParaRPr lang="de-DE"/>
           </a:p>
@@ -2904,7 +2910,7 @@
           <a:p>
             <a:fld id="{B92A6CB0-A10C-4034-BFC2-C37150C834DC}" type="datetimeFigureOut">
               <a:rPr lang="de-DE" smtClean="0"/>
-              <a:t>03.02.2026</a:t>
+              <a:t>05.02.2026</a:t>
             </a:fld>
             <a:endParaRPr lang="de-DE"/>
           </a:p>
@@ -5321,6 +5327,2588 @@
 </p:sld>
 </file>
 
+<file path=ppt/slides/slide2.xml><?xml version="1.0" encoding="utf-8"?>
+<p:sld xmlns:a="http://schemas.openxmlformats.org/drawingml/2006/main" xmlns:r="http://schemas.openxmlformats.org/officeDocument/2006/relationships" xmlns:p="http://schemas.openxmlformats.org/presentationml/2006/main">
+  <p:cSld>
+    <p:spTree>
+      <p:nvGrpSpPr>
+        <p:cNvPr id="1" name=""/>
+        <p:cNvGrpSpPr/>
+        <p:nvPr/>
+      </p:nvGrpSpPr>
+      <p:grpSpPr>
+        <a:xfrm>
+          <a:off x="0" y="0"/>
+          <a:ext cx="0" cy="0"/>
+          <a:chOff x="0" y="0"/>
+          <a:chExt cx="0" cy="0"/>
+        </a:xfrm>
+      </p:grpSpPr>
+      <p:sp>
+        <p:nvSpPr>
+          <p:cNvPr id="4" name="Rechteck 3">
+            <a:extLst>
+              <a:ext uri="{FF2B5EF4-FFF2-40B4-BE49-F238E27FC236}">
+                <a16:creationId xmlns:a16="http://schemas.microsoft.com/office/drawing/2014/main" id="{B101F7A7-DF6B-4C4D-94C4-8BF633C96638}"/>
+              </a:ext>
+            </a:extLst>
+          </p:cNvPr>
+          <p:cNvSpPr/>
+          <p:nvPr/>
+        </p:nvSpPr>
+        <p:spPr>
+          <a:xfrm>
+            <a:off x="300051" y="1469057"/>
+            <a:ext cx="3209503" cy="4302965"/>
+          </a:xfrm>
+          <a:prstGeom prst="rect">
+            <a:avLst/>
+          </a:prstGeom>
+          <a:ln/>
+        </p:spPr>
+        <p:style>
+          <a:lnRef idx="0">
+            <a:schemeClr val="accent2"/>
+          </a:lnRef>
+          <a:fillRef idx="3">
+            <a:schemeClr val="accent2"/>
+          </a:fillRef>
+          <a:effectRef idx="3">
+            <a:schemeClr val="accent2"/>
+          </a:effectRef>
+          <a:fontRef idx="minor">
+            <a:schemeClr val="lt1"/>
+          </a:fontRef>
+        </p:style>
+        <p:txBody>
+          <a:bodyPr rtlCol="0" anchor="t"/>
+          <a:lstStyle/>
+          <a:p>
+            <a:pPr algn="ctr"/>
+            <a:r>
+              <a:rPr lang="de-DE" b="1" dirty="0">
+                <a:effectLst>
+                  <a:outerShdw blurRad="38100" dist="38100" dir="2700000" algn="tl">
+                    <a:srgbClr val="000000">
+                      <a:alpha val="43137"/>
+                    </a:srgbClr>
+                  </a:outerShdw>
+                </a:effectLst>
+              </a:rPr>
+              <a:t>Zephyr OS</a:t>
+            </a:r>
+          </a:p>
+        </p:txBody>
+      </p:sp>
+      <p:sp>
+        <p:nvSpPr>
+          <p:cNvPr id="5" name="Rechteck 4">
+            <a:extLst>
+              <a:ext uri="{FF2B5EF4-FFF2-40B4-BE49-F238E27FC236}">
+                <a16:creationId xmlns:a16="http://schemas.microsoft.com/office/drawing/2014/main" id="{485BD1FA-D4F9-4CCC-B81E-5589E573018A}"/>
+              </a:ext>
+            </a:extLst>
+          </p:cNvPr>
+          <p:cNvSpPr/>
+          <p:nvPr/>
+        </p:nvSpPr>
+        <p:spPr>
+          <a:xfrm>
+            <a:off x="300051" y="984257"/>
+            <a:ext cx="3209503" cy="465290"/>
+          </a:xfrm>
+          <a:prstGeom prst="rect">
+            <a:avLst/>
+          </a:prstGeom>
+          <a:ln/>
+        </p:spPr>
+        <p:style>
+          <a:lnRef idx="0">
+            <a:schemeClr val="accent6"/>
+          </a:lnRef>
+          <a:fillRef idx="3">
+            <a:schemeClr val="accent6"/>
+          </a:fillRef>
+          <a:effectRef idx="3">
+            <a:schemeClr val="accent6"/>
+          </a:effectRef>
+          <a:fontRef idx="minor">
+            <a:schemeClr val="lt1"/>
+          </a:fontRef>
+        </p:style>
+        <p:txBody>
+          <a:bodyPr rtlCol="0" anchor="t"/>
+          <a:lstStyle/>
+          <a:p>
+            <a:pPr algn="ctr"/>
+            <a:r>
+              <a:rPr lang="de-DE" b="1" dirty="0">
+                <a:effectLst>
+                  <a:outerShdw blurRad="38100" dist="38100" dir="2700000" algn="tl">
+                    <a:srgbClr val="000000">
+                      <a:alpha val="43137"/>
+                    </a:srgbClr>
+                  </a:outerShdw>
+                </a:effectLst>
+              </a:rPr>
+              <a:t>MCU STM32U585</a:t>
+            </a:r>
+          </a:p>
+        </p:txBody>
+      </p:sp>
+      <p:sp>
+        <p:nvSpPr>
+          <p:cNvPr id="7" name="Textfeld 6">
+            <a:extLst>
+              <a:ext uri="{FF2B5EF4-FFF2-40B4-BE49-F238E27FC236}">
+                <a16:creationId xmlns:a16="http://schemas.microsoft.com/office/drawing/2014/main" id="{E2E11D36-F7D5-49AB-9D5D-983466BBAF88}"/>
+              </a:ext>
+            </a:extLst>
+          </p:cNvPr>
+          <p:cNvSpPr txBox="1"/>
+          <p:nvPr/>
+        </p:nvSpPr>
+        <p:spPr>
+          <a:xfrm>
+            <a:off x="300051" y="5193809"/>
+            <a:ext cx="471604" cy="246221"/>
+          </a:xfrm>
+          <a:prstGeom prst="rect">
+            <a:avLst/>
+          </a:prstGeom>
+          <a:ln/>
+        </p:spPr>
+        <p:style>
+          <a:lnRef idx="0">
+            <a:schemeClr val="accent4"/>
+          </a:lnRef>
+          <a:fillRef idx="3">
+            <a:schemeClr val="accent4"/>
+          </a:fillRef>
+          <a:effectRef idx="3">
+            <a:schemeClr val="accent4"/>
+          </a:effectRef>
+          <a:fontRef idx="minor">
+            <a:schemeClr val="lt1"/>
+          </a:fontRef>
+        </p:style>
+        <p:txBody>
+          <a:bodyPr wrap="none" rtlCol="0">
+            <a:spAutoFit/>
+          </a:bodyPr>
+          <a:lstStyle/>
+          <a:p>
+            <a:r>
+              <a:rPr lang="de-DE" sz="1000" dirty="0">
+                <a:solidFill>
+                  <a:schemeClr val="tx1"/>
+                </a:solidFill>
+                <a:effectLst>
+                  <a:outerShdw blurRad="38100" dist="38100" dir="2700000" algn="tl">
+                    <a:srgbClr val="000000">
+                      <a:alpha val="43137"/>
+                    </a:srgbClr>
+                  </a:outerShdw>
+                </a:effectLst>
+              </a:rPr>
+              <a:t>ADC0</a:t>
+            </a:r>
+          </a:p>
+        </p:txBody>
+      </p:sp>
+      <p:cxnSp>
+        <p:nvCxnSpPr>
+          <p:cNvPr id="18" name="Verbinder: gewinkelt 17">
+            <a:extLst>
+              <a:ext uri="{FF2B5EF4-FFF2-40B4-BE49-F238E27FC236}">
+                <a16:creationId xmlns:a16="http://schemas.microsoft.com/office/drawing/2014/main" id="{1C63D382-C790-41D2-AA6A-36F8D6E45EB2}"/>
+              </a:ext>
+            </a:extLst>
+          </p:cNvPr>
+          <p:cNvCxnSpPr>
+            <a:stCxn id="15" idx="2"/>
+            <a:endCxn id="7" idx="0"/>
+          </p:cNvCxnSpPr>
+          <p:nvPr/>
+        </p:nvCxnSpPr>
+        <p:spPr>
+          <a:xfrm rot="5400000">
+            <a:off x="443742" y="4852847"/>
+            <a:ext cx="433073" cy="248850"/>
+          </a:xfrm>
+          <a:prstGeom prst="bentConnector3">
+            <a:avLst/>
+          </a:prstGeom>
+          <a:ln w="28575">
+            <a:solidFill>
+              <a:schemeClr val="tx1"/>
+            </a:solidFill>
+            <a:headEnd type="none" w="med" len="med"/>
+            <a:tailEnd type="arrow" w="med" len="med"/>
+          </a:ln>
+        </p:spPr>
+        <p:style>
+          <a:lnRef idx="1">
+            <a:schemeClr val="accent1"/>
+          </a:lnRef>
+          <a:fillRef idx="0">
+            <a:schemeClr val="accent1"/>
+          </a:fillRef>
+          <a:effectRef idx="0">
+            <a:schemeClr val="accent1"/>
+          </a:effectRef>
+          <a:fontRef idx="minor">
+            <a:schemeClr val="tx1"/>
+          </a:fontRef>
+        </p:style>
+      </p:cxnSp>
+      <p:cxnSp>
+        <p:nvCxnSpPr>
+          <p:cNvPr id="25" name="Verbinder: gewinkelt 24">
+            <a:extLst>
+              <a:ext uri="{FF2B5EF4-FFF2-40B4-BE49-F238E27FC236}">
+                <a16:creationId xmlns:a16="http://schemas.microsoft.com/office/drawing/2014/main" id="{9503AC2B-4BCD-4153-B717-1AF9152E23A8}"/>
+              </a:ext>
+            </a:extLst>
+          </p:cNvPr>
+          <p:cNvCxnSpPr>
+            <a:cxnSpLocks/>
+          </p:cNvCxnSpPr>
+          <p:nvPr/>
+        </p:nvCxnSpPr>
+        <p:spPr>
+          <a:xfrm rot="5400000" flipH="1" flipV="1">
+            <a:off x="568564" y="4064628"/>
+            <a:ext cx="826066" cy="282957"/>
+          </a:xfrm>
+          <a:prstGeom prst="bentConnector2">
+            <a:avLst/>
+          </a:prstGeom>
+          <a:ln w="28575">
+            <a:solidFill>
+              <a:schemeClr val="tx1"/>
+            </a:solidFill>
+            <a:headEnd type="none" w="med" len="med"/>
+            <a:tailEnd type="arrow" w="med" len="med"/>
+          </a:ln>
+        </p:spPr>
+        <p:style>
+          <a:lnRef idx="1">
+            <a:schemeClr val="accent1"/>
+          </a:lnRef>
+          <a:fillRef idx="0">
+            <a:schemeClr val="accent1"/>
+          </a:fillRef>
+          <a:effectRef idx="0">
+            <a:schemeClr val="accent1"/>
+          </a:effectRef>
+          <a:fontRef idx="minor">
+            <a:schemeClr val="tx1"/>
+          </a:fontRef>
+        </p:style>
+      </p:cxnSp>
+      <p:sp>
+        <p:nvSpPr>
+          <p:cNvPr id="15" name="Textfeld 14">
+            <a:extLst>
+              <a:ext uri="{FF2B5EF4-FFF2-40B4-BE49-F238E27FC236}">
+                <a16:creationId xmlns:a16="http://schemas.microsoft.com/office/drawing/2014/main" id="{FBF4BE4D-2EE4-4DA2-9114-9242C322EB29}"/>
+              </a:ext>
+            </a:extLst>
+          </p:cNvPr>
+          <p:cNvSpPr txBox="1"/>
+          <p:nvPr/>
+        </p:nvSpPr>
+        <p:spPr>
+          <a:xfrm>
+            <a:off x="463140" y="4514515"/>
+            <a:ext cx="643125" cy="246221"/>
+          </a:xfrm>
+          <a:prstGeom prst="rect">
+            <a:avLst/>
+          </a:prstGeom>
+          <a:ln/>
+        </p:spPr>
+        <p:style>
+          <a:lnRef idx="0">
+            <a:schemeClr val="accent3"/>
+          </a:lnRef>
+          <a:fillRef idx="3">
+            <a:schemeClr val="accent3"/>
+          </a:fillRef>
+          <a:effectRef idx="3">
+            <a:schemeClr val="accent3"/>
+          </a:effectRef>
+          <a:fontRef idx="minor">
+            <a:schemeClr val="lt1"/>
+          </a:fontRef>
+        </p:style>
+        <p:txBody>
+          <a:bodyPr wrap="none" rtlCol="0">
+            <a:spAutoFit/>
+          </a:bodyPr>
+          <a:lstStyle/>
+          <a:p>
+            <a:r>
+              <a:rPr lang="de-DE" sz="1000" dirty="0" err="1">
+                <a:solidFill>
+                  <a:schemeClr val="bg1"/>
+                </a:solidFill>
+                <a:effectLst>
+                  <a:outerShdw blurRad="38100" dist="38100" dir="2700000" algn="tl">
+                    <a:srgbClr val="000000">
+                      <a:alpha val="43137"/>
+                    </a:srgbClr>
+                  </a:outerShdw>
+                </a:effectLst>
+              </a:rPr>
+              <a:t>readADC</a:t>
+            </a:r>
+            <a:endParaRPr lang="de-DE" sz="1000" dirty="0">
+              <a:solidFill>
+                <a:schemeClr val="bg1"/>
+              </a:solidFill>
+              <a:effectLst>
+                <a:outerShdw blurRad="38100" dist="38100" dir="2700000" algn="tl">
+                  <a:srgbClr val="000000">
+                    <a:alpha val="43137"/>
+                  </a:srgbClr>
+                </a:outerShdw>
+              </a:effectLst>
+            </a:endParaRPr>
+          </a:p>
+        </p:txBody>
+      </p:sp>
+      <p:graphicFrame>
+        <p:nvGraphicFramePr>
+          <p:cNvPr id="6" name="Tabelle 6">
+            <a:extLst>
+              <a:ext uri="{FF2B5EF4-FFF2-40B4-BE49-F238E27FC236}">
+                <a16:creationId xmlns:a16="http://schemas.microsoft.com/office/drawing/2014/main" id="{1E7261E3-537B-469D-8346-B522ACB0CC6A}"/>
+              </a:ext>
+            </a:extLst>
+          </p:cNvPr>
+          <p:cNvGraphicFramePr>
+            <a:graphicFrameLocks noGrp="1"/>
+          </p:cNvGraphicFramePr>
+          <p:nvPr>
+            <p:extLst>
+              <p:ext uri="{D42A27DB-BD31-4B8C-83A1-F6EECF244321}">
+                <p14:modId xmlns:p14="http://schemas.microsoft.com/office/powerpoint/2010/main" val="2766452968"/>
+              </p:ext>
+            </p:extLst>
+          </p:nvPr>
+        </p:nvGraphicFramePr>
+        <p:xfrm>
+          <a:off x="1112320" y="3200769"/>
+          <a:ext cx="1635497" cy="914400"/>
+        </p:xfrm>
+        <a:graphic>
+          <a:graphicData uri="http://schemas.openxmlformats.org/drawingml/2006/table">
+            <a:tbl>
+              <a:tblPr firstRow="1" bandRow="1">
+                <a:tableStyleId>{5C22544A-7EE6-4342-B048-85BDC9FD1C3A}</a:tableStyleId>
+              </a:tblPr>
+              <a:tblGrid>
+                <a:gridCol w="816891">
+                  <a:extLst>
+                    <a:ext uri="{9D8B030D-6E8A-4147-A177-3AD203B41FA5}">
+                      <a16:colId xmlns:a16="http://schemas.microsoft.com/office/drawing/2014/main" val="2011791369"/>
+                    </a:ext>
+                  </a:extLst>
+                </a:gridCol>
+                <a:gridCol w="818606">
+                  <a:extLst>
+                    <a:ext uri="{9D8B030D-6E8A-4147-A177-3AD203B41FA5}">
+                      <a16:colId xmlns:a16="http://schemas.microsoft.com/office/drawing/2014/main" val="3148711606"/>
+                    </a:ext>
+                  </a:extLst>
+                </a:gridCol>
+              </a:tblGrid>
+              <a:tr h="200297">
+                <a:tc gridSpan="2">
+                  <a:txBody>
+                    <a:bodyPr/>
+                    <a:lstStyle/>
+                    <a:p>
+                      <a:pPr algn="ctr"/>
+                      <a:r>
+                        <a:rPr lang="de-DE" sz="900" b="0" dirty="0" err="1">
+                          <a:solidFill>
+                            <a:schemeClr val="tx1"/>
+                          </a:solidFill>
+                          <a:effectLst>
+                            <a:outerShdw blurRad="38100" dist="38100" dir="2700000" algn="tl">
+                              <a:srgbClr val="000000">
+                                <a:alpha val="43137"/>
+                              </a:srgbClr>
+                            </a:outerShdw>
+                          </a:effectLst>
+                        </a:rPr>
+                        <a:t>RingBuf</a:t>
+                      </a:r>
+                      <a:r>
+                        <a:rPr lang="de-DE" sz="900" b="0" dirty="0">
+                          <a:solidFill>
+                            <a:schemeClr val="tx1"/>
+                          </a:solidFill>
+                          <a:effectLst>
+                            <a:outerShdw blurRad="38100" dist="38100" dir="2700000" algn="tl">
+                              <a:srgbClr val="000000">
+                                <a:alpha val="43137"/>
+                              </a:srgbClr>
+                            </a:outerShdw>
+                          </a:effectLst>
+                        </a:rPr>
+                        <a:t> []</a:t>
+                      </a:r>
+                    </a:p>
+                  </a:txBody>
+                  <a:tcPr>
+                    <a:solidFill>
+                      <a:schemeClr val="bg1">
+                        <a:lumMod val="75000"/>
+                      </a:schemeClr>
+                    </a:solidFill>
+                  </a:tcPr>
+                </a:tc>
+                <a:tc hMerge="1">
+                  <a:txBody>
+                    <a:bodyPr/>
+                    <a:lstStyle/>
+                    <a:p>
+                      <a:pPr algn="ctr"/>
+                      <a:endParaRPr lang="de-DE" sz="1000" dirty="0"/>
+                    </a:p>
+                  </a:txBody>
+                  <a:tcPr>
+                    <a:solidFill>
+                      <a:schemeClr val="bg1">
+                        <a:lumMod val="75000"/>
+                      </a:schemeClr>
+                    </a:solidFill>
+                  </a:tcPr>
+                </a:tc>
+                <a:extLst>
+                  <a:ext uri="{0D108BD9-81ED-4DB2-BD59-A6C34878D82A}">
+                    <a16:rowId xmlns:a16="http://schemas.microsoft.com/office/drawing/2014/main" val="732076502"/>
+                  </a:ext>
+                </a:extLst>
+              </a:tr>
+              <a:tr h="200297">
+                <a:tc>
+                  <a:txBody>
+                    <a:bodyPr/>
+                    <a:lstStyle/>
+                    <a:p>
+                      <a:pPr marL="0" marR="0" lvl="0" indent="0" algn="ctr" defTabSz="914400" rtl="0" eaLnBrk="1" fontAlgn="auto" latinLnBrk="0" hangingPunct="1">
+                        <a:lnSpc>
+                          <a:spcPct val="100000"/>
+                        </a:lnSpc>
+                        <a:spcBef>
+                          <a:spcPts val="0"/>
+                        </a:spcBef>
+                        <a:spcAft>
+                          <a:spcPts val="0"/>
+                        </a:spcAft>
+                        <a:buClrTx/>
+                        <a:buSzTx/>
+                        <a:buFontTx/>
+                        <a:buNone/>
+                        <a:tabLst/>
+                        <a:defRPr/>
+                      </a:pPr>
+                      <a:r>
+                        <a:rPr lang="de-DE" sz="900" b="0" kern="1200" dirty="0">
+                          <a:solidFill>
+                            <a:schemeClr val="tx1"/>
+                          </a:solidFill>
+                          <a:effectLst>
+                            <a:outerShdw blurRad="38100" dist="38100" dir="2700000" algn="tl">
+                              <a:srgbClr val="000000">
+                                <a:alpha val="43137"/>
+                              </a:srgbClr>
+                            </a:outerShdw>
+                          </a:effectLst>
+                          <a:latin typeface="+mn-lt"/>
+                          <a:ea typeface="+mn-ea"/>
+                          <a:cs typeface="+mn-cs"/>
+                        </a:rPr>
+                        <a:t>value_01</a:t>
+                      </a:r>
+                    </a:p>
+                  </a:txBody>
+                  <a:tcPr>
+                    <a:solidFill>
+                      <a:schemeClr val="bg1">
+                        <a:lumMod val="75000"/>
+                      </a:schemeClr>
+                    </a:solidFill>
+                  </a:tcPr>
+                </a:tc>
+                <a:tc>
+                  <a:txBody>
+                    <a:bodyPr/>
+                    <a:lstStyle/>
+                    <a:p>
+                      <a:pPr marL="0" marR="0" lvl="0" indent="0" algn="ctr" defTabSz="914400" rtl="0" eaLnBrk="1" fontAlgn="auto" latinLnBrk="0" hangingPunct="1">
+                        <a:lnSpc>
+                          <a:spcPct val="100000"/>
+                        </a:lnSpc>
+                        <a:spcBef>
+                          <a:spcPts val="0"/>
+                        </a:spcBef>
+                        <a:spcAft>
+                          <a:spcPts val="0"/>
+                        </a:spcAft>
+                        <a:buClrTx/>
+                        <a:buSzTx/>
+                        <a:buFontTx/>
+                        <a:buNone/>
+                        <a:tabLst/>
+                        <a:defRPr/>
+                      </a:pPr>
+                      <a:r>
+                        <a:rPr lang="de-DE" sz="900" b="0" kern="1200" dirty="0">
+                          <a:solidFill>
+                            <a:schemeClr val="tx1"/>
+                          </a:solidFill>
+                          <a:effectLst>
+                            <a:outerShdw blurRad="38100" dist="38100" dir="2700000" algn="tl">
+                              <a:srgbClr val="000000">
+                                <a:alpha val="43137"/>
+                              </a:srgbClr>
+                            </a:outerShdw>
+                          </a:effectLst>
+                          <a:latin typeface="+mn-lt"/>
+                          <a:ea typeface="+mn-ea"/>
+                          <a:cs typeface="+mn-cs"/>
+                        </a:rPr>
+                        <a:t>t_ms_01</a:t>
+                      </a:r>
+                    </a:p>
+                  </a:txBody>
+                  <a:tcPr>
+                    <a:solidFill>
+                      <a:schemeClr val="bg1">
+                        <a:lumMod val="75000"/>
+                      </a:schemeClr>
+                    </a:solidFill>
+                  </a:tcPr>
+                </a:tc>
+                <a:extLst>
+                  <a:ext uri="{0D108BD9-81ED-4DB2-BD59-A6C34878D82A}">
+                    <a16:rowId xmlns:a16="http://schemas.microsoft.com/office/drawing/2014/main" val="3398631485"/>
+                  </a:ext>
+                </a:extLst>
+              </a:tr>
+              <a:tr h="194734">
+                <a:tc>
+                  <a:txBody>
+                    <a:bodyPr/>
+                    <a:lstStyle/>
+                    <a:p>
+                      <a:pPr marL="0" marR="0" lvl="0" indent="0" algn="ctr" defTabSz="914400" rtl="0" eaLnBrk="1" fontAlgn="auto" latinLnBrk="0" hangingPunct="1">
+                        <a:lnSpc>
+                          <a:spcPct val="100000"/>
+                        </a:lnSpc>
+                        <a:spcBef>
+                          <a:spcPts val="0"/>
+                        </a:spcBef>
+                        <a:spcAft>
+                          <a:spcPts val="0"/>
+                        </a:spcAft>
+                        <a:buClrTx/>
+                        <a:buSzTx/>
+                        <a:buFontTx/>
+                        <a:buNone/>
+                        <a:tabLst/>
+                        <a:defRPr/>
+                      </a:pPr>
+                      <a:r>
+                        <a:rPr lang="de-DE" sz="900" b="0" kern="1200" dirty="0">
+                          <a:solidFill>
+                            <a:schemeClr val="tx1"/>
+                          </a:solidFill>
+                          <a:effectLst>
+                            <a:outerShdw blurRad="38100" dist="38100" dir="2700000" algn="tl">
+                              <a:srgbClr val="000000">
+                                <a:alpha val="43137"/>
+                              </a:srgbClr>
+                            </a:outerShdw>
+                          </a:effectLst>
+                          <a:latin typeface="+mn-lt"/>
+                          <a:ea typeface="+mn-ea"/>
+                          <a:cs typeface="+mn-cs"/>
+                        </a:rPr>
+                        <a:t>value_02</a:t>
+                      </a:r>
+                    </a:p>
+                  </a:txBody>
+                  <a:tcPr>
+                    <a:solidFill>
+                      <a:schemeClr val="bg1">
+                        <a:lumMod val="75000"/>
+                      </a:schemeClr>
+                    </a:solidFill>
+                  </a:tcPr>
+                </a:tc>
+                <a:tc>
+                  <a:txBody>
+                    <a:bodyPr/>
+                    <a:lstStyle/>
+                    <a:p>
+                      <a:pPr marL="0" algn="ctr" defTabSz="914400" rtl="0" eaLnBrk="1" latinLnBrk="0" hangingPunct="1"/>
+                      <a:r>
+                        <a:rPr lang="de-DE" sz="900" b="0" kern="1200" dirty="0">
+                          <a:solidFill>
+                            <a:schemeClr val="tx1"/>
+                          </a:solidFill>
+                          <a:effectLst>
+                            <a:outerShdw blurRad="38100" dist="38100" dir="2700000" algn="tl">
+                              <a:srgbClr val="000000">
+                                <a:alpha val="43137"/>
+                              </a:srgbClr>
+                            </a:outerShdw>
+                          </a:effectLst>
+                          <a:latin typeface="+mn-lt"/>
+                          <a:ea typeface="+mn-ea"/>
+                          <a:cs typeface="+mn-cs"/>
+                        </a:rPr>
+                        <a:t>t_ms_02</a:t>
+                      </a:r>
+                    </a:p>
+                  </a:txBody>
+                  <a:tcPr>
+                    <a:solidFill>
+                      <a:schemeClr val="bg1">
+                        <a:lumMod val="75000"/>
+                      </a:schemeClr>
+                    </a:solidFill>
+                  </a:tcPr>
+                </a:tc>
+                <a:extLst>
+                  <a:ext uri="{0D108BD9-81ED-4DB2-BD59-A6C34878D82A}">
+                    <a16:rowId xmlns:a16="http://schemas.microsoft.com/office/drawing/2014/main" val="1505139352"/>
+                  </a:ext>
+                </a:extLst>
+              </a:tr>
+              <a:tr h="128211">
+                <a:tc>
+                  <a:txBody>
+                    <a:bodyPr/>
+                    <a:lstStyle/>
+                    <a:p>
+                      <a:pPr marL="0" marR="0" lvl="0" indent="0" algn="ctr" defTabSz="914400" rtl="0" eaLnBrk="1" fontAlgn="auto" latinLnBrk="0" hangingPunct="1">
+                        <a:lnSpc>
+                          <a:spcPct val="100000"/>
+                        </a:lnSpc>
+                        <a:spcBef>
+                          <a:spcPts val="0"/>
+                        </a:spcBef>
+                        <a:spcAft>
+                          <a:spcPts val="0"/>
+                        </a:spcAft>
+                        <a:buClrTx/>
+                        <a:buSzTx/>
+                        <a:buFontTx/>
+                        <a:buNone/>
+                        <a:tabLst/>
+                        <a:defRPr/>
+                      </a:pPr>
+                      <a:r>
+                        <a:rPr lang="de-DE" sz="900" b="0" kern="1200" dirty="0">
+                          <a:solidFill>
+                            <a:schemeClr val="tx1"/>
+                          </a:solidFill>
+                          <a:effectLst>
+                            <a:outerShdw blurRad="38100" dist="38100" dir="2700000" algn="tl">
+                              <a:srgbClr val="000000">
+                                <a:alpha val="43137"/>
+                              </a:srgbClr>
+                            </a:outerShdw>
+                          </a:effectLst>
+                          <a:latin typeface="+mn-lt"/>
+                          <a:ea typeface="+mn-ea"/>
+                          <a:cs typeface="+mn-cs"/>
+                        </a:rPr>
+                        <a:t>value_03</a:t>
+                      </a:r>
+                    </a:p>
+                  </a:txBody>
+                  <a:tcPr>
+                    <a:solidFill>
+                      <a:schemeClr val="bg1">
+                        <a:lumMod val="75000"/>
+                      </a:schemeClr>
+                    </a:solidFill>
+                  </a:tcPr>
+                </a:tc>
+                <a:tc>
+                  <a:txBody>
+                    <a:bodyPr/>
+                    <a:lstStyle/>
+                    <a:p>
+                      <a:pPr marL="0" marR="0" lvl="0" indent="0" algn="ctr" defTabSz="914400" rtl="0" eaLnBrk="1" fontAlgn="auto" latinLnBrk="0" hangingPunct="1">
+                        <a:lnSpc>
+                          <a:spcPct val="100000"/>
+                        </a:lnSpc>
+                        <a:spcBef>
+                          <a:spcPts val="0"/>
+                        </a:spcBef>
+                        <a:spcAft>
+                          <a:spcPts val="0"/>
+                        </a:spcAft>
+                        <a:buClrTx/>
+                        <a:buSzTx/>
+                        <a:buFontTx/>
+                        <a:buNone/>
+                        <a:tabLst/>
+                        <a:defRPr/>
+                      </a:pPr>
+                      <a:r>
+                        <a:rPr lang="de-DE" sz="900" b="0" kern="1200" dirty="0">
+                          <a:solidFill>
+                            <a:schemeClr val="tx1"/>
+                          </a:solidFill>
+                          <a:effectLst>
+                            <a:outerShdw blurRad="38100" dist="38100" dir="2700000" algn="tl">
+                              <a:srgbClr val="000000">
+                                <a:alpha val="43137"/>
+                              </a:srgbClr>
+                            </a:outerShdw>
+                          </a:effectLst>
+                          <a:latin typeface="+mn-lt"/>
+                          <a:ea typeface="+mn-ea"/>
+                          <a:cs typeface="+mn-cs"/>
+                        </a:rPr>
+                        <a:t>t_ms_03</a:t>
+                      </a:r>
+                    </a:p>
+                  </a:txBody>
+                  <a:tcPr>
+                    <a:solidFill>
+                      <a:schemeClr val="bg1">
+                        <a:lumMod val="75000"/>
+                      </a:schemeClr>
+                    </a:solidFill>
+                  </a:tcPr>
+                </a:tc>
+                <a:extLst>
+                  <a:ext uri="{0D108BD9-81ED-4DB2-BD59-A6C34878D82A}">
+                    <a16:rowId xmlns:a16="http://schemas.microsoft.com/office/drawing/2014/main" val="3656385029"/>
+                  </a:ext>
+                </a:extLst>
+              </a:tr>
+            </a:tbl>
+          </a:graphicData>
+        </a:graphic>
+      </p:graphicFrame>
+      <p:sp>
+        <p:nvSpPr>
+          <p:cNvPr id="26" name="Rechteck 25">
+            <a:extLst>
+              <a:ext uri="{FF2B5EF4-FFF2-40B4-BE49-F238E27FC236}">
+                <a16:creationId xmlns:a16="http://schemas.microsoft.com/office/drawing/2014/main" id="{9A229D87-7085-447B-BDDA-76B772676614}"/>
+              </a:ext>
+            </a:extLst>
+          </p:cNvPr>
+          <p:cNvSpPr/>
+          <p:nvPr/>
+        </p:nvSpPr>
+        <p:spPr>
+          <a:xfrm>
+            <a:off x="2303394" y="4905864"/>
+            <a:ext cx="1107431" cy="365187"/>
+          </a:xfrm>
+          <a:prstGeom prst="rect">
+            <a:avLst/>
+          </a:prstGeom>
+        </p:spPr>
+        <p:style>
+          <a:lnRef idx="0">
+            <a:schemeClr val="accent5"/>
+          </a:lnRef>
+          <a:fillRef idx="3">
+            <a:schemeClr val="accent5"/>
+          </a:fillRef>
+          <a:effectRef idx="3">
+            <a:schemeClr val="accent5"/>
+          </a:effectRef>
+          <a:fontRef idx="minor">
+            <a:schemeClr val="lt1"/>
+          </a:fontRef>
+        </p:style>
+        <p:txBody>
+          <a:bodyPr rtlCol="0" anchor="ctr"/>
+          <a:lstStyle/>
+          <a:p>
+            <a:pPr algn="ctr"/>
+            <a:r>
+              <a:rPr lang="de-DE" sz="1000" dirty="0" err="1">
+                <a:effectLst>
+                  <a:outerShdw blurRad="38100" dist="38100" dir="2700000" algn="tl">
+                    <a:srgbClr val="000000">
+                      <a:alpha val="43137"/>
+                    </a:srgbClr>
+                  </a:outerShdw>
+                </a:effectLst>
+              </a:rPr>
+              <a:t>k_timer</a:t>
+            </a:r>
+            <a:br>
+              <a:rPr lang="de-DE" sz="1000" dirty="0">
+                <a:effectLst>
+                  <a:outerShdw blurRad="38100" dist="38100" dir="2700000" algn="tl">
+                    <a:srgbClr val="000000">
+                      <a:alpha val="43137"/>
+                    </a:srgbClr>
+                  </a:outerShdw>
+                </a:effectLst>
+              </a:rPr>
+            </a:br>
+            <a:r>
+              <a:rPr lang="de-DE" sz="1000" dirty="0" err="1">
+                <a:effectLst>
+                  <a:outerShdw blurRad="38100" dist="38100" dir="2700000" algn="tl">
+                    <a:srgbClr val="000000">
+                      <a:alpha val="43137"/>
+                    </a:srgbClr>
+                  </a:outerShdw>
+                </a:effectLst>
+              </a:rPr>
+              <a:t>SampleTimer</a:t>
+            </a:r>
+            <a:endParaRPr lang="de-DE" sz="1000" dirty="0">
+              <a:effectLst>
+                <a:outerShdw blurRad="38100" dist="38100" dir="2700000" algn="tl">
+                  <a:srgbClr val="000000">
+                    <a:alpha val="43137"/>
+                  </a:srgbClr>
+                </a:outerShdw>
+              </a:effectLst>
+            </a:endParaRPr>
+          </a:p>
+        </p:txBody>
+      </p:sp>
+      <p:sp>
+        <p:nvSpPr>
+          <p:cNvPr id="28" name="Rechteck 27">
+            <a:extLst>
+              <a:ext uri="{FF2B5EF4-FFF2-40B4-BE49-F238E27FC236}">
+                <a16:creationId xmlns:a16="http://schemas.microsoft.com/office/drawing/2014/main" id="{E7E4D529-51B7-47E7-A57C-BD29B12F043E}"/>
+              </a:ext>
+            </a:extLst>
+          </p:cNvPr>
+          <p:cNvSpPr/>
+          <p:nvPr/>
+        </p:nvSpPr>
+        <p:spPr>
+          <a:xfrm>
+            <a:off x="1297152" y="4302034"/>
+            <a:ext cx="903904" cy="1367246"/>
+          </a:xfrm>
+          <a:prstGeom prst="rect">
+            <a:avLst/>
+          </a:prstGeom>
+        </p:spPr>
+        <p:style>
+          <a:lnRef idx="0">
+            <a:schemeClr val="accent3"/>
+          </a:lnRef>
+          <a:fillRef idx="3">
+            <a:schemeClr val="accent3"/>
+          </a:fillRef>
+          <a:effectRef idx="3">
+            <a:schemeClr val="accent3"/>
+          </a:effectRef>
+          <a:fontRef idx="minor">
+            <a:schemeClr val="lt1"/>
+          </a:fontRef>
+        </p:style>
+        <p:txBody>
+          <a:bodyPr rtlCol="0" anchor="t"/>
+          <a:lstStyle/>
+          <a:p>
+            <a:pPr algn="ctr"/>
+            <a:r>
+              <a:rPr lang="de-DE" sz="1200" dirty="0">
+                <a:effectLst>
+                  <a:outerShdw blurRad="38100" dist="38100" dir="2700000" algn="tl">
+                    <a:srgbClr val="000000">
+                      <a:alpha val="43137"/>
+                    </a:srgbClr>
+                  </a:outerShdw>
+                </a:effectLst>
+              </a:rPr>
+              <a:t>loop()</a:t>
+            </a:r>
+          </a:p>
+          <a:p>
+            <a:pPr algn="ctr"/>
+            <a:br>
+              <a:rPr lang="de-DE" sz="1200" dirty="0">
+                <a:effectLst>
+                  <a:outerShdw blurRad="38100" dist="38100" dir="2700000" algn="tl">
+                    <a:srgbClr val="000000">
+                      <a:alpha val="43137"/>
+                    </a:srgbClr>
+                  </a:outerShdw>
+                </a:effectLst>
+              </a:rPr>
+            </a:br>
+            <a:endParaRPr lang="de-DE" sz="1200" dirty="0">
+              <a:effectLst>
+                <a:outerShdw blurRad="38100" dist="38100" dir="2700000" algn="tl">
+                  <a:srgbClr val="000000">
+                    <a:alpha val="43137"/>
+                  </a:srgbClr>
+                </a:outerShdw>
+              </a:effectLst>
+            </a:endParaRPr>
+          </a:p>
+          <a:p>
+            <a:pPr algn="ctr"/>
+            <a:r>
+              <a:rPr lang="de-DE" sz="1200" dirty="0" err="1">
+                <a:effectLst>
+                  <a:outerShdw blurRad="38100" dist="38100" dir="2700000" algn="tl">
+                    <a:srgbClr val="000000">
+                      <a:alpha val="43137"/>
+                    </a:srgbClr>
+                  </a:outerShdw>
+                </a:effectLst>
+              </a:rPr>
+              <a:t>timer_ticks</a:t>
+            </a:r>
+            <a:endParaRPr lang="de-DE" sz="1200" dirty="0">
+              <a:effectLst>
+                <a:outerShdw blurRad="38100" dist="38100" dir="2700000" algn="tl">
+                  <a:srgbClr val="000000">
+                    <a:alpha val="43137"/>
+                  </a:srgbClr>
+                </a:outerShdw>
+              </a:effectLst>
+            </a:endParaRPr>
+          </a:p>
+        </p:txBody>
+      </p:sp>
+      <p:cxnSp>
+        <p:nvCxnSpPr>
+          <p:cNvPr id="32" name="Verbinder: gewinkelt 31">
+            <a:extLst>
+              <a:ext uri="{FF2B5EF4-FFF2-40B4-BE49-F238E27FC236}">
+                <a16:creationId xmlns:a16="http://schemas.microsoft.com/office/drawing/2014/main" id="{221854E3-6F2F-409D-8E7A-29FF6DD31495}"/>
+              </a:ext>
+            </a:extLst>
+          </p:cNvPr>
+          <p:cNvCxnSpPr>
+            <a:cxnSpLocks/>
+          </p:cNvCxnSpPr>
+          <p:nvPr/>
+        </p:nvCxnSpPr>
+        <p:spPr>
+          <a:xfrm rot="10800000">
+            <a:off x="1749104" y="5092729"/>
+            <a:ext cx="554292" cy="309104"/>
+          </a:xfrm>
+          <a:prstGeom prst="bentConnector3">
+            <a:avLst>
+              <a:gd name="adj1" fmla="val 99760"/>
+            </a:avLst>
+          </a:prstGeom>
+          <a:ln w="28575">
+            <a:solidFill>
+              <a:schemeClr val="tx1"/>
+            </a:solidFill>
+            <a:headEnd type="none" w="med" len="med"/>
+            <a:tailEnd type="arrow" w="med" len="med"/>
+          </a:ln>
+        </p:spPr>
+        <p:style>
+          <a:lnRef idx="1">
+            <a:schemeClr val="accent1"/>
+          </a:lnRef>
+          <a:fillRef idx="0">
+            <a:schemeClr val="accent1"/>
+          </a:fillRef>
+          <a:effectRef idx="0">
+            <a:schemeClr val="accent1"/>
+          </a:effectRef>
+          <a:fontRef idx="minor">
+            <a:schemeClr val="tx1"/>
+          </a:fontRef>
+        </p:style>
+      </p:cxnSp>
+      <p:cxnSp>
+        <p:nvCxnSpPr>
+          <p:cNvPr id="40" name="Verbinder: gewinkelt 39">
+            <a:extLst>
+              <a:ext uri="{FF2B5EF4-FFF2-40B4-BE49-F238E27FC236}">
+                <a16:creationId xmlns:a16="http://schemas.microsoft.com/office/drawing/2014/main" id="{6326DF14-C1B2-49D1-B04B-F388B1794D4A}"/>
+              </a:ext>
+            </a:extLst>
+          </p:cNvPr>
+          <p:cNvCxnSpPr>
+            <a:endCxn id="15" idx="3"/>
+          </p:cNvCxnSpPr>
+          <p:nvPr/>
+        </p:nvCxnSpPr>
+        <p:spPr>
+          <a:xfrm rot="10800000">
+            <a:off x="1106266" y="4637626"/>
+            <a:ext cx="642839" cy="208694"/>
+          </a:xfrm>
+          <a:prstGeom prst="bentConnector3">
+            <a:avLst>
+              <a:gd name="adj1" fmla="val -2521"/>
+            </a:avLst>
+          </a:prstGeom>
+          <a:ln w="28575">
+            <a:solidFill>
+              <a:schemeClr val="tx1"/>
+            </a:solidFill>
+            <a:headEnd type="none" w="med" len="med"/>
+            <a:tailEnd type="arrow" w="med" len="med"/>
+          </a:ln>
+        </p:spPr>
+        <p:style>
+          <a:lnRef idx="1">
+            <a:schemeClr val="accent1"/>
+          </a:lnRef>
+          <a:fillRef idx="0">
+            <a:schemeClr val="accent1"/>
+          </a:fillRef>
+          <a:effectRef idx="0">
+            <a:schemeClr val="accent1"/>
+          </a:effectRef>
+          <a:fontRef idx="minor">
+            <a:schemeClr val="tx1"/>
+          </a:fontRef>
+        </p:style>
+      </p:cxnSp>
+      <p:sp>
+        <p:nvSpPr>
+          <p:cNvPr id="27" name="Rechteck 26">
+            <a:extLst>
+              <a:ext uri="{FF2B5EF4-FFF2-40B4-BE49-F238E27FC236}">
+                <a16:creationId xmlns:a16="http://schemas.microsoft.com/office/drawing/2014/main" id="{0938E29D-A8B1-44DB-B462-9281E116B7BD}"/>
+              </a:ext>
+            </a:extLst>
+          </p:cNvPr>
+          <p:cNvSpPr/>
+          <p:nvPr/>
+        </p:nvSpPr>
+        <p:spPr>
+          <a:xfrm>
+            <a:off x="2303394" y="5279760"/>
+            <a:ext cx="1103822" cy="276998"/>
+          </a:xfrm>
+          <a:prstGeom prst="rect">
+            <a:avLst/>
+          </a:prstGeom>
+        </p:spPr>
+        <p:style>
+          <a:lnRef idx="0">
+            <a:schemeClr val="accent3"/>
+          </a:lnRef>
+          <a:fillRef idx="3">
+            <a:schemeClr val="accent3"/>
+          </a:fillRef>
+          <a:effectRef idx="3">
+            <a:schemeClr val="accent3"/>
+          </a:effectRef>
+          <a:fontRef idx="minor">
+            <a:schemeClr val="lt1"/>
+          </a:fontRef>
+        </p:style>
+        <p:txBody>
+          <a:bodyPr rtlCol="0" anchor="ctr"/>
+          <a:lstStyle/>
+          <a:p>
+            <a:pPr algn="ctr"/>
+            <a:r>
+              <a:rPr lang="de-DE" sz="1000" dirty="0" err="1">
+                <a:effectLst>
+                  <a:outerShdw blurRad="38100" dist="38100" dir="2700000" algn="tl">
+                    <a:srgbClr val="000000">
+                      <a:alpha val="43137"/>
+                    </a:srgbClr>
+                  </a:outerShdw>
+                </a:effectLst>
+              </a:rPr>
+              <a:t>onSampleTimer</a:t>
+            </a:r>
+            <a:endParaRPr lang="de-DE" sz="1000" dirty="0">
+              <a:effectLst>
+                <a:outerShdw blurRad="38100" dist="38100" dir="2700000" algn="tl">
+                  <a:srgbClr val="000000">
+                    <a:alpha val="43137"/>
+                  </a:srgbClr>
+                </a:outerShdw>
+              </a:effectLst>
+            </a:endParaRPr>
+          </a:p>
+        </p:txBody>
+      </p:sp>
+      <p:sp>
+        <p:nvSpPr>
+          <p:cNvPr id="45" name="Rechteck 44">
+            <a:extLst>
+              <a:ext uri="{FF2B5EF4-FFF2-40B4-BE49-F238E27FC236}">
+                <a16:creationId xmlns:a16="http://schemas.microsoft.com/office/drawing/2014/main" id="{335868A5-4690-4B48-BC75-7A3EC46D70B4}"/>
+              </a:ext>
+            </a:extLst>
+          </p:cNvPr>
+          <p:cNvSpPr/>
+          <p:nvPr/>
+        </p:nvSpPr>
+        <p:spPr>
+          <a:xfrm>
+            <a:off x="6689188" y="1516702"/>
+            <a:ext cx="3781196" cy="4283455"/>
+          </a:xfrm>
+          <a:prstGeom prst="rect">
+            <a:avLst/>
+          </a:prstGeom>
+          <a:solidFill>
+            <a:schemeClr val="accent1">
+              <a:lumMod val="40000"/>
+              <a:lumOff val="60000"/>
+            </a:schemeClr>
+          </a:solidFill>
+          <a:ln/>
+        </p:spPr>
+        <p:style>
+          <a:lnRef idx="0">
+            <a:schemeClr val="accent5"/>
+          </a:lnRef>
+          <a:fillRef idx="3">
+            <a:schemeClr val="accent5"/>
+          </a:fillRef>
+          <a:effectRef idx="3">
+            <a:schemeClr val="accent5"/>
+          </a:effectRef>
+          <a:fontRef idx="minor">
+            <a:schemeClr val="lt1"/>
+          </a:fontRef>
+        </p:style>
+        <p:txBody>
+          <a:bodyPr rtlCol="0" anchor="t"/>
+          <a:lstStyle/>
+          <a:p>
+            <a:pPr algn="ctr"/>
+            <a:r>
+              <a:rPr lang="de-DE" b="1" dirty="0">
+                <a:effectLst>
+                  <a:outerShdw blurRad="38100" dist="38100" dir="2700000" algn="tl">
+                    <a:srgbClr val="000000">
+                      <a:alpha val="43137"/>
+                    </a:srgbClr>
+                  </a:outerShdw>
+                </a:effectLst>
+              </a:rPr>
+              <a:t>Debian Linux</a:t>
+            </a:r>
+          </a:p>
+        </p:txBody>
+      </p:sp>
+      <p:sp>
+        <p:nvSpPr>
+          <p:cNvPr id="46" name="Rechteck 45">
+            <a:extLst>
+              <a:ext uri="{FF2B5EF4-FFF2-40B4-BE49-F238E27FC236}">
+                <a16:creationId xmlns:a16="http://schemas.microsoft.com/office/drawing/2014/main" id="{BC0E84E3-69F8-4DF1-8DE3-EE7A93CC9C04}"/>
+              </a:ext>
+            </a:extLst>
+          </p:cNvPr>
+          <p:cNvSpPr/>
+          <p:nvPr/>
+        </p:nvSpPr>
+        <p:spPr>
+          <a:xfrm>
+            <a:off x="6689187" y="1031903"/>
+            <a:ext cx="3781197" cy="465290"/>
+          </a:xfrm>
+          <a:prstGeom prst="rect">
+            <a:avLst/>
+          </a:prstGeom>
+          <a:ln/>
+        </p:spPr>
+        <p:style>
+          <a:lnRef idx="0">
+            <a:schemeClr val="accent6"/>
+          </a:lnRef>
+          <a:fillRef idx="3">
+            <a:schemeClr val="accent6"/>
+          </a:fillRef>
+          <a:effectRef idx="3">
+            <a:schemeClr val="accent6"/>
+          </a:effectRef>
+          <a:fontRef idx="minor">
+            <a:schemeClr val="lt1"/>
+          </a:fontRef>
+        </p:style>
+        <p:txBody>
+          <a:bodyPr rtlCol="0" anchor="t"/>
+          <a:lstStyle/>
+          <a:p>
+            <a:pPr algn="ctr"/>
+            <a:r>
+              <a:rPr lang="de-DE" b="1" dirty="0">
+                <a:effectLst>
+                  <a:outerShdw blurRad="38100" dist="38100" dir="2700000" algn="tl">
+                    <a:srgbClr val="000000">
+                      <a:alpha val="43137"/>
+                    </a:srgbClr>
+                  </a:outerShdw>
+                </a:effectLst>
+              </a:rPr>
+              <a:t>MPU – QRB2210</a:t>
+            </a:r>
+          </a:p>
+        </p:txBody>
+      </p:sp>
+      <p:sp>
+        <p:nvSpPr>
+          <p:cNvPr id="47" name="Rechteck 46">
+            <a:extLst>
+              <a:ext uri="{FF2B5EF4-FFF2-40B4-BE49-F238E27FC236}">
+                <a16:creationId xmlns:a16="http://schemas.microsoft.com/office/drawing/2014/main" id="{852C0AA6-C4DE-41C1-A3B7-9D364705BE1B}"/>
+              </a:ext>
+            </a:extLst>
+          </p:cNvPr>
+          <p:cNvSpPr/>
+          <p:nvPr/>
+        </p:nvSpPr>
+        <p:spPr>
+          <a:xfrm>
+            <a:off x="6894613" y="2030168"/>
+            <a:ext cx="3245180" cy="3574235"/>
+          </a:xfrm>
+          <a:prstGeom prst="rect">
+            <a:avLst/>
+          </a:prstGeom>
+          <a:ln/>
+        </p:spPr>
+        <p:style>
+          <a:lnRef idx="0">
+            <a:schemeClr val="accent4"/>
+          </a:lnRef>
+          <a:fillRef idx="3">
+            <a:schemeClr val="accent4"/>
+          </a:fillRef>
+          <a:effectRef idx="3">
+            <a:schemeClr val="accent4"/>
+          </a:effectRef>
+          <a:fontRef idx="minor">
+            <a:schemeClr val="lt1"/>
+          </a:fontRef>
+        </p:style>
+        <p:txBody>
+          <a:bodyPr rtlCol="0" anchor="b"/>
+          <a:lstStyle/>
+          <a:p>
+            <a:pPr algn="ctr"/>
+            <a:r>
+              <a:rPr lang="de-DE" sz="1600" b="1" dirty="0">
+                <a:effectLst>
+                  <a:outerShdw blurRad="38100" dist="38100" dir="2700000" algn="tl">
+                    <a:srgbClr val="000000">
+                      <a:alpha val="43137"/>
+                    </a:srgbClr>
+                  </a:outerShdw>
+                </a:effectLst>
+              </a:rPr>
+              <a:t>Docker-Container</a:t>
+            </a:r>
+          </a:p>
+        </p:txBody>
+      </p:sp>
+      <p:sp>
+        <p:nvSpPr>
+          <p:cNvPr id="48" name="Rechteck 47">
+            <a:extLst>
+              <a:ext uri="{FF2B5EF4-FFF2-40B4-BE49-F238E27FC236}">
+                <a16:creationId xmlns:a16="http://schemas.microsoft.com/office/drawing/2014/main" id="{41700831-4DC2-4A0C-AEB8-05366E1971BC}"/>
+              </a:ext>
+            </a:extLst>
+          </p:cNvPr>
+          <p:cNvSpPr/>
+          <p:nvPr/>
+        </p:nvSpPr>
+        <p:spPr>
+          <a:xfrm>
+            <a:off x="7009090" y="2119710"/>
+            <a:ext cx="2947822" cy="2833799"/>
+          </a:xfrm>
+          <a:prstGeom prst="rect">
+            <a:avLst/>
+          </a:prstGeom>
+        </p:spPr>
+        <p:style>
+          <a:lnRef idx="0">
+            <a:schemeClr val="accent1"/>
+          </a:lnRef>
+          <a:fillRef idx="3">
+            <a:schemeClr val="accent1"/>
+          </a:fillRef>
+          <a:effectRef idx="3">
+            <a:schemeClr val="accent1"/>
+          </a:effectRef>
+          <a:fontRef idx="minor">
+            <a:schemeClr val="lt1"/>
+          </a:fontRef>
+        </p:style>
+        <p:txBody>
+          <a:bodyPr rtlCol="0" anchor="b"/>
+          <a:lstStyle/>
+          <a:p>
+            <a:r>
+              <a:rPr lang="de-DE" sz="1600" b="1" dirty="0">
+                <a:effectLst>
+                  <a:outerShdw blurRad="38100" dist="38100" dir="2700000" algn="tl">
+                    <a:srgbClr val="000000">
+                      <a:alpha val="43137"/>
+                    </a:srgbClr>
+                  </a:outerShdw>
+                </a:effectLst>
+              </a:rPr>
+              <a:t>Python</a:t>
+            </a:r>
+          </a:p>
+        </p:txBody>
+      </p:sp>
+      <p:sp>
+        <p:nvSpPr>
+          <p:cNvPr id="56" name="Rechteck 55">
+            <a:extLst>
+              <a:ext uri="{FF2B5EF4-FFF2-40B4-BE49-F238E27FC236}">
+                <a16:creationId xmlns:a16="http://schemas.microsoft.com/office/drawing/2014/main" id="{89B78070-CA21-48D7-A2E8-BC3FCEE60D55}"/>
+              </a:ext>
+            </a:extLst>
+          </p:cNvPr>
+          <p:cNvSpPr/>
+          <p:nvPr/>
+        </p:nvSpPr>
+        <p:spPr>
+          <a:xfrm>
+            <a:off x="7180851" y="2210419"/>
+            <a:ext cx="2604300" cy="1438555"/>
+          </a:xfrm>
+          <a:prstGeom prst="rect">
+            <a:avLst/>
+          </a:prstGeom>
+        </p:spPr>
+        <p:style>
+          <a:lnRef idx="0">
+            <a:schemeClr val="accent3"/>
+          </a:lnRef>
+          <a:fillRef idx="3">
+            <a:schemeClr val="accent3"/>
+          </a:fillRef>
+          <a:effectRef idx="3">
+            <a:schemeClr val="accent3"/>
+          </a:effectRef>
+          <a:fontRef idx="minor">
+            <a:schemeClr val="lt1"/>
+          </a:fontRef>
+        </p:style>
+        <p:txBody>
+          <a:bodyPr rtlCol="0" anchor="t"/>
+          <a:lstStyle/>
+          <a:p>
+            <a:pPr algn="ctr"/>
+            <a:r>
+              <a:rPr lang="de-DE" sz="1200" b="1" dirty="0">
+                <a:effectLst>
+                  <a:outerShdw blurRad="38100" dist="38100" dir="2700000" algn="tl">
+                    <a:srgbClr val="000000">
+                      <a:alpha val="43137"/>
+                    </a:srgbClr>
+                  </a:outerShdw>
+                </a:effectLst>
+              </a:rPr>
+              <a:t>arduino_q_bridge_rpc.py</a:t>
+            </a:r>
+            <a:br>
+              <a:rPr lang="de-DE" sz="1000" dirty="0">
+                <a:effectLst>
+                  <a:outerShdw blurRad="38100" dist="38100" dir="2700000" algn="tl">
+                    <a:srgbClr val="000000">
+                      <a:alpha val="43137"/>
+                    </a:srgbClr>
+                  </a:outerShdw>
+                </a:effectLst>
+              </a:rPr>
+            </a:br>
+            <a:endParaRPr lang="de-DE" sz="1000" dirty="0">
+              <a:effectLst>
+                <a:outerShdw blurRad="38100" dist="38100" dir="2700000" algn="tl">
+                  <a:srgbClr val="000000">
+                    <a:alpha val="43137"/>
+                  </a:srgbClr>
+                </a:outerShdw>
+              </a:effectLst>
+            </a:endParaRPr>
+          </a:p>
+          <a:p>
+            <a:pPr algn="ctr"/>
+            <a:r>
+              <a:rPr lang="de-DE" sz="1200" dirty="0" err="1">
+                <a:effectLst>
+                  <a:outerShdw blurRad="38100" dist="38100" dir="2700000" algn="tl">
+                    <a:srgbClr val="000000">
+                      <a:alpha val="43137"/>
+                    </a:srgbClr>
+                  </a:outerShdw>
+                </a:effectLst>
+              </a:rPr>
+              <a:t>request_frame</a:t>
+            </a:r>
+            <a:r>
+              <a:rPr lang="de-DE" sz="1200" dirty="0">
+                <a:effectLst>
+                  <a:outerShdw blurRad="38100" dist="38100" dir="2700000" algn="tl">
+                    <a:srgbClr val="000000">
+                      <a:alpha val="43137"/>
+                    </a:srgbClr>
+                  </a:outerShdw>
+                </a:effectLst>
+              </a:rPr>
+              <a:t>()</a:t>
+            </a:r>
+          </a:p>
+          <a:p>
+            <a:pPr algn="ctr"/>
+            <a:r>
+              <a:rPr lang="de-DE" sz="1000" dirty="0">
+                <a:effectLst>
+                  <a:outerShdw blurRad="38100" dist="38100" dir="2700000" algn="tl">
+                    <a:srgbClr val="000000">
+                      <a:alpha val="43137"/>
+                    </a:srgbClr>
+                  </a:outerShdw>
+                </a:effectLst>
+              </a:rPr>
+              <a:t>↓</a:t>
+            </a:r>
+          </a:p>
+          <a:p>
+            <a:pPr algn="ctr"/>
+            <a:r>
+              <a:rPr lang="de-DE" sz="1200" dirty="0" err="1">
+                <a:effectLst>
+                  <a:outerShdw blurRad="38100" dist="38100" dir="2700000" algn="tl">
+                    <a:srgbClr val="000000">
+                      <a:alpha val="43137"/>
+                    </a:srgbClr>
+                  </a:outerShdw>
+                </a:effectLst>
+              </a:rPr>
+              <a:t>Bridge.call</a:t>
+            </a:r>
+            <a:r>
+              <a:rPr lang="de-DE" sz="1200" dirty="0">
+                <a:effectLst>
+                  <a:outerShdw blurRad="38100" dist="38100" dir="2700000" algn="tl">
+                    <a:srgbClr val="000000">
+                      <a:alpha val="43137"/>
+                    </a:srgbClr>
+                  </a:outerShdw>
+                </a:effectLst>
+              </a:rPr>
+              <a:t>(</a:t>
+            </a:r>
+            <a:r>
+              <a:rPr lang="de-DE" sz="1200" dirty="0" err="1">
+                <a:effectLst>
+                  <a:outerShdw blurRad="38100" dist="38100" dir="2700000" algn="tl">
+                    <a:srgbClr val="000000">
+                      <a:alpha val="43137"/>
+                    </a:srgbClr>
+                  </a:outerShdw>
+                </a:effectLst>
+              </a:rPr>
+              <a:t>ecg_get_frame</a:t>
+            </a:r>
+            <a:r>
+              <a:rPr lang="de-DE" sz="1200" dirty="0">
+                <a:effectLst>
+                  <a:outerShdw blurRad="38100" dist="38100" dir="2700000" algn="tl">
+                    <a:srgbClr val="000000">
+                      <a:alpha val="43137"/>
+                    </a:srgbClr>
+                  </a:outerShdw>
+                </a:effectLst>
+              </a:rPr>
+              <a:t>)</a:t>
+            </a:r>
+            <a:br>
+              <a:rPr lang="de-DE" sz="1200" dirty="0">
+                <a:effectLst>
+                  <a:outerShdw blurRad="38100" dist="38100" dir="2700000" algn="tl">
+                    <a:srgbClr val="000000">
+                      <a:alpha val="43137"/>
+                    </a:srgbClr>
+                  </a:outerShdw>
+                </a:effectLst>
+              </a:rPr>
+            </a:br>
+            <a:r>
+              <a:rPr lang="de-DE" sz="1200" dirty="0">
+                <a:effectLst>
+                  <a:outerShdw blurRad="38100" dist="38100" dir="2700000" algn="tl">
+                    <a:srgbClr val="000000">
+                      <a:alpha val="43137"/>
+                    </a:srgbClr>
+                  </a:outerShdw>
+                </a:effectLst>
+              </a:rPr>
+              <a:t>↓</a:t>
+            </a:r>
+          </a:p>
+          <a:p>
+            <a:pPr algn="ctr"/>
+            <a:r>
+              <a:rPr lang="de-DE" sz="1200" dirty="0" err="1">
+                <a:effectLst>
+                  <a:outerShdw blurRad="38100" dist="38100" dir="2700000" algn="tl">
+                    <a:srgbClr val="000000">
+                      <a:alpha val="43137"/>
+                    </a:srgbClr>
+                  </a:outerShdw>
+                </a:effectLst>
+              </a:rPr>
+              <a:t>parse_frame</a:t>
+            </a:r>
+            <a:r>
+              <a:rPr lang="de-DE" sz="1200" dirty="0">
+                <a:effectLst>
+                  <a:outerShdw blurRad="38100" dist="38100" dir="2700000" algn="tl">
+                    <a:srgbClr val="000000">
+                      <a:alpha val="43137"/>
+                    </a:srgbClr>
+                  </a:outerShdw>
+                </a:effectLst>
+              </a:rPr>
+              <a:t>()</a:t>
+            </a:r>
+          </a:p>
+        </p:txBody>
+      </p:sp>
+      <p:sp>
+        <p:nvSpPr>
+          <p:cNvPr id="57" name="Rechteck 56">
+            <a:extLst>
+              <a:ext uri="{FF2B5EF4-FFF2-40B4-BE49-F238E27FC236}">
+                <a16:creationId xmlns:a16="http://schemas.microsoft.com/office/drawing/2014/main" id="{BACECC0F-F9AD-4C5D-81C9-720341831FB1}"/>
+              </a:ext>
+            </a:extLst>
+          </p:cNvPr>
+          <p:cNvSpPr/>
+          <p:nvPr/>
+        </p:nvSpPr>
+        <p:spPr>
+          <a:xfrm>
+            <a:off x="602652" y="1836096"/>
+            <a:ext cx="2604300" cy="1031275"/>
+          </a:xfrm>
+          <a:prstGeom prst="rect">
+            <a:avLst/>
+          </a:prstGeom>
+        </p:spPr>
+        <p:style>
+          <a:lnRef idx="0">
+            <a:schemeClr val="accent3"/>
+          </a:lnRef>
+          <a:fillRef idx="3">
+            <a:schemeClr val="accent3"/>
+          </a:fillRef>
+          <a:effectRef idx="3">
+            <a:schemeClr val="accent3"/>
+          </a:effectRef>
+          <a:fontRef idx="minor">
+            <a:schemeClr val="lt1"/>
+          </a:fontRef>
+        </p:style>
+        <p:txBody>
+          <a:bodyPr rtlCol="0" anchor="t"/>
+          <a:lstStyle/>
+          <a:p>
+            <a:pPr algn="ctr"/>
+            <a:r>
+              <a:rPr lang="de-DE" sz="1200" dirty="0" err="1">
+                <a:effectLst>
+                  <a:outerShdw blurRad="38100" dist="38100" dir="2700000" algn="tl">
+                    <a:srgbClr val="000000">
+                      <a:alpha val="43137"/>
+                    </a:srgbClr>
+                  </a:outerShdw>
+                </a:effectLst>
+              </a:rPr>
+              <a:t>MsgPack</a:t>
+            </a:r>
+            <a:r>
+              <a:rPr lang="de-DE" sz="1200" dirty="0">
+                <a:effectLst>
+                  <a:outerShdw blurRad="38100" dist="38100" dir="2700000" algn="tl">
+                    <a:srgbClr val="000000">
+                      <a:alpha val="43137"/>
+                    </a:srgbClr>
+                  </a:outerShdw>
+                </a:effectLst>
+              </a:rPr>
+              <a:t>: </a:t>
+            </a:r>
+            <a:r>
+              <a:rPr lang="de-DE" sz="1200" dirty="0" err="1">
+                <a:effectLst>
+                  <a:outerShdw blurRad="38100" dist="38100" dir="2700000" algn="tl">
+                    <a:srgbClr val="000000">
+                      <a:alpha val="43137"/>
+                    </a:srgbClr>
+                  </a:outerShdw>
+                </a:effectLst>
+              </a:rPr>
+              <a:t>ecg_get_frame</a:t>
+            </a:r>
+            <a:br>
+              <a:rPr lang="de-DE" sz="1200" dirty="0">
+                <a:effectLst>
+                  <a:outerShdw blurRad="38100" dist="38100" dir="2700000" algn="tl">
+                    <a:srgbClr val="000000">
+                      <a:alpha val="43137"/>
+                    </a:srgbClr>
+                  </a:outerShdw>
+                </a:effectLst>
+              </a:rPr>
+            </a:br>
+            <a:endParaRPr lang="de-DE" sz="1200" dirty="0">
+              <a:effectLst>
+                <a:outerShdw blurRad="38100" dist="38100" dir="2700000" algn="tl">
+                  <a:srgbClr val="000000">
+                    <a:alpha val="43137"/>
+                  </a:srgbClr>
+                </a:outerShdw>
+              </a:effectLst>
+            </a:endParaRPr>
+          </a:p>
+          <a:p>
+            <a:pPr marL="171450" indent="-171450">
+              <a:buFontTx/>
+              <a:buChar char="-"/>
+            </a:pPr>
+            <a:r>
+              <a:rPr lang="de-DE" sz="1000" dirty="0" err="1">
+                <a:effectLst>
+                  <a:outerShdw blurRad="38100" dist="38100" dir="2700000" algn="tl">
+                    <a:srgbClr val="000000">
+                      <a:alpha val="43137"/>
+                    </a:srgbClr>
+                  </a:outerShdw>
+                </a:effectLst>
+              </a:rPr>
+              <a:t>reads</a:t>
+            </a:r>
+            <a:r>
+              <a:rPr lang="de-DE" sz="1000" dirty="0">
+                <a:effectLst>
+                  <a:outerShdw blurRad="38100" dist="38100" dir="2700000" algn="tl">
+                    <a:srgbClr val="000000">
+                      <a:alpha val="43137"/>
+                    </a:srgbClr>
+                  </a:outerShdw>
+                </a:effectLst>
+              </a:rPr>
+              <a:t> </a:t>
+            </a:r>
+            <a:r>
+              <a:rPr lang="de-DE" sz="1000" dirty="0" err="1">
+                <a:effectLst>
+                  <a:outerShdw blurRad="38100" dist="38100" dir="2700000" algn="tl">
+                    <a:srgbClr val="000000">
+                      <a:alpha val="43137"/>
+                    </a:srgbClr>
+                  </a:outerShdw>
+                </a:effectLst>
+              </a:rPr>
+              <a:t>RingBuf</a:t>
+            </a:r>
+            <a:r>
+              <a:rPr lang="de-DE" sz="1000" dirty="0">
+                <a:effectLst>
+                  <a:outerShdw blurRad="38100" dist="38100" dir="2700000" algn="tl">
+                    <a:srgbClr val="000000">
+                      <a:alpha val="43137"/>
+                    </a:srgbClr>
+                  </a:outerShdw>
+                </a:effectLst>
+              </a:rPr>
+              <a:t>[] </a:t>
+            </a:r>
+            <a:r>
+              <a:rPr lang="de-DE" sz="1000" dirty="0" err="1">
+                <a:effectLst>
+                  <a:outerShdw blurRad="38100" dist="38100" dir="2700000" algn="tl">
+                    <a:srgbClr val="000000">
+                      <a:alpha val="43137"/>
+                    </a:srgbClr>
+                  </a:outerShdw>
+                </a:effectLst>
+              </a:rPr>
+              <a:t>since</a:t>
+            </a:r>
+            <a:r>
+              <a:rPr lang="de-DE" sz="1000" dirty="0">
+                <a:effectLst>
+                  <a:outerShdw blurRad="38100" dist="38100" dir="2700000" algn="tl">
+                    <a:srgbClr val="000000">
+                      <a:alpha val="43137"/>
+                    </a:srgbClr>
+                  </a:outerShdw>
+                </a:effectLst>
+              </a:rPr>
+              <a:t> last </a:t>
+            </a:r>
+            <a:r>
+              <a:rPr lang="de-DE" sz="1000" dirty="0" err="1">
+                <a:effectLst>
+                  <a:outerShdw blurRad="38100" dist="38100" dir="2700000" algn="tl">
+                    <a:srgbClr val="000000">
+                      <a:alpha val="43137"/>
+                    </a:srgbClr>
+                  </a:outerShdw>
+                </a:effectLst>
+              </a:rPr>
+              <a:t>call</a:t>
+            </a:r>
+            <a:endParaRPr lang="de-DE" sz="1000" dirty="0">
+              <a:effectLst>
+                <a:outerShdw blurRad="38100" dist="38100" dir="2700000" algn="tl">
+                  <a:srgbClr val="000000">
+                    <a:alpha val="43137"/>
+                  </a:srgbClr>
+                </a:outerShdw>
+              </a:effectLst>
+            </a:endParaRPr>
+          </a:p>
+          <a:p>
+            <a:pPr marL="171450" indent="-171450">
+              <a:buFontTx/>
+              <a:buChar char="-"/>
+            </a:pPr>
+            <a:r>
+              <a:rPr lang="de-DE" sz="1000" dirty="0" err="1">
+                <a:effectLst>
+                  <a:outerShdw blurRad="38100" dist="38100" dir="2700000" algn="tl">
+                    <a:srgbClr val="000000">
+                      <a:alpha val="43137"/>
+                    </a:srgbClr>
+                  </a:outerShdw>
+                </a:effectLst>
+              </a:rPr>
+              <a:t>packs</a:t>
+            </a:r>
+            <a:r>
+              <a:rPr lang="de-DE" sz="1000" dirty="0">
+                <a:effectLst>
+                  <a:outerShdw blurRad="38100" dist="38100" dir="2700000" algn="tl">
+                    <a:srgbClr val="000000">
+                      <a:alpha val="43137"/>
+                    </a:srgbClr>
+                  </a:outerShdw>
+                </a:effectLst>
+              </a:rPr>
+              <a:t> </a:t>
+            </a:r>
+            <a:r>
+              <a:rPr lang="de-DE" sz="1000" dirty="0" err="1">
+                <a:effectLst>
+                  <a:outerShdw blurRad="38100" dist="38100" dir="2700000" algn="tl">
+                    <a:srgbClr val="000000">
+                      <a:alpha val="43137"/>
+                    </a:srgbClr>
+                  </a:outerShdw>
+                </a:effectLst>
+              </a:rPr>
+              <a:t>binary</a:t>
+            </a:r>
+            <a:r>
+              <a:rPr lang="de-DE" sz="1000" dirty="0">
+                <a:effectLst>
+                  <a:outerShdw blurRad="38100" dist="38100" dir="2700000" algn="tl">
+                    <a:srgbClr val="000000">
+                      <a:alpha val="43137"/>
+                    </a:srgbClr>
+                  </a:outerShdw>
+                </a:effectLst>
+              </a:rPr>
+              <a:t> frame </a:t>
+            </a:r>
+            <a:r>
+              <a:rPr lang="de-DE" sz="1000" dirty="0" err="1">
+                <a:effectLst>
+                  <a:outerShdw blurRad="38100" dist="38100" dir="2700000" algn="tl">
+                    <a:srgbClr val="000000">
+                      <a:alpha val="43137"/>
+                    </a:srgbClr>
+                  </a:outerShdw>
+                </a:effectLst>
+              </a:rPr>
+              <a:t>including</a:t>
+            </a:r>
+            <a:r>
+              <a:rPr lang="de-DE" sz="1000" dirty="0">
+                <a:effectLst>
+                  <a:outerShdw blurRad="38100" dist="38100" dir="2700000" algn="tl">
+                    <a:srgbClr val="000000">
+                      <a:alpha val="43137"/>
+                    </a:srgbClr>
+                  </a:outerShdw>
+                </a:effectLst>
+              </a:rPr>
+              <a:t> crc16</a:t>
+            </a:r>
+          </a:p>
+          <a:p>
+            <a:pPr marL="171450" indent="-171450">
+              <a:buFontTx/>
+              <a:buChar char="-"/>
+            </a:pPr>
+            <a:r>
+              <a:rPr lang="de-DE" sz="1000" dirty="0" err="1">
+                <a:effectLst>
+                  <a:outerShdw blurRad="38100" dist="38100" dir="2700000" algn="tl">
+                    <a:srgbClr val="000000">
+                      <a:alpha val="43137"/>
+                    </a:srgbClr>
+                  </a:outerShdw>
+                </a:effectLst>
+              </a:rPr>
+              <a:t>sends</a:t>
+            </a:r>
+            <a:r>
+              <a:rPr lang="de-DE" sz="1000" dirty="0">
+                <a:effectLst>
+                  <a:outerShdw blurRad="38100" dist="38100" dir="2700000" algn="tl">
+                    <a:srgbClr val="000000">
+                      <a:alpha val="43137"/>
+                    </a:srgbClr>
+                  </a:outerShdw>
+                </a:effectLst>
+              </a:rPr>
+              <a:t> </a:t>
+            </a:r>
+            <a:r>
+              <a:rPr lang="de-DE" sz="1000" dirty="0" err="1">
+                <a:effectLst>
+                  <a:outerShdw blurRad="38100" dist="38100" dir="2700000" algn="tl">
+                    <a:srgbClr val="000000">
+                      <a:alpha val="43137"/>
+                    </a:srgbClr>
+                  </a:outerShdw>
+                </a:effectLst>
+              </a:rPr>
+              <a:t>binary</a:t>
+            </a:r>
+            <a:r>
+              <a:rPr lang="de-DE" sz="1000" dirty="0">
+                <a:effectLst>
+                  <a:outerShdw blurRad="38100" dist="38100" dir="2700000" algn="tl">
+                    <a:srgbClr val="000000">
+                      <a:alpha val="43137"/>
+                    </a:srgbClr>
+                  </a:outerShdw>
+                </a:effectLst>
+              </a:rPr>
+              <a:t> frame</a:t>
+            </a:r>
+          </a:p>
+          <a:p>
+            <a:pPr marL="171450" indent="-171450" algn="ctr">
+              <a:buFontTx/>
+              <a:buChar char="-"/>
+            </a:pPr>
+            <a:endParaRPr lang="de-DE" sz="1000" dirty="0">
+              <a:effectLst>
+                <a:outerShdw blurRad="38100" dist="38100" dir="2700000" algn="tl">
+                  <a:srgbClr val="000000">
+                    <a:alpha val="43137"/>
+                  </a:srgbClr>
+                </a:outerShdw>
+              </a:effectLst>
+            </a:endParaRPr>
+          </a:p>
+        </p:txBody>
+      </p:sp>
+      <p:cxnSp>
+        <p:nvCxnSpPr>
+          <p:cNvPr id="59" name="Verbinder: gewinkelt 58">
+            <a:extLst>
+              <a:ext uri="{FF2B5EF4-FFF2-40B4-BE49-F238E27FC236}">
+                <a16:creationId xmlns:a16="http://schemas.microsoft.com/office/drawing/2014/main" id="{C9680693-9374-4A63-8D43-7A2E729A1B00}"/>
+              </a:ext>
+            </a:extLst>
+          </p:cNvPr>
+          <p:cNvCxnSpPr>
+            <a:cxnSpLocks/>
+            <a:stCxn id="57" idx="2"/>
+            <a:endCxn id="6" idx="3"/>
+          </p:cNvCxnSpPr>
+          <p:nvPr/>
+        </p:nvCxnSpPr>
+        <p:spPr>
+          <a:xfrm rot="16200000" flipH="1">
+            <a:off x="1931010" y="2841162"/>
+            <a:ext cx="790598" cy="843015"/>
+          </a:xfrm>
+          <a:prstGeom prst="bentConnector4">
+            <a:avLst>
+              <a:gd name="adj1" fmla="val 31761"/>
+              <a:gd name="adj2" fmla="val 135690"/>
+            </a:avLst>
+          </a:prstGeom>
+          <a:ln w="28575">
+            <a:solidFill>
+              <a:schemeClr val="tx1"/>
+            </a:solidFill>
+            <a:headEnd type="arrow" w="med" len="med"/>
+            <a:tailEnd type="none" w="med" len="med"/>
+          </a:ln>
+        </p:spPr>
+        <p:style>
+          <a:lnRef idx="1">
+            <a:schemeClr val="accent1"/>
+          </a:lnRef>
+          <a:fillRef idx="0">
+            <a:schemeClr val="accent1"/>
+          </a:fillRef>
+          <a:effectRef idx="0">
+            <a:schemeClr val="accent1"/>
+          </a:effectRef>
+          <a:fontRef idx="minor">
+            <a:schemeClr val="tx1"/>
+          </a:fontRef>
+        </p:style>
+      </p:cxnSp>
+      <p:cxnSp>
+        <p:nvCxnSpPr>
+          <p:cNvPr id="67" name="Verbinder: gewinkelt 66">
+            <a:extLst>
+              <a:ext uri="{FF2B5EF4-FFF2-40B4-BE49-F238E27FC236}">
+                <a16:creationId xmlns:a16="http://schemas.microsoft.com/office/drawing/2014/main" id="{475ADD28-5D06-4936-8707-C463269806AB}"/>
+              </a:ext>
+            </a:extLst>
+          </p:cNvPr>
+          <p:cNvCxnSpPr>
+            <a:cxnSpLocks/>
+          </p:cNvCxnSpPr>
+          <p:nvPr/>
+        </p:nvCxnSpPr>
+        <p:spPr>
+          <a:xfrm rot="10800000">
+            <a:off x="3235089" y="2386904"/>
+            <a:ext cx="4347399" cy="652628"/>
+          </a:xfrm>
+          <a:prstGeom prst="bentConnector3">
+            <a:avLst/>
+          </a:prstGeom>
+          <a:ln w="57150">
+            <a:solidFill>
+              <a:schemeClr val="bg2">
+                <a:lumMod val="25000"/>
+              </a:schemeClr>
+            </a:solidFill>
+            <a:headEnd type="arrow" w="med" len="med"/>
+            <a:tailEnd type="arrow" w="med" len="med"/>
+          </a:ln>
+        </p:spPr>
+        <p:style>
+          <a:lnRef idx="1">
+            <a:schemeClr val="accent1"/>
+          </a:lnRef>
+          <a:fillRef idx="0">
+            <a:schemeClr val="accent1"/>
+          </a:fillRef>
+          <a:effectRef idx="0">
+            <a:schemeClr val="accent1"/>
+          </a:effectRef>
+          <a:fontRef idx="minor">
+            <a:schemeClr val="tx1"/>
+          </a:fontRef>
+        </p:style>
+      </p:cxnSp>
+      <p:sp>
+        <p:nvSpPr>
+          <p:cNvPr id="68" name="Rechteck 67">
+            <a:extLst>
+              <a:ext uri="{FF2B5EF4-FFF2-40B4-BE49-F238E27FC236}">
+                <a16:creationId xmlns:a16="http://schemas.microsoft.com/office/drawing/2014/main" id="{29F9C4F3-2B65-451C-8BA3-3DA5AB825CF9}"/>
+              </a:ext>
+            </a:extLst>
+          </p:cNvPr>
+          <p:cNvSpPr/>
+          <p:nvPr/>
+        </p:nvSpPr>
+        <p:spPr>
+          <a:xfrm>
+            <a:off x="7180851" y="3712648"/>
+            <a:ext cx="2604300" cy="819003"/>
+          </a:xfrm>
+          <a:prstGeom prst="rect">
+            <a:avLst/>
+          </a:prstGeom>
+        </p:spPr>
+        <p:style>
+          <a:lnRef idx="0">
+            <a:schemeClr val="accent3"/>
+          </a:lnRef>
+          <a:fillRef idx="3">
+            <a:schemeClr val="accent3"/>
+          </a:fillRef>
+          <a:effectRef idx="3">
+            <a:schemeClr val="accent3"/>
+          </a:effectRef>
+          <a:fontRef idx="minor">
+            <a:schemeClr val="lt1"/>
+          </a:fontRef>
+        </p:style>
+        <p:txBody>
+          <a:bodyPr rtlCol="0" anchor="t"/>
+          <a:lstStyle/>
+          <a:p>
+            <a:pPr algn="ctr"/>
+            <a:r>
+              <a:rPr lang="de-DE" sz="1200" b="1" dirty="0">
+                <a:effectLst>
+                  <a:outerShdw blurRad="38100" dist="38100" dir="2700000" algn="tl">
+                    <a:srgbClr val="000000">
+                      <a:alpha val="43137"/>
+                    </a:srgbClr>
+                  </a:outerShdw>
+                </a:effectLst>
+              </a:rPr>
+              <a:t>main.py</a:t>
+            </a:r>
+          </a:p>
+          <a:p>
+            <a:pPr algn="ctr"/>
+            <a:endParaRPr lang="de-DE" sz="1200" b="1" dirty="0">
+              <a:effectLst>
+                <a:outerShdw blurRad="38100" dist="38100" dir="2700000" algn="tl">
+                  <a:srgbClr val="000000">
+                    <a:alpha val="43137"/>
+                  </a:srgbClr>
+                </a:outerShdw>
+              </a:effectLst>
+            </a:endParaRPr>
+          </a:p>
+          <a:p>
+            <a:pPr algn="ctr"/>
+            <a:r>
+              <a:rPr lang="de-DE" sz="1200" dirty="0">
+                <a:effectLst>
+                  <a:outerShdw blurRad="38100" dist="38100" dir="2700000" algn="tl">
+                    <a:srgbClr val="000000">
+                      <a:alpha val="43137"/>
+                    </a:srgbClr>
+                  </a:outerShdw>
+                </a:effectLst>
+              </a:rPr>
+              <a:t>Calls </a:t>
+            </a:r>
+            <a:r>
+              <a:rPr lang="de-DE" sz="1200" dirty="0">
+                <a:effectLst>
+                  <a:outerShdw blurRad="38100" dist="38100" dir="2700000" algn="tl">
+                    <a:srgbClr val="000000">
+                      <a:alpha val="43137"/>
+                    </a:srgbClr>
+                  </a:outerShdw>
+                </a:effectLst>
+                <a:sym typeface="Wingdings" panose="05000000000000000000" pitchFamily="2" charset="2"/>
+              </a:rPr>
+              <a:t></a:t>
+            </a:r>
+            <a:r>
+              <a:rPr lang="de-DE" sz="1200" dirty="0">
+                <a:effectLst>
+                  <a:outerShdw blurRad="38100" dist="38100" dir="2700000" algn="tl">
+                    <a:srgbClr val="000000">
+                      <a:alpha val="43137"/>
+                    </a:srgbClr>
+                  </a:outerShdw>
+                </a:effectLst>
+              </a:rPr>
+              <a:t> </a:t>
+            </a:r>
+            <a:r>
+              <a:rPr lang="de-DE" sz="1200" dirty="0" err="1">
+                <a:effectLst>
+                  <a:outerShdw blurRad="38100" dist="38100" dir="2700000" algn="tl">
+                    <a:srgbClr val="000000">
+                      <a:alpha val="43137"/>
+                    </a:srgbClr>
+                  </a:outerShdw>
+                </a:effectLst>
+              </a:rPr>
+              <a:t>request_frame</a:t>
+            </a:r>
+            <a:r>
+              <a:rPr lang="de-DE" sz="1200" dirty="0">
+                <a:effectLst>
+                  <a:outerShdw blurRad="38100" dist="38100" dir="2700000" algn="tl">
+                    <a:srgbClr val="000000">
+                      <a:alpha val="43137"/>
+                    </a:srgbClr>
+                  </a:outerShdw>
+                </a:effectLst>
+              </a:rPr>
+              <a:t>()</a:t>
+            </a:r>
+            <a:endParaRPr lang="de-DE" sz="1000" dirty="0">
+              <a:effectLst>
+                <a:outerShdw blurRad="38100" dist="38100" dir="2700000" algn="tl">
+                  <a:srgbClr val="000000">
+                    <a:alpha val="43137"/>
+                  </a:srgbClr>
+                </a:outerShdw>
+              </a:effectLst>
+            </a:endParaRPr>
+          </a:p>
+        </p:txBody>
+      </p:sp>
+      <p:sp>
+        <p:nvSpPr>
+          <p:cNvPr id="74" name="Textfeld 73">
+            <a:extLst>
+              <a:ext uri="{FF2B5EF4-FFF2-40B4-BE49-F238E27FC236}">
+                <a16:creationId xmlns:a16="http://schemas.microsoft.com/office/drawing/2014/main" id="{E996A80B-0ED0-40C6-BBD2-58ECDAAB1F39}"/>
+              </a:ext>
+            </a:extLst>
+          </p:cNvPr>
+          <p:cNvSpPr txBox="1"/>
+          <p:nvPr/>
+        </p:nvSpPr>
+        <p:spPr>
+          <a:xfrm>
+            <a:off x="3903212" y="2028854"/>
+            <a:ext cx="1109471" cy="338554"/>
+          </a:xfrm>
+          <a:prstGeom prst="rect">
+            <a:avLst/>
+          </a:prstGeom>
+          <a:noFill/>
+        </p:spPr>
+        <p:txBody>
+          <a:bodyPr wrap="none" rtlCol="0">
+            <a:spAutoFit/>
+          </a:bodyPr>
+          <a:lstStyle/>
+          <a:p>
+            <a:r>
+              <a:rPr lang="de-DE" sz="1600" dirty="0">
+                <a:effectLst>
+                  <a:outerShdw blurRad="38100" dist="38100" dir="2700000" algn="tl">
+                    <a:srgbClr val="000000">
+                      <a:alpha val="43137"/>
+                    </a:srgbClr>
+                  </a:outerShdw>
+                </a:effectLst>
+              </a:rPr>
+              <a:t>RPC-Bridge</a:t>
+            </a:r>
+          </a:p>
+        </p:txBody>
+      </p:sp>
+      <p:sp>
+        <p:nvSpPr>
+          <p:cNvPr id="76" name="Textfeld 75">
+            <a:extLst>
+              <a:ext uri="{FF2B5EF4-FFF2-40B4-BE49-F238E27FC236}">
+                <a16:creationId xmlns:a16="http://schemas.microsoft.com/office/drawing/2014/main" id="{3AA44FB2-7BEE-42D2-97A4-1BF30D119A94}"/>
+              </a:ext>
+            </a:extLst>
+          </p:cNvPr>
+          <p:cNvSpPr txBox="1"/>
+          <p:nvPr/>
+        </p:nvSpPr>
+        <p:spPr>
+          <a:xfrm>
+            <a:off x="4457947" y="1652522"/>
+            <a:ext cx="1512978" cy="338554"/>
+          </a:xfrm>
+          <a:prstGeom prst="rect">
+            <a:avLst/>
+          </a:prstGeom>
+          <a:noFill/>
+        </p:spPr>
+        <p:txBody>
+          <a:bodyPr wrap="none" rtlCol="0">
+            <a:spAutoFit/>
+          </a:bodyPr>
+          <a:lstStyle/>
+          <a:p>
+            <a:r>
+              <a:rPr lang="de-DE" sz="1600" b="1" dirty="0">
+                <a:effectLst>
+                  <a:outerShdw blurRad="38100" dist="38100" dir="2700000" algn="tl">
+                    <a:srgbClr val="000000">
+                      <a:alpha val="43137"/>
+                    </a:srgbClr>
+                  </a:outerShdw>
+                </a:effectLst>
+              </a:rPr>
+              <a:t>Arduino-Router</a:t>
+            </a:r>
+          </a:p>
+        </p:txBody>
+      </p:sp>
+      <p:sp>
+        <p:nvSpPr>
+          <p:cNvPr id="77" name="Textfeld 76">
+            <a:extLst>
+              <a:ext uri="{FF2B5EF4-FFF2-40B4-BE49-F238E27FC236}">
+                <a16:creationId xmlns:a16="http://schemas.microsoft.com/office/drawing/2014/main" id="{CDB44E6D-46CE-4883-8018-489E1B4FF194}"/>
+              </a:ext>
+            </a:extLst>
+          </p:cNvPr>
+          <p:cNvSpPr txBox="1"/>
+          <p:nvPr/>
+        </p:nvSpPr>
+        <p:spPr>
+          <a:xfrm>
+            <a:off x="3714979" y="3151618"/>
+            <a:ext cx="2794355" cy="861774"/>
+          </a:xfrm>
+          <a:prstGeom prst="rect">
+            <a:avLst/>
+          </a:prstGeom>
+        </p:spPr>
+        <p:style>
+          <a:lnRef idx="0">
+            <a:schemeClr val="accent6"/>
+          </a:lnRef>
+          <a:fillRef idx="3">
+            <a:schemeClr val="accent6"/>
+          </a:fillRef>
+          <a:effectRef idx="3">
+            <a:schemeClr val="accent6"/>
+          </a:effectRef>
+          <a:fontRef idx="minor">
+            <a:schemeClr val="lt1"/>
+          </a:fontRef>
+        </p:style>
+        <p:txBody>
+          <a:bodyPr wrap="none" rtlCol="0">
+            <a:spAutoFit/>
+          </a:bodyPr>
+          <a:lstStyle/>
+          <a:p>
+            <a:pPr algn="ctr"/>
+            <a:r>
+              <a:rPr lang="de-DE" sz="1000" b="1" dirty="0" err="1">
+                <a:solidFill>
+                  <a:schemeClr val="bg1"/>
+                </a:solidFill>
+                <a:effectLst>
+                  <a:outerShdw blurRad="38100" dist="38100" dir="2700000" algn="tl">
+                    <a:srgbClr val="000000">
+                      <a:alpha val="43137"/>
+                    </a:srgbClr>
+                  </a:outerShdw>
+                </a:effectLst>
+                <a:latin typeface="Consolas" panose="020B0609020204030204" pitchFamily="49" charset="0"/>
+              </a:rPr>
+              <a:t>data</a:t>
+            </a:r>
+            <a:r>
+              <a:rPr lang="de-DE" sz="1000" b="1" dirty="0">
+                <a:solidFill>
+                  <a:schemeClr val="bg1"/>
+                </a:solidFill>
+                <a:effectLst>
+                  <a:outerShdw blurRad="38100" dist="38100" dir="2700000" algn="tl">
+                    <a:srgbClr val="000000">
+                      <a:alpha val="43137"/>
+                    </a:srgbClr>
+                  </a:outerShdw>
+                </a:effectLst>
+                <a:latin typeface="Consolas" panose="020B0609020204030204" pitchFamily="49" charset="0"/>
+              </a:rPr>
+              <a:t>-frame</a:t>
+            </a:r>
+          </a:p>
+          <a:p>
+            <a:r>
+              <a:rPr lang="de-DE" sz="1000" b="0" dirty="0">
+                <a:solidFill>
+                  <a:schemeClr val="bg1"/>
+                </a:solidFill>
+                <a:effectLst>
+                  <a:outerShdw blurRad="38100" dist="38100" dir="2700000" algn="tl">
+                    <a:srgbClr val="000000">
+                      <a:alpha val="43137"/>
+                    </a:srgbClr>
+                  </a:outerShdw>
+                </a:effectLst>
+                <a:latin typeface="Consolas" panose="020B0609020204030204" pitchFamily="49" charset="0"/>
+              </a:rPr>
+              <a:t>[uint8 </a:t>
+            </a:r>
+            <a:r>
+              <a:rPr lang="de-DE" sz="1000" b="0" dirty="0" err="1">
+                <a:solidFill>
+                  <a:schemeClr val="bg1"/>
+                </a:solidFill>
+                <a:effectLst>
+                  <a:outerShdw blurRad="38100" dist="38100" dir="2700000" algn="tl">
+                    <a:srgbClr val="000000">
+                      <a:alpha val="43137"/>
+                    </a:srgbClr>
+                  </a:outerShdw>
+                </a:effectLst>
+                <a:latin typeface="Consolas" panose="020B0609020204030204" pitchFamily="49" charset="0"/>
+              </a:rPr>
+              <a:t>count</a:t>
+            </a:r>
+            <a:r>
+              <a:rPr lang="de-DE" sz="1000" b="0" dirty="0">
+                <a:solidFill>
+                  <a:schemeClr val="bg1"/>
+                </a:solidFill>
+                <a:effectLst>
+                  <a:outerShdw blurRad="38100" dist="38100" dir="2700000" algn="tl">
+                    <a:srgbClr val="000000">
+                      <a:alpha val="43137"/>
+                    </a:srgbClr>
+                  </a:outerShdw>
+                </a:effectLst>
+                <a:latin typeface="Consolas" panose="020B0609020204030204" pitchFamily="49" charset="0"/>
+              </a:rPr>
+              <a:t>] </a:t>
+            </a:r>
+          </a:p>
+          <a:p>
+            <a:r>
+              <a:rPr lang="de-DE" sz="1000" b="0" dirty="0">
+                <a:solidFill>
+                  <a:schemeClr val="bg1"/>
+                </a:solidFill>
+                <a:effectLst>
+                  <a:outerShdw blurRad="38100" dist="38100" dir="2700000" algn="tl">
+                    <a:srgbClr val="000000">
+                      <a:alpha val="43137"/>
+                    </a:srgbClr>
+                  </a:outerShdw>
+                </a:effectLst>
+                <a:latin typeface="Consolas" panose="020B0609020204030204" pitchFamily="49" charset="0"/>
+              </a:rPr>
+              <a:t>[uint32 t0_ms]</a:t>
+            </a:r>
+          </a:p>
+          <a:p>
+            <a:r>
+              <a:rPr lang="de-DE" sz="1000" b="0" dirty="0">
+                <a:solidFill>
+                  <a:schemeClr val="bg1"/>
+                </a:solidFill>
+                <a:effectLst>
+                  <a:outerShdw blurRad="38100" dist="38100" dir="2700000" algn="tl">
+                    <a:srgbClr val="000000">
+                      <a:alpha val="43137"/>
+                    </a:srgbClr>
+                  </a:outerShdw>
+                </a:effectLst>
+                <a:latin typeface="Consolas" panose="020B0609020204030204" pitchFamily="49" charset="0"/>
+              </a:rPr>
+              <a:t>[</a:t>
+            </a:r>
+            <a:r>
+              <a:rPr lang="de-DE" sz="1000" b="0" dirty="0" err="1">
+                <a:solidFill>
+                  <a:schemeClr val="bg1"/>
+                </a:solidFill>
+                <a:effectLst>
+                  <a:outerShdw blurRad="38100" dist="38100" dir="2700000" algn="tl">
+                    <a:srgbClr val="000000">
+                      <a:alpha val="43137"/>
+                    </a:srgbClr>
+                  </a:outerShdw>
+                </a:effectLst>
+                <a:latin typeface="Consolas" panose="020B0609020204030204" pitchFamily="49" charset="0"/>
+              </a:rPr>
+              <a:t>count</a:t>
+            </a:r>
+            <a:r>
+              <a:rPr lang="de-DE" sz="1000" b="0" dirty="0">
+                <a:solidFill>
+                  <a:schemeClr val="bg1"/>
+                </a:solidFill>
+                <a:effectLst>
+                  <a:outerShdw blurRad="38100" dist="38100" dir="2700000" algn="tl">
+                    <a:srgbClr val="000000">
+                      <a:alpha val="43137"/>
+                    </a:srgbClr>
+                  </a:outerShdw>
+                </a:effectLst>
+                <a:latin typeface="Consolas" panose="020B0609020204030204" pitchFamily="49" charset="0"/>
+              </a:rPr>
+              <a:t>*(uint16 sample + uint8 </a:t>
+            </a:r>
+            <a:r>
+              <a:rPr lang="de-DE" sz="1000" b="0" dirty="0" err="1">
+                <a:solidFill>
+                  <a:schemeClr val="bg1"/>
+                </a:solidFill>
+                <a:effectLst>
+                  <a:outerShdw blurRad="38100" dist="38100" dir="2700000" algn="tl">
+                    <a:srgbClr val="000000">
+                      <a:alpha val="43137"/>
+                    </a:srgbClr>
+                  </a:outerShdw>
+                </a:effectLst>
+                <a:latin typeface="Consolas" panose="020B0609020204030204" pitchFamily="49" charset="0"/>
+              </a:rPr>
+              <a:t>dt_ms</a:t>
+            </a:r>
+            <a:r>
+              <a:rPr lang="de-DE" sz="1000" b="0" dirty="0">
+                <a:solidFill>
+                  <a:schemeClr val="bg1"/>
+                </a:solidFill>
+                <a:effectLst>
+                  <a:outerShdw blurRad="38100" dist="38100" dir="2700000" algn="tl">
+                    <a:srgbClr val="000000">
+                      <a:alpha val="43137"/>
+                    </a:srgbClr>
+                  </a:outerShdw>
+                </a:effectLst>
+                <a:latin typeface="Consolas" panose="020B0609020204030204" pitchFamily="49" charset="0"/>
+              </a:rPr>
+              <a:t>)]</a:t>
+            </a:r>
+          </a:p>
+          <a:p>
+            <a:r>
+              <a:rPr lang="de-DE" sz="1000" b="0" dirty="0">
+                <a:solidFill>
+                  <a:schemeClr val="bg1"/>
+                </a:solidFill>
+                <a:effectLst>
+                  <a:outerShdw blurRad="38100" dist="38100" dir="2700000" algn="tl">
+                    <a:srgbClr val="000000">
+                      <a:alpha val="43137"/>
+                    </a:srgbClr>
+                  </a:outerShdw>
+                </a:effectLst>
+                <a:latin typeface="Consolas" panose="020B0609020204030204" pitchFamily="49" charset="0"/>
+              </a:rPr>
+              <a:t>[uint16 crc16]</a:t>
+            </a:r>
+          </a:p>
+        </p:txBody>
+      </p:sp>
+      <p:cxnSp>
+        <p:nvCxnSpPr>
+          <p:cNvPr id="80" name="Verbinder: gewinkelt 79">
+            <a:extLst>
+              <a:ext uri="{FF2B5EF4-FFF2-40B4-BE49-F238E27FC236}">
+                <a16:creationId xmlns:a16="http://schemas.microsoft.com/office/drawing/2014/main" id="{617EF876-89D6-413C-8D54-CCBACD7EE75C}"/>
+              </a:ext>
+            </a:extLst>
+          </p:cNvPr>
+          <p:cNvCxnSpPr/>
+          <p:nvPr/>
+        </p:nvCxnSpPr>
+        <p:spPr>
+          <a:xfrm rot="16200000" flipV="1">
+            <a:off x="8518490" y="3258178"/>
+            <a:ext cx="1532374" cy="411982"/>
+          </a:xfrm>
+          <a:prstGeom prst="bentConnector3">
+            <a:avLst>
+              <a:gd name="adj1" fmla="val 100164"/>
+            </a:avLst>
+          </a:prstGeom>
+          <a:ln w="28575">
+            <a:solidFill>
+              <a:schemeClr val="tx1"/>
+            </a:solidFill>
+            <a:headEnd type="none" w="med" len="med"/>
+            <a:tailEnd type="arrow" w="med" len="med"/>
+          </a:ln>
+        </p:spPr>
+        <p:style>
+          <a:lnRef idx="1">
+            <a:schemeClr val="accent1"/>
+          </a:lnRef>
+          <a:fillRef idx="0">
+            <a:schemeClr val="accent1"/>
+          </a:fillRef>
+          <a:effectRef idx="0">
+            <a:schemeClr val="accent1"/>
+          </a:effectRef>
+          <a:fontRef idx="minor">
+            <a:schemeClr val="tx1"/>
+          </a:fontRef>
+        </p:style>
+      </p:cxnSp>
+      <p:cxnSp>
+        <p:nvCxnSpPr>
+          <p:cNvPr id="83" name="Gerader Verbinder 82">
+            <a:extLst>
+              <a:ext uri="{FF2B5EF4-FFF2-40B4-BE49-F238E27FC236}">
+                <a16:creationId xmlns:a16="http://schemas.microsoft.com/office/drawing/2014/main" id="{1E8483EB-ECF1-41A3-AEDC-B6EF5260D962}"/>
+              </a:ext>
+            </a:extLst>
+          </p:cNvPr>
+          <p:cNvCxnSpPr/>
+          <p:nvPr/>
+        </p:nvCxnSpPr>
+        <p:spPr>
+          <a:xfrm flipH="1">
+            <a:off x="9269604" y="4230356"/>
+            <a:ext cx="221064" cy="0"/>
+          </a:xfrm>
+          <a:prstGeom prst="line">
+            <a:avLst/>
+          </a:prstGeom>
+          <a:ln w="28575">
+            <a:solidFill>
+              <a:schemeClr val="tx1"/>
+            </a:solidFill>
+          </a:ln>
+        </p:spPr>
+        <p:style>
+          <a:lnRef idx="1">
+            <a:schemeClr val="accent1"/>
+          </a:lnRef>
+          <a:fillRef idx="0">
+            <a:schemeClr val="accent1"/>
+          </a:fillRef>
+          <a:effectRef idx="0">
+            <a:schemeClr val="accent1"/>
+          </a:effectRef>
+          <a:fontRef idx="minor">
+            <a:schemeClr val="tx1"/>
+          </a:fontRef>
+        </p:style>
+      </p:cxnSp>
+    </p:spTree>
+    <p:extLst>
+      <p:ext uri="{BB962C8B-B14F-4D97-AF65-F5344CB8AC3E}">
+        <p14:creationId xmlns:p14="http://schemas.microsoft.com/office/powerpoint/2010/main" val="3576219677"/>
+      </p:ext>
+    </p:extLst>
+  </p:cSld>
+  <p:clrMapOvr>
+    <a:masterClrMapping/>
+  </p:clrMapOvr>
+</p:sld>
+</file>
+
 <file path=ppt/theme/theme1.xml><?xml version="1.0" encoding="utf-8"?>
 <a:theme xmlns:a="http://schemas.openxmlformats.org/drawingml/2006/main" name="Office">
   <a:themeElements>

--- a/Docs/DIY-ECG-Arduino-Q.pptx
+++ b/Docs/DIY-ECG-Arduino-Q.pptx
@@ -7,6 +7,8 @@
   <p:sldIdLst>
     <p:sldId id="256" r:id="rId2"/>
     <p:sldId id="257" r:id="rId3"/>
+    <p:sldId id="258" r:id="rId4"/>
+    <p:sldId id="259" r:id="rId5"/>
   </p:sldIdLst>
   <p:sldSz cx="12192000" cy="6858000"/>
   <p:notesSz cx="6858000" cy="9144000"/>
@@ -260,7 +262,7 @@
           <a:p>
             <a:fld id="{B92A6CB0-A10C-4034-BFC2-C37150C834DC}" type="datetimeFigureOut">
               <a:rPr lang="de-DE" smtClean="0"/>
-              <a:t>05.02.2026</a:t>
+              <a:t>07.02.26</a:t>
             </a:fld>
             <a:endParaRPr lang="de-DE"/>
           </a:p>
@@ -458,7 +460,7 @@
           <a:p>
             <a:fld id="{B92A6CB0-A10C-4034-BFC2-C37150C834DC}" type="datetimeFigureOut">
               <a:rPr lang="de-DE" smtClean="0"/>
-              <a:t>05.02.2026</a:t>
+              <a:t>07.02.26</a:t>
             </a:fld>
             <a:endParaRPr lang="de-DE"/>
           </a:p>
@@ -666,7 +668,7 @@
           <a:p>
             <a:fld id="{B92A6CB0-A10C-4034-BFC2-C37150C834DC}" type="datetimeFigureOut">
               <a:rPr lang="de-DE" smtClean="0"/>
-              <a:t>05.02.2026</a:t>
+              <a:t>07.02.26</a:t>
             </a:fld>
             <a:endParaRPr lang="de-DE"/>
           </a:p>
@@ -864,7 +866,7 @@
           <a:p>
             <a:fld id="{B92A6CB0-A10C-4034-BFC2-C37150C834DC}" type="datetimeFigureOut">
               <a:rPr lang="de-DE" smtClean="0"/>
-              <a:t>05.02.2026</a:t>
+              <a:t>07.02.26</a:t>
             </a:fld>
             <a:endParaRPr lang="de-DE"/>
           </a:p>
@@ -1139,7 +1141,7 @@
           <a:p>
             <a:fld id="{B92A6CB0-A10C-4034-BFC2-C37150C834DC}" type="datetimeFigureOut">
               <a:rPr lang="de-DE" smtClean="0"/>
-              <a:t>05.02.2026</a:t>
+              <a:t>07.02.26</a:t>
             </a:fld>
             <a:endParaRPr lang="de-DE"/>
           </a:p>
@@ -1404,7 +1406,7 @@
           <a:p>
             <a:fld id="{B92A6CB0-A10C-4034-BFC2-C37150C834DC}" type="datetimeFigureOut">
               <a:rPr lang="de-DE" smtClean="0"/>
-              <a:t>05.02.2026</a:t>
+              <a:t>07.02.26</a:t>
             </a:fld>
             <a:endParaRPr lang="de-DE"/>
           </a:p>
@@ -1816,7 +1818,7 @@
           <a:p>
             <a:fld id="{B92A6CB0-A10C-4034-BFC2-C37150C834DC}" type="datetimeFigureOut">
               <a:rPr lang="de-DE" smtClean="0"/>
-              <a:t>05.02.2026</a:t>
+              <a:t>07.02.26</a:t>
             </a:fld>
             <a:endParaRPr lang="de-DE"/>
           </a:p>
@@ -1957,7 +1959,7 @@
           <a:p>
             <a:fld id="{B92A6CB0-A10C-4034-BFC2-C37150C834DC}" type="datetimeFigureOut">
               <a:rPr lang="de-DE" smtClean="0"/>
-              <a:t>05.02.2026</a:t>
+              <a:t>07.02.26</a:t>
             </a:fld>
             <a:endParaRPr lang="de-DE"/>
           </a:p>
@@ -2070,7 +2072,7 @@
           <a:p>
             <a:fld id="{B92A6CB0-A10C-4034-BFC2-C37150C834DC}" type="datetimeFigureOut">
               <a:rPr lang="de-DE" smtClean="0"/>
-              <a:t>05.02.2026</a:t>
+              <a:t>07.02.26</a:t>
             </a:fld>
             <a:endParaRPr lang="de-DE"/>
           </a:p>
@@ -2381,7 +2383,7 @@
           <a:p>
             <a:fld id="{B92A6CB0-A10C-4034-BFC2-C37150C834DC}" type="datetimeFigureOut">
               <a:rPr lang="de-DE" smtClean="0"/>
-              <a:t>05.02.2026</a:t>
+              <a:t>07.02.26</a:t>
             </a:fld>
             <a:endParaRPr lang="de-DE"/>
           </a:p>
@@ -2669,7 +2671,7 @@
           <a:p>
             <a:fld id="{B92A6CB0-A10C-4034-BFC2-C37150C834DC}" type="datetimeFigureOut">
               <a:rPr lang="de-DE" smtClean="0"/>
-              <a:t>05.02.2026</a:t>
+              <a:t>07.02.26</a:t>
             </a:fld>
             <a:endParaRPr lang="de-DE"/>
           </a:p>
@@ -2910,7 +2912,7 @@
           <a:p>
             <a:fld id="{B92A6CB0-A10C-4034-BFC2-C37150C834DC}" type="datetimeFigureOut">
               <a:rPr lang="de-DE" smtClean="0"/>
-              <a:t>05.02.2026</a:t>
+              <a:t>07.02.26</a:t>
             </a:fld>
             <a:endParaRPr lang="de-DE"/>
           </a:p>
@@ -7909,6 +7911,4918 @@
 </p:sld>
 </file>
 
+<file path=ppt/slides/slide3.xml><?xml version="1.0" encoding="utf-8"?>
+<p:sld xmlns:a="http://schemas.openxmlformats.org/drawingml/2006/main" xmlns:r="http://schemas.openxmlformats.org/officeDocument/2006/relationships" xmlns:p="http://schemas.openxmlformats.org/presentationml/2006/main">
+  <p:cSld>
+    <p:spTree>
+      <p:nvGrpSpPr>
+        <p:cNvPr id="1" name=""/>
+        <p:cNvGrpSpPr/>
+        <p:nvPr/>
+      </p:nvGrpSpPr>
+      <p:grpSpPr>
+        <a:xfrm>
+          <a:off x="0" y="0"/>
+          <a:ext cx="0" cy="0"/>
+          <a:chOff x="0" y="0"/>
+          <a:chExt cx="0" cy="0"/>
+        </a:xfrm>
+      </p:grpSpPr>
+      <p:sp>
+        <p:nvSpPr>
+          <p:cNvPr id="4" name="Rechteck 3">
+            <a:extLst>
+              <a:ext uri="{FF2B5EF4-FFF2-40B4-BE49-F238E27FC236}">
+                <a16:creationId xmlns:a16="http://schemas.microsoft.com/office/drawing/2014/main" id="{88D458B7-3019-63EF-0CD8-1C57986A3AE5}"/>
+              </a:ext>
+            </a:extLst>
+          </p:cNvPr>
+          <p:cNvSpPr/>
+          <p:nvPr/>
+        </p:nvSpPr>
+        <p:spPr>
+          <a:xfrm>
+            <a:off x="709210" y="1666270"/>
+            <a:ext cx="10201032" cy="4010259"/>
+          </a:xfrm>
+          <a:prstGeom prst="rect">
+            <a:avLst/>
+          </a:prstGeom>
+          <a:solidFill>
+            <a:schemeClr val="accent1">
+              <a:lumMod val="40000"/>
+              <a:lumOff val="60000"/>
+            </a:schemeClr>
+          </a:solidFill>
+          <a:ln/>
+        </p:spPr>
+        <p:style>
+          <a:lnRef idx="0">
+            <a:schemeClr val="accent5"/>
+          </a:lnRef>
+          <a:fillRef idx="3">
+            <a:schemeClr val="accent5"/>
+          </a:fillRef>
+          <a:effectRef idx="3">
+            <a:schemeClr val="accent5"/>
+          </a:effectRef>
+          <a:fontRef idx="minor">
+            <a:schemeClr val="lt1"/>
+          </a:fontRef>
+        </p:style>
+        <p:txBody>
+          <a:bodyPr rtlCol="0" anchor="t"/>
+          <a:lstStyle/>
+          <a:p>
+            <a:pPr algn="ctr"/>
+            <a:r>
+              <a:rPr lang="de-DE" b="1" dirty="0">
+                <a:effectLst>
+                  <a:outerShdw blurRad="38100" dist="38100" dir="2700000" algn="tl">
+                    <a:srgbClr val="000000">
+                      <a:alpha val="43137"/>
+                    </a:srgbClr>
+                  </a:outerShdw>
+                </a:effectLst>
+              </a:rPr>
+              <a:t>Debian Linux</a:t>
+            </a:r>
+          </a:p>
+        </p:txBody>
+      </p:sp>
+      <p:sp>
+        <p:nvSpPr>
+          <p:cNvPr id="5" name="Rechteck 4">
+            <a:extLst>
+              <a:ext uri="{FF2B5EF4-FFF2-40B4-BE49-F238E27FC236}">
+                <a16:creationId xmlns:a16="http://schemas.microsoft.com/office/drawing/2014/main" id="{07C5201C-EB92-EE57-0D7C-2BCCEB5B164C}"/>
+              </a:ext>
+            </a:extLst>
+          </p:cNvPr>
+          <p:cNvSpPr/>
+          <p:nvPr/>
+        </p:nvSpPr>
+        <p:spPr>
+          <a:xfrm>
+            <a:off x="709210" y="1181471"/>
+            <a:ext cx="10201032" cy="465290"/>
+          </a:xfrm>
+          <a:prstGeom prst="rect">
+            <a:avLst/>
+          </a:prstGeom>
+          <a:ln/>
+        </p:spPr>
+        <p:style>
+          <a:lnRef idx="0">
+            <a:schemeClr val="accent6"/>
+          </a:lnRef>
+          <a:fillRef idx="3">
+            <a:schemeClr val="accent6"/>
+          </a:fillRef>
+          <a:effectRef idx="3">
+            <a:schemeClr val="accent6"/>
+          </a:effectRef>
+          <a:fontRef idx="minor">
+            <a:schemeClr val="lt1"/>
+          </a:fontRef>
+        </p:style>
+        <p:txBody>
+          <a:bodyPr rtlCol="0" anchor="t"/>
+          <a:lstStyle/>
+          <a:p>
+            <a:pPr algn="ctr"/>
+            <a:r>
+              <a:rPr lang="de-DE" b="1" dirty="0">
+                <a:effectLst>
+                  <a:outerShdw blurRad="38100" dist="38100" dir="2700000" algn="tl">
+                    <a:srgbClr val="000000">
+                      <a:alpha val="43137"/>
+                    </a:srgbClr>
+                  </a:outerShdw>
+                </a:effectLst>
+              </a:rPr>
+              <a:t>MPU – QRB2210</a:t>
+            </a:r>
+          </a:p>
+        </p:txBody>
+      </p:sp>
+      <p:sp>
+        <p:nvSpPr>
+          <p:cNvPr id="6" name="Rechteck 5">
+            <a:extLst>
+              <a:ext uri="{FF2B5EF4-FFF2-40B4-BE49-F238E27FC236}">
+                <a16:creationId xmlns:a16="http://schemas.microsoft.com/office/drawing/2014/main" id="{35E42EFB-AEF5-2C4A-8564-F6D2E8E4B137}"/>
+              </a:ext>
+            </a:extLst>
+          </p:cNvPr>
+          <p:cNvSpPr/>
+          <p:nvPr/>
+        </p:nvSpPr>
+        <p:spPr>
+          <a:xfrm>
+            <a:off x="914636" y="2179737"/>
+            <a:ext cx="9779032" cy="3306664"/>
+          </a:xfrm>
+          <a:prstGeom prst="rect">
+            <a:avLst/>
+          </a:prstGeom>
+          <a:ln/>
+        </p:spPr>
+        <p:style>
+          <a:lnRef idx="0">
+            <a:schemeClr val="accent4"/>
+          </a:lnRef>
+          <a:fillRef idx="3">
+            <a:schemeClr val="accent4"/>
+          </a:fillRef>
+          <a:effectRef idx="3">
+            <a:schemeClr val="accent4"/>
+          </a:effectRef>
+          <a:fontRef idx="minor">
+            <a:schemeClr val="lt1"/>
+          </a:fontRef>
+        </p:style>
+        <p:txBody>
+          <a:bodyPr rtlCol="0" anchor="b"/>
+          <a:lstStyle/>
+          <a:p>
+            <a:pPr algn="ctr"/>
+            <a:r>
+              <a:rPr lang="de-DE" sz="1600" b="1" dirty="0">
+                <a:effectLst>
+                  <a:outerShdw blurRad="38100" dist="38100" dir="2700000" algn="tl">
+                    <a:srgbClr val="000000">
+                      <a:alpha val="43137"/>
+                    </a:srgbClr>
+                  </a:outerShdw>
+                </a:effectLst>
+              </a:rPr>
+              <a:t>Docker-Container</a:t>
+            </a:r>
+          </a:p>
+        </p:txBody>
+      </p:sp>
+      <p:sp>
+        <p:nvSpPr>
+          <p:cNvPr id="7" name="Rechteck 6">
+            <a:extLst>
+              <a:ext uri="{FF2B5EF4-FFF2-40B4-BE49-F238E27FC236}">
+                <a16:creationId xmlns:a16="http://schemas.microsoft.com/office/drawing/2014/main" id="{9367262D-7FEE-B7B8-D14C-E25CEA9C504C}"/>
+              </a:ext>
+            </a:extLst>
+          </p:cNvPr>
+          <p:cNvSpPr/>
+          <p:nvPr/>
+        </p:nvSpPr>
+        <p:spPr>
+          <a:xfrm>
+            <a:off x="1029111" y="2269279"/>
+            <a:ext cx="9515643" cy="2851362"/>
+          </a:xfrm>
+          <a:prstGeom prst="rect">
+            <a:avLst/>
+          </a:prstGeom>
+        </p:spPr>
+        <p:style>
+          <a:lnRef idx="0">
+            <a:schemeClr val="accent1"/>
+          </a:lnRef>
+          <a:fillRef idx="3">
+            <a:schemeClr val="accent1"/>
+          </a:fillRef>
+          <a:effectRef idx="3">
+            <a:schemeClr val="accent1"/>
+          </a:effectRef>
+          <a:fontRef idx="minor">
+            <a:schemeClr val="lt1"/>
+          </a:fontRef>
+        </p:style>
+        <p:txBody>
+          <a:bodyPr rtlCol="0" anchor="b"/>
+          <a:lstStyle/>
+          <a:p>
+            <a:pPr algn="ctr"/>
+            <a:r>
+              <a:rPr lang="de-DE" sz="1600" b="1" dirty="0">
+                <a:effectLst>
+                  <a:outerShdw blurRad="38100" dist="38100" dir="2700000" algn="tl">
+                    <a:srgbClr val="000000">
+                      <a:alpha val="43137"/>
+                    </a:srgbClr>
+                  </a:outerShdw>
+                </a:effectLst>
+              </a:rPr>
+              <a:t>Python</a:t>
+            </a:r>
+          </a:p>
+        </p:txBody>
+      </p:sp>
+      <p:sp>
+        <p:nvSpPr>
+          <p:cNvPr id="8" name="Rechteck 7">
+            <a:extLst>
+              <a:ext uri="{FF2B5EF4-FFF2-40B4-BE49-F238E27FC236}">
+                <a16:creationId xmlns:a16="http://schemas.microsoft.com/office/drawing/2014/main" id="{9A9AA1CE-A0AC-892A-1272-26EF3C352BDA}"/>
+              </a:ext>
+            </a:extLst>
+          </p:cNvPr>
+          <p:cNvSpPr/>
+          <p:nvPr/>
+        </p:nvSpPr>
+        <p:spPr>
+          <a:xfrm>
+            <a:off x="1200874" y="2359987"/>
+            <a:ext cx="2508561" cy="2394893"/>
+          </a:xfrm>
+          <a:prstGeom prst="rect">
+            <a:avLst/>
+          </a:prstGeom>
+        </p:spPr>
+        <p:style>
+          <a:lnRef idx="0">
+            <a:schemeClr val="accent3"/>
+          </a:lnRef>
+          <a:fillRef idx="3">
+            <a:schemeClr val="accent3"/>
+          </a:fillRef>
+          <a:effectRef idx="3">
+            <a:schemeClr val="accent3"/>
+          </a:effectRef>
+          <a:fontRef idx="minor">
+            <a:schemeClr val="lt1"/>
+          </a:fontRef>
+        </p:style>
+        <p:txBody>
+          <a:bodyPr rtlCol="0" anchor="t"/>
+          <a:lstStyle/>
+          <a:p>
+            <a:pPr algn="ctr"/>
+            <a:r>
+              <a:rPr lang="de-DE" sz="1200" b="1" dirty="0">
+                <a:effectLst>
+                  <a:outerShdw blurRad="38100" dist="38100" dir="2700000" algn="tl">
+                    <a:srgbClr val="000000">
+                      <a:alpha val="43137"/>
+                    </a:srgbClr>
+                  </a:outerShdw>
+                </a:effectLst>
+              </a:rPr>
+              <a:t>arduino_q_bridge_rpc.py</a:t>
+            </a:r>
+            <a:br>
+              <a:rPr lang="de-DE" sz="1000" dirty="0">
+                <a:effectLst>
+                  <a:outerShdw blurRad="38100" dist="38100" dir="2700000" algn="tl">
+                    <a:srgbClr val="000000">
+                      <a:alpha val="43137"/>
+                    </a:srgbClr>
+                  </a:outerShdw>
+                </a:effectLst>
+              </a:rPr>
+            </a:br>
+            <a:endParaRPr lang="de-DE" sz="1000" dirty="0">
+              <a:effectLst>
+                <a:outerShdw blurRad="38100" dist="38100" dir="2700000" algn="tl">
+                  <a:srgbClr val="000000">
+                    <a:alpha val="43137"/>
+                  </a:srgbClr>
+                </a:outerShdw>
+              </a:effectLst>
+            </a:endParaRPr>
+          </a:p>
+          <a:p>
+            <a:pPr algn="ctr"/>
+            <a:r>
+              <a:rPr lang="de-DE" sz="1200" dirty="0">
+                <a:effectLst>
+                  <a:outerShdw blurRad="38100" dist="38100" dir="2700000" algn="tl">
+                    <a:srgbClr val="000000">
+                      <a:alpha val="43137"/>
+                    </a:srgbClr>
+                  </a:outerShdw>
+                </a:effectLst>
+              </a:rPr>
+              <a:t>Implements RPC-Bridge</a:t>
+            </a:r>
+          </a:p>
+          <a:p>
+            <a:pPr algn="ctr"/>
+            <a:endParaRPr lang="de-DE" sz="1200" dirty="0">
+              <a:effectLst>
+                <a:outerShdw blurRad="38100" dist="38100" dir="2700000" algn="tl">
+                  <a:srgbClr val="000000">
+                    <a:alpha val="43137"/>
+                  </a:srgbClr>
+                </a:outerShdw>
+              </a:effectLst>
+            </a:endParaRPr>
+          </a:p>
+          <a:p>
+            <a:pPr algn="ctr"/>
+            <a:endParaRPr lang="de-DE" sz="1200" dirty="0">
+              <a:effectLst>
+                <a:outerShdw blurRad="38100" dist="38100" dir="2700000" algn="tl">
+                  <a:srgbClr val="000000">
+                    <a:alpha val="43137"/>
+                  </a:srgbClr>
+                </a:outerShdw>
+              </a:effectLst>
+            </a:endParaRPr>
+          </a:p>
+          <a:p>
+            <a:pPr algn="ctr"/>
+            <a:r>
+              <a:rPr lang="de-DE" sz="1200" dirty="0" err="1">
+                <a:effectLst>
+                  <a:outerShdw blurRad="38100" dist="38100" dir="2700000" algn="tl">
+                    <a:srgbClr val="000000">
+                      <a:alpha val="43137"/>
+                    </a:srgbClr>
+                  </a:outerShdw>
+                </a:effectLst>
+              </a:rPr>
+              <a:t>request_frame</a:t>
+            </a:r>
+            <a:r>
+              <a:rPr lang="de-DE" sz="1200" dirty="0">
+                <a:effectLst>
+                  <a:outerShdw blurRad="38100" dist="38100" dir="2700000" algn="tl">
+                    <a:srgbClr val="000000">
+                      <a:alpha val="43137"/>
+                    </a:srgbClr>
+                  </a:outerShdw>
+                </a:effectLst>
+              </a:rPr>
+              <a:t>()</a:t>
+            </a:r>
+          </a:p>
+          <a:p>
+            <a:pPr algn="ctr"/>
+            <a:r>
+              <a:rPr lang="de-DE" sz="1000" dirty="0">
+                <a:effectLst>
+                  <a:outerShdw blurRad="38100" dist="38100" dir="2700000" algn="tl">
+                    <a:srgbClr val="000000">
+                      <a:alpha val="43137"/>
+                    </a:srgbClr>
+                  </a:outerShdw>
+                </a:effectLst>
+              </a:rPr>
+              <a:t>↓</a:t>
+            </a:r>
+          </a:p>
+          <a:p>
+            <a:pPr algn="ctr"/>
+            <a:r>
+              <a:rPr lang="de-DE" sz="1200" dirty="0" err="1">
+                <a:effectLst>
+                  <a:outerShdw blurRad="38100" dist="38100" dir="2700000" algn="tl">
+                    <a:srgbClr val="000000">
+                      <a:alpha val="43137"/>
+                    </a:srgbClr>
+                  </a:outerShdw>
+                </a:effectLst>
+              </a:rPr>
+              <a:t>Bridge.call</a:t>
+            </a:r>
+            <a:r>
+              <a:rPr lang="de-DE" sz="1200" dirty="0">
+                <a:effectLst>
+                  <a:outerShdw blurRad="38100" dist="38100" dir="2700000" algn="tl">
+                    <a:srgbClr val="000000">
+                      <a:alpha val="43137"/>
+                    </a:srgbClr>
+                  </a:outerShdw>
+                </a:effectLst>
+              </a:rPr>
+              <a:t>(</a:t>
+            </a:r>
+            <a:r>
+              <a:rPr lang="de-DE" sz="1200" dirty="0" err="1">
+                <a:effectLst>
+                  <a:outerShdw blurRad="38100" dist="38100" dir="2700000" algn="tl">
+                    <a:srgbClr val="000000">
+                      <a:alpha val="43137"/>
+                    </a:srgbClr>
+                  </a:outerShdw>
+                </a:effectLst>
+              </a:rPr>
+              <a:t>ecg_get_frame</a:t>
+            </a:r>
+            <a:r>
+              <a:rPr lang="de-DE" sz="1200" dirty="0">
+                <a:effectLst>
+                  <a:outerShdw blurRad="38100" dist="38100" dir="2700000" algn="tl">
+                    <a:srgbClr val="000000">
+                      <a:alpha val="43137"/>
+                    </a:srgbClr>
+                  </a:outerShdw>
+                </a:effectLst>
+              </a:rPr>
+              <a:t>)</a:t>
+            </a:r>
+            <a:br>
+              <a:rPr lang="de-DE" sz="1200" dirty="0">
+                <a:effectLst>
+                  <a:outerShdw blurRad="38100" dist="38100" dir="2700000" algn="tl">
+                    <a:srgbClr val="000000">
+                      <a:alpha val="43137"/>
+                    </a:srgbClr>
+                  </a:outerShdw>
+                </a:effectLst>
+              </a:rPr>
+            </a:br>
+            <a:r>
+              <a:rPr lang="de-DE" sz="1200" dirty="0">
+                <a:effectLst>
+                  <a:outerShdw blurRad="38100" dist="38100" dir="2700000" algn="tl">
+                    <a:srgbClr val="000000">
+                      <a:alpha val="43137"/>
+                    </a:srgbClr>
+                  </a:outerShdw>
+                </a:effectLst>
+              </a:rPr>
+              <a:t>↓</a:t>
+            </a:r>
+          </a:p>
+          <a:p>
+            <a:pPr algn="ctr"/>
+            <a:r>
+              <a:rPr lang="de-DE" sz="1200" dirty="0" err="1">
+                <a:effectLst>
+                  <a:outerShdw blurRad="38100" dist="38100" dir="2700000" algn="tl">
+                    <a:srgbClr val="000000">
+                      <a:alpha val="43137"/>
+                    </a:srgbClr>
+                  </a:outerShdw>
+                </a:effectLst>
+              </a:rPr>
+              <a:t>parse_frame</a:t>
+            </a:r>
+            <a:r>
+              <a:rPr lang="de-DE" sz="1200" dirty="0">
+                <a:effectLst>
+                  <a:outerShdw blurRad="38100" dist="38100" dir="2700000" algn="tl">
+                    <a:srgbClr val="000000">
+                      <a:alpha val="43137"/>
+                    </a:srgbClr>
+                  </a:outerShdw>
+                </a:effectLst>
+              </a:rPr>
+              <a:t>()</a:t>
+            </a:r>
+          </a:p>
+        </p:txBody>
+      </p:sp>
+      <p:sp>
+        <p:nvSpPr>
+          <p:cNvPr id="9" name="Rechteck 8">
+            <a:extLst>
+              <a:ext uri="{FF2B5EF4-FFF2-40B4-BE49-F238E27FC236}">
+                <a16:creationId xmlns:a16="http://schemas.microsoft.com/office/drawing/2014/main" id="{B47E8725-BAFF-2ABA-C5E4-40A6F7C1F09E}"/>
+              </a:ext>
+            </a:extLst>
+          </p:cNvPr>
+          <p:cNvSpPr/>
+          <p:nvPr/>
+        </p:nvSpPr>
+        <p:spPr>
+          <a:xfrm>
+            <a:off x="3779973" y="2359986"/>
+            <a:ext cx="2604300" cy="2394894"/>
+          </a:xfrm>
+          <a:prstGeom prst="rect">
+            <a:avLst/>
+          </a:prstGeom>
+        </p:spPr>
+        <p:style>
+          <a:lnRef idx="0">
+            <a:schemeClr val="accent3"/>
+          </a:lnRef>
+          <a:fillRef idx="3">
+            <a:schemeClr val="accent3"/>
+          </a:fillRef>
+          <a:effectRef idx="3">
+            <a:schemeClr val="accent3"/>
+          </a:effectRef>
+          <a:fontRef idx="minor">
+            <a:schemeClr val="lt1"/>
+          </a:fontRef>
+        </p:style>
+        <p:txBody>
+          <a:bodyPr rtlCol="0" anchor="t"/>
+          <a:lstStyle/>
+          <a:p>
+            <a:pPr algn="ctr"/>
+            <a:r>
+              <a:rPr lang="de-DE" sz="1200" b="1" dirty="0" err="1">
+                <a:effectLst>
+                  <a:outerShdw blurRad="38100" dist="38100" dir="2700000" algn="tl">
+                    <a:srgbClr val="000000">
+                      <a:alpha val="43137"/>
+                    </a:srgbClr>
+                  </a:outerShdw>
+                </a:effectLst>
+              </a:rPr>
+              <a:t>data_stream.py</a:t>
+            </a:r>
+            <a:endParaRPr lang="de-DE" sz="1200" b="1" dirty="0">
+              <a:effectLst>
+                <a:outerShdw blurRad="38100" dist="38100" dir="2700000" algn="tl">
+                  <a:srgbClr val="000000">
+                    <a:alpha val="43137"/>
+                  </a:srgbClr>
+                </a:outerShdw>
+              </a:effectLst>
+            </a:endParaRPr>
+          </a:p>
+          <a:p>
+            <a:pPr algn="ctr"/>
+            <a:endParaRPr lang="de-DE" sz="1200" dirty="0">
+              <a:effectLst>
+                <a:outerShdw blurRad="38100" dist="38100" dir="2700000" algn="tl">
+                  <a:srgbClr val="000000">
+                    <a:alpha val="43137"/>
+                  </a:srgbClr>
+                </a:outerShdw>
+              </a:effectLst>
+            </a:endParaRPr>
+          </a:p>
+          <a:p>
+            <a:r>
+              <a:rPr lang="de-DE" sz="1200" b="1" dirty="0">
+                <a:effectLst>
+                  <a:outerShdw blurRad="38100" dist="38100" dir="2700000" algn="tl">
+                    <a:srgbClr val="000000">
+                      <a:alpha val="43137"/>
+                    </a:srgbClr>
+                  </a:outerShdw>
+                </a:effectLst>
+              </a:rPr>
+              <a:t>Class </a:t>
+            </a:r>
+            <a:r>
+              <a:rPr lang="de-DE" sz="1200" b="1" dirty="0" err="1">
+                <a:effectLst>
+                  <a:outerShdw blurRad="38100" dist="38100" dir="2700000" algn="tl">
+                    <a:srgbClr val="000000">
+                      <a:alpha val="43137"/>
+                    </a:srgbClr>
+                  </a:outerShdw>
+                </a:effectLst>
+              </a:rPr>
+              <a:t>IIRFilter</a:t>
+            </a:r>
+            <a:r>
+              <a:rPr lang="de-DE" sz="1200" b="1" dirty="0">
+                <a:effectLst>
+                  <a:outerShdw blurRad="38100" dist="38100" dir="2700000" algn="tl">
+                    <a:srgbClr val="000000">
+                      <a:alpha val="43137"/>
+                    </a:srgbClr>
+                  </a:outerShdw>
+                </a:effectLst>
+              </a:rPr>
+              <a:t>:</a:t>
+            </a:r>
+          </a:p>
+          <a:p>
+            <a:r>
+              <a:rPr lang="de-DE" sz="1200" dirty="0">
+                <a:effectLst>
+                  <a:outerShdw blurRad="38100" dist="38100" dir="2700000" algn="tl">
+                    <a:srgbClr val="000000">
+                      <a:alpha val="43137"/>
+                    </a:srgbClr>
+                  </a:outerShdw>
+                </a:effectLst>
+              </a:rPr>
+              <a:t>Implements </a:t>
+            </a:r>
+            <a:r>
+              <a:rPr lang="de-DE" sz="1200" dirty="0" err="1">
+                <a:effectLst>
+                  <a:outerShdw blurRad="38100" dist="38100" dir="2700000" algn="tl">
+                    <a:srgbClr val="000000">
+                      <a:alpha val="43137"/>
+                    </a:srgbClr>
+                  </a:outerShdw>
+                </a:effectLst>
+              </a:rPr>
+              <a:t>IIRFilter</a:t>
+            </a:r>
+            <a:r>
+              <a:rPr lang="de-DE" sz="1200" dirty="0">
+                <a:effectLst>
+                  <a:outerShdw blurRad="38100" dist="38100" dir="2700000" algn="tl">
+                    <a:srgbClr val="000000">
+                      <a:alpha val="43137"/>
+                    </a:srgbClr>
+                  </a:outerShdw>
+                </a:effectLst>
+              </a:rPr>
+              <a:t> (HP, TP, </a:t>
+            </a:r>
+            <a:r>
+              <a:rPr lang="de-DE" sz="1200" dirty="0" err="1">
+                <a:effectLst>
+                  <a:outerShdw blurRad="38100" dist="38100" dir="2700000" algn="tl">
+                    <a:srgbClr val="000000">
+                      <a:alpha val="43137"/>
+                    </a:srgbClr>
+                  </a:outerShdw>
+                </a:effectLst>
+              </a:rPr>
+              <a:t>No</a:t>
+            </a:r>
+            <a:r>
+              <a:rPr lang="de-DE" sz="1200" dirty="0">
+                <a:effectLst>
+                  <a:outerShdw blurRad="38100" dist="38100" dir="2700000" algn="tl">
+                    <a:srgbClr val="000000">
+                      <a:alpha val="43137"/>
+                    </a:srgbClr>
+                  </a:outerShdw>
+                </a:effectLst>
+              </a:rPr>
+              <a:t>)</a:t>
+            </a:r>
+          </a:p>
+          <a:p>
+            <a:endParaRPr lang="de-DE" sz="1200" dirty="0">
+              <a:effectLst>
+                <a:outerShdw blurRad="38100" dist="38100" dir="2700000" algn="tl">
+                  <a:srgbClr val="000000">
+                    <a:alpha val="43137"/>
+                  </a:srgbClr>
+                </a:outerShdw>
+              </a:effectLst>
+            </a:endParaRPr>
+          </a:p>
+          <a:p>
+            <a:r>
+              <a:rPr lang="de-DE" sz="1200" b="1" dirty="0">
+                <a:effectLst>
+                  <a:outerShdw blurRad="38100" dist="38100" dir="2700000" algn="tl">
+                    <a:srgbClr val="000000">
+                      <a:alpha val="43137"/>
+                    </a:srgbClr>
+                  </a:outerShdw>
+                </a:effectLst>
+              </a:rPr>
+              <a:t>Class </a:t>
+            </a:r>
+            <a:r>
+              <a:rPr lang="de-DE" sz="1200" b="1" dirty="0" err="1">
+                <a:effectLst>
+                  <a:outerShdw blurRad="38100" dist="38100" dir="2700000" algn="tl">
+                    <a:srgbClr val="000000">
+                      <a:alpha val="43137"/>
+                    </a:srgbClr>
+                  </a:outerShdw>
+                </a:effectLst>
+              </a:rPr>
+              <a:t>DataStream</a:t>
+            </a:r>
+            <a:r>
+              <a:rPr lang="de-DE" sz="1200" b="1" dirty="0">
+                <a:effectLst>
+                  <a:outerShdw blurRad="38100" dist="38100" dir="2700000" algn="tl">
+                    <a:srgbClr val="000000">
+                      <a:alpha val="43137"/>
+                    </a:srgbClr>
+                  </a:outerShdw>
+                </a:effectLst>
+              </a:rPr>
+              <a:t>:</a:t>
+            </a:r>
+          </a:p>
+          <a:p>
+            <a:pPr marL="171450" indent="-171450">
+              <a:buFont typeface="Arial" panose="020B0604020202020204" pitchFamily="34" charset="0"/>
+              <a:buChar char="•"/>
+            </a:pPr>
+            <a:r>
+              <a:rPr lang="de-DE" sz="1200" dirty="0">
+                <a:effectLst>
+                  <a:outerShdw blurRad="38100" dist="38100" dir="2700000" algn="tl">
+                    <a:srgbClr val="000000">
+                      <a:alpha val="43137"/>
+                    </a:srgbClr>
+                  </a:outerShdw>
+                </a:effectLst>
+              </a:rPr>
+              <a:t>Handles ring-</a:t>
+            </a:r>
+            <a:r>
+              <a:rPr lang="de-DE" sz="1200" dirty="0" err="1">
+                <a:effectLst>
+                  <a:outerShdw blurRad="38100" dist="38100" dir="2700000" algn="tl">
+                    <a:srgbClr val="000000">
+                      <a:alpha val="43137"/>
+                    </a:srgbClr>
+                  </a:outerShdw>
+                </a:effectLst>
+              </a:rPr>
+              <a:t>buffer</a:t>
+            </a:r>
+            <a:endParaRPr lang="de-DE" sz="1200" dirty="0">
+              <a:effectLst>
+                <a:outerShdw blurRad="38100" dist="38100" dir="2700000" algn="tl">
+                  <a:srgbClr val="000000">
+                    <a:alpha val="43137"/>
+                  </a:srgbClr>
+                </a:outerShdw>
+              </a:effectLst>
+            </a:endParaRPr>
+          </a:p>
+          <a:p>
+            <a:pPr marL="628650" lvl="1" indent="-171450">
+              <a:buFont typeface="Arial" panose="020B0604020202020204" pitchFamily="34" charset="0"/>
+              <a:buChar char="•"/>
+            </a:pPr>
+            <a:r>
+              <a:rPr lang="de-DE" sz="1200" dirty="0" err="1">
+                <a:effectLst>
+                  <a:outerShdw blurRad="38100" dist="38100" dir="2700000" algn="tl">
+                    <a:srgbClr val="000000">
+                      <a:alpha val="43137"/>
+                    </a:srgbClr>
+                  </a:outerShdw>
+                </a:effectLst>
+              </a:rPr>
+              <a:t>add_samples</a:t>
+            </a:r>
+            <a:endParaRPr lang="de-DE" sz="1200" dirty="0">
+              <a:effectLst>
+                <a:outerShdw blurRad="38100" dist="38100" dir="2700000" algn="tl">
+                  <a:srgbClr val="000000">
+                    <a:alpha val="43137"/>
+                  </a:srgbClr>
+                </a:outerShdw>
+              </a:effectLst>
+            </a:endParaRPr>
+          </a:p>
+          <a:p>
+            <a:pPr marL="628650" lvl="1" indent="-171450">
+              <a:buFont typeface="Arial" panose="020B0604020202020204" pitchFamily="34" charset="0"/>
+              <a:buChar char="•"/>
+            </a:pPr>
+            <a:r>
+              <a:rPr lang="de-DE" sz="1200" dirty="0">
+                <a:effectLst>
+                  <a:outerShdw blurRad="38100" dist="38100" dir="2700000" algn="tl">
+                    <a:srgbClr val="000000">
+                      <a:alpha val="43137"/>
+                    </a:srgbClr>
+                  </a:outerShdw>
+                </a:effectLst>
+              </a:rPr>
+              <a:t>last (</a:t>
+            </a:r>
+            <a:r>
+              <a:rPr lang="de-DE" sz="1200" dirty="0" err="1">
+                <a:effectLst>
+                  <a:outerShdw blurRad="38100" dist="38100" dir="2700000" algn="tl">
+                    <a:srgbClr val="000000">
+                      <a:alpha val="43137"/>
+                    </a:srgbClr>
+                  </a:outerShdw>
+                </a:effectLst>
+              </a:rPr>
+              <a:t>samples</a:t>
+            </a:r>
+            <a:r>
+              <a:rPr lang="de-DE" sz="1200" dirty="0">
+                <a:effectLst>
+                  <a:outerShdw blurRad="38100" dist="38100" dir="2700000" algn="tl">
+                    <a:srgbClr val="000000">
+                      <a:alpha val="43137"/>
+                    </a:srgbClr>
+                  </a:outerShdw>
+                </a:effectLst>
+              </a:rPr>
+              <a:t>)</a:t>
+            </a:r>
+          </a:p>
+          <a:p>
+            <a:pPr marL="628650" lvl="1" indent="-171450">
+              <a:buFont typeface="Arial" panose="020B0604020202020204" pitchFamily="34" charset="0"/>
+              <a:buChar char="•"/>
+            </a:pPr>
+            <a:r>
+              <a:rPr lang="de-DE" sz="1200" dirty="0" err="1">
+                <a:effectLst>
+                  <a:outerShdw blurRad="38100" dist="38100" dir="2700000" algn="tl">
+                    <a:srgbClr val="000000">
+                      <a:alpha val="43137"/>
+                    </a:srgbClr>
+                  </a:outerShdw>
+                </a:effectLst>
+              </a:rPr>
+              <a:t>applies</a:t>
+            </a:r>
+            <a:r>
+              <a:rPr lang="de-DE" sz="1200" dirty="0">
+                <a:effectLst>
+                  <a:outerShdw blurRad="38100" dist="38100" dir="2700000" algn="tl">
+                    <a:srgbClr val="000000">
+                      <a:alpha val="43137"/>
+                    </a:srgbClr>
+                  </a:outerShdw>
+                </a:effectLst>
+              </a:rPr>
+              <a:t> </a:t>
+            </a:r>
+            <a:r>
+              <a:rPr lang="de-DE" sz="1200" dirty="0" err="1">
+                <a:effectLst>
+                  <a:outerShdw blurRad="38100" dist="38100" dir="2700000" algn="tl">
+                    <a:srgbClr val="000000">
+                      <a:alpha val="43137"/>
+                    </a:srgbClr>
+                  </a:outerShdw>
+                </a:effectLst>
+              </a:rPr>
+              <a:t>filters</a:t>
+            </a:r>
+            <a:endParaRPr lang="de-DE" sz="1200" dirty="0">
+              <a:effectLst>
+                <a:outerShdw blurRad="38100" dist="38100" dir="2700000" algn="tl">
+                  <a:srgbClr val="000000">
+                    <a:alpha val="43137"/>
+                  </a:srgbClr>
+                </a:outerShdw>
+              </a:effectLst>
+            </a:endParaRPr>
+          </a:p>
+          <a:p>
+            <a:pPr marL="628650" lvl="1" indent="-171450">
+              <a:buFont typeface="Arial" panose="020B0604020202020204" pitchFamily="34" charset="0"/>
+              <a:buChar char="•"/>
+            </a:pPr>
+            <a:r>
+              <a:rPr lang="de-DE" sz="1200" dirty="0" err="1">
+                <a:effectLst>
+                  <a:outerShdw blurRad="38100" dist="38100" dir="2700000" algn="tl">
+                    <a:srgbClr val="000000">
+                      <a:alpha val="43137"/>
+                    </a:srgbClr>
+                  </a:outerShdw>
+                </a:effectLst>
+              </a:rPr>
+              <a:t>consume_new_bpm</a:t>
+            </a:r>
+            <a:endParaRPr lang="de-DE" sz="1200" dirty="0">
+              <a:effectLst>
+                <a:outerShdw blurRad="38100" dist="38100" dir="2700000" algn="tl">
+                  <a:srgbClr val="000000">
+                    <a:alpha val="43137"/>
+                  </a:srgbClr>
+                </a:outerShdw>
+              </a:effectLst>
+            </a:endParaRPr>
+          </a:p>
+          <a:p>
+            <a:r>
+              <a:rPr lang="de-DE" sz="1200" dirty="0">
+                <a:effectLst>
+                  <a:outerShdw blurRad="38100" dist="38100" dir="2700000" algn="tl">
+                    <a:srgbClr val="000000">
+                      <a:alpha val="43137"/>
+                    </a:srgbClr>
+                  </a:outerShdw>
+                </a:effectLst>
+              </a:rPr>
+              <a:t> </a:t>
+            </a:r>
+          </a:p>
+          <a:p>
+            <a:endParaRPr lang="de-DE" sz="1200" dirty="0">
+              <a:effectLst>
+                <a:outerShdw blurRad="38100" dist="38100" dir="2700000" algn="tl">
+                  <a:srgbClr val="000000">
+                    <a:alpha val="43137"/>
+                  </a:srgbClr>
+                </a:outerShdw>
+              </a:effectLst>
+            </a:endParaRPr>
+          </a:p>
+        </p:txBody>
+      </p:sp>
+      <p:sp>
+        <p:nvSpPr>
+          <p:cNvPr id="20" name="Nach oben gebogener Pfeil 19">
+            <a:extLst>
+              <a:ext uri="{FF2B5EF4-FFF2-40B4-BE49-F238E27FC236}">
+                <a16:creationId xmlns:a16="http://schemas.microsoft.com/office/drawing/2014/main" id="{8291338A-2CF2-3889-02B0-BBE7AA39AE4B}"/>
+              </a:ext>
+            </a:extLst>
+          </p:cNvPr>
+          <p:cNvSpPr/>
+          <p:nvPr/>
+        </p:nvSpPr>
+        <p:spPr>
+          <a:xfrm rot="5400000">
+            <a:off x="-520053" y="1743272"/>
+            <a:ext cx="3060804" cy="1095112"/>
+          </a:xfrm>
+          <a:prstGeom prst="bentUpArrow">
+            <a:avLst>
+              <a:gd name="adj1" fmla="val 4689"/>
+              <a:gd name="adj2" fmla="val 8751"/>
+              <a:gd name="adj3" fmla="val 27437"/>
+            </a:avLst>
+          </a:prstGeom>
+        </p:spPr>
+        <p:style>
+          <a:lnRef idx="2">
+            <a:schemeClr val="accent1">
+              <a:shade val="15000"/>
+            </a:schemeClr>
+          </a:lnRef>
+          <a:fillRef idx="1">
+            <a:schemeClr val="accent1"/>
+          </a:fillRef>
+          <a:effectRef idx="0">
+            <a:schemeClr val="accent1"/>
+          </a:effectRef>
+          <a:fontRef idx="minor">
+            <a:schemeClr val="lt1"/>
+          </a:fontRef>
+        </p:style>
+        <p:txBody>
+          <a:bodyPr rtlCol="0" anchor="ctr"/>
+          <a:lstStyle/>
+          <a:p>
+            <a:pPr algn="ctr"/>
+            <a:endParaRPr lang="de-DE"/>
+          </a:p>
+        </p:txBody>
+      </p:sp>
+      <p:sp>
+        <p:nvSpPr>
+          <p:cNvPr id="10" name="Textfeld 9">
+            <a:extLst>
+              <a:ext uri="{FF2B5EF4-FFF2-40B4-BE49-F238E27FC236}">
+                <a16:creationId xmlns:a16="http://schemas.microsoft.com/office/drawing/2014/main" id="{DCD40648-25A8-9BB2-469C-D0BC0B746EED}"/>
+              </a:ext>
+            </a:extLst>
+          </p:cNvPr>
+          <p:cNvSpPr txBox="1"/>
+          <p:nvPr/>
+        </p:nvSpPr>
+        <p:spPr>
+          <a:xfrm>
+            <a:off x="156414" y="187355"/>
+            <a:ext cx="2794355" cy="861774"/>
+          </a:xfrm>
+          <a:prstGeom prst="rect">
+            <a:avLst/>
+          </a:prstGeom>
+        </p:spPr>
+        <p:style>
+          <a:lnRef idx="0">
+            <a:schemeClr val="accent6"/>
+          </a:lnRef>
+          <a:fillRef idx="3">
+            <a:schemeClr val="accent6"/>
+          </a:fillRef>
+          <a:effectRef idx="3">
+            <a:schemeClr val="accent6"/>
+          </a:effectRef>
+          <a:fontRef idx="minor">
+            <a:schemeClr val="lt1"/>
+          </a:fontRef>
+        </p:style>
+        <p:txBody>
+          <a:bodyPr wrap="none" rtlCol="0">
+            <a:spAutoFit/>
+          </a:bodyPr>
+          <a:lstStyle/>
+          <a:p>
+            <a:pPr algn="ctr"/>
+            <a:r>
+              <a:rPr lang="de-DE" sz="1000" b="1" dirty="0" err="1">
+                <a:solidFill>
+                  <a:schemeClr val="bg1"/>
+                </a:solidFill>
+                <a:effectLst>
+                  <a:outerShdw blurRad="38100" dist="38100" dir="2700000" algn="tl">
+                    <a:srgbClr val="000000">
+                      <a:alpha val="43137"/>
+                    </a:srgbClr>
+                  </a:outerShdw>
+                </a:effectLst>
+                <a:latin typeface="Consolas" panose="020B0609020204030204" pitchFamily="49" charset="0"/>
+              </a:rPr>
+              <a:t>data</a:t>
+            </a:r>
+            <a:r>
+              <a:rPr lang="de-DE" sz="1000" b="1" dirty="0">
+                <a:solidFill>
+                  <a:schemeClr val="bg1"/>
+                </a:solidFill>
+                <a:effectLst>
+                  <a:outerShdw blurRad="38100" dist="38100" dir="2700000" algn="tl">
+                    <a:srgbClr val="000000">
+                      <a:alpha val="43137"/>
+                    </a:srgbClr>
+                  </a:outerShdw>
+                </a:effectLst>
+                <a:latin typeface="Consolas" panose="020B0609020204030204" pitchFamily="49" charset="0"/>
+              </a:rPr>
+              <a:t>-frame (</a:t>
+            </a:r>
+            <a:r>
+              <a:rPr lang="de-DE" sz="1000" b="1" dirty="0" err="1">
+                <a:solidFill>
+                  <a:schemeClr val="bg1"/>
+                </a:solidFill>
+                <a:effectLst>
+                  <a:outerShdw blurRad="38100" dist="38100" dir="2700000" algn="tl">
+                    <a:srgbClr val="000000">
+                      <a:alpha val="43137"/>
+                    </a:srgbClr>
+                  </a:outerShdw>
+                </a:effectLst>
+                <a:latin typeface="Consolas" panose="020B0609020204030204" pitchFamily="49" charset="0"/>
+              </a:rPr>
+              <a:t>binary</a:t>
+            </a:r>
+            <a:r>
+              <a:rPr lang="de-DE" sz="1000" b="1" dirty="0">
+                <a:solidFill>
+                  <a:schemeClr val="bg1"/>
+                </a:solidFill>
+                <a:effectLst>
+                  <a:outerShdw blurRad="38100" dist="38100" dir="2700000" algn="tl">
+                    <a:srgbClr val="000000">
+                      <a:alpha val="43137"/>
+                    </a:srgbClr>
+                  </a:outerShdw>
+                </a:effectLst>
+                <a:latin typeface="Consolas" panose="020B0609020204030204" pitchFamily="49" charset="0"/>
+              </a:rPr>
+              <a:t>)</a:t>
+            </a:r>
+          </a:p>
+          <a:p>
+            <a:r>
+              <a:rPr lang="de-DE" sz="1000" b="0" dirty="0">
+                <a:solidFill>
+                  <a:schemeClr val="bg1"/>
+                </a:solidFill>
+                <a:effectLst>
+                  <a:outerShdw blurRad="38100" dist="38100" dir="2700000" algn="tl">
+                    <a:srgbClr val="000000">
+                      <a:alpha val="43137"/>
+                    </a:srgbClr>
+                  </a:outerShdw>
+                </a:effectLst>
+                <a:latin typeface="Consolas" panose="020B0609020204030204" pitchFamily="49" charset="0"/>
+              </a:rPr>
+              <a:t>[uint8 </a:t>
+            </a:r>
+            <a:r>
+              <a:rPr lang="de-DE" sz="1000" b="0" dirty="0" err="1">
+                <a:solidFill>
+                  <a:schemeClr val="bg1"/>
+                </a:solidFill>
+                <a:effectLst>
+                  <a:outerShdw blurRad="38100" dist="38100" dir="2700000" algn="tl">
+                    <a:srgbClr val="000000">
+                      <a:alpha val="43137"/>
+                    </a:srgbClr>
+                  </a:outerShdw>
+                </a:effectLst>
+                <a:latin typeface="Consolas" panose="020B0609020204030204" pitchFamily="49" charset="0"/>
+              </a:rPr>
+              <a:t>count</a:t>
+            </a:r>
+            <a:r>
+              <a:rPr lang="de-DE" sz="1000" b="0" dirty="0">
+                <a:solidFill>
+                  <a:schemeClr val="bg1"/>
+                </a:solidFill>
+                <a:effectLst>
+                  <a:outerShdw blurRad="38100" dist="38100" dir="2700000" algn="tl">
+                    <a:srgbClr val="000000">
+                      <a:alpha val="43137"/>
+                    </a:srgbClr>
+                  </a:outerShdw>
+                </a:effectLst>
+                <a:latin typeface="Consolas" panose="020B0609020204030204" pitchFamily="49" charset="0"/>
+              </a:rPr>
+              <a:t>] </a:t>
+            </a:r>
+          </a:p>
+          <a:p>
+            <a:r>
+              <a:rPr lang="de-DE" sz="1000" b="0" dirty="0">
+                <a:solidFill>
+                  <a:schemeClr val="bg1"/>
+                </a:solidFill>
+                <a:effectLst>
+                  <a:outerShdw blurRad="38100" dist="38100" dir="2700000" algn="tl">
+                    <a:srgbClr val="000000">
+                      <a:alpha val="43137"/>
+                    </a:srgbClr>
+                  </a:outerShdw>
+                </a:effectLst>
+                <a:latin typeface="Consolas" panose="020B0609020204030204" pitchFamily="49" charset="0"/>
+              </a:rPr>
+              <a:t>[uint32 t0_ms]</a:t>
+            </a:r>
+          </a:p>
+          <a:p>
+            <a:r>
+              <a:rPr lang="de-DE" sz="1000" b="0" dirty="0">
+                <a:solidFill>
+                  <a:schemeClr val="bg1"/>
+                </a:solidFill>
+                <a:effectLst>
+                  <a:outerShdw blurRad="38100" dist="38100" dir="2700000" algn="tl">
+                    <a:srgbClr val="000000">
+                      <a:alpha val="43137"/>
+                    </a:srgbClr>
+                  </a:outerShdw>
+                </a:effectLst>
+                <a:latin typeface="Consolas" panose="020B0609020204030204" pitchFamily="49" charset="0"/>
+              </a:rPr>
+              <a:t>[</a:t>
+            </a:r>
+            <a:r>
+              <a:rPr lang="de-DE" sz="1000" b="0" dirty="0" err="1">
+                <a:solidFill>
+                  <a:schemeClr val="bg1"/>
+                </a:solidFill>
+                <a:effectLst>
+                  <a:outerShdw blurRad="38100" dist="38100" dir="2700000" algn="tl">
+                    <a:srgbClr val="000000">
+                      <a:alpha val="43137"/>
+                    </a:srgbClr>
+                  </a:outerShdw>
+                </a:effectLst>
+                <a:latin typeface="Consolas" panose="020B0609020204030204" pitchFamily="49" charset="0"/>
+              </a:rPr>
+              <a:t>count</a:t>
+            </a:r>
+            <a:r>
+              <a:rPr lang="de-DE" sz="1000" b="0" dirty="0">
+                <a:solidFill>
+                  <a:schemeClr val="bg1"/>
+                </a:solidFill>
+                <a:effectLst>
+                  <a:outerShdw blurRad="38100" dist="38100" dir="2700000" algn="tl">
+                    <a:srgbClr val="000000">
+                      <a:alpha val="43137"/>
+                    </a:srgbClr>
+                  </a:outerShdw>
+                </a:effectLst>
+                <a:latin typeface="Consolas" panose="020B0609020204030204" pitchFamily="49" charset="0"/>
+              </a:rPr>
+              <a:t>*(uint16 sample + uint8 </a:t>
+            </a:r>
+            <a:r>
+              <a:rPr lang="de-DE" sz="1000" b="0" dirty="0" err="1">
+                <a:solidFill>
+                  <a:schemeClr val="bg1"/>
+                </a:solidFill>
+                <a:effectLst>
+                  <a:outerShdw blurRad="38100" dist="38100" dir="2700000" algn="tl">
+                    <a:srgbClr val="000000">
+                      <a:alpha val="43137"/>
+                    </a:srgbClr>
+                  </a:outerShdw>
+                </a:effectLst>
+                <a:latin typeface="Consolas" panose="020B0609020204030204" pitchFamily="49" charset="0"/>
+              </a:rPr>
+              <a:t>dt_ms</a:t>
+            </a:r>
+            <a:r>
+              <a:rPr lang="de-DE" sz="1000" b="0" dirty="0">
+                <a:solidFill>
+                  <a:schemeClr val="bg1"/>
+                </a:solidFill>
+                <a:effectLst>
+                  <a:outerShdw blurRad="38100" dist="38100" dir="2700000" algn="tl">
+                    <a:srgbClr val="000000">
+                      <a:alpha val="43137"/>
+                    </a:srgbClr>
+                  </a:outerShdw>
+                </a:effectLst>
+                <a:latin typeface="Consolas" panose="020B0609020204030204" pitchFamily="49" charset="0"/>
+              </a:rPr>
+              <a:t>)]</a:t>
+            </a:r>
+          </a:p>
+          <a:p>
+            <a:r>
+              <a:rPr lang="de-DE" sz="1000" b="0" dirty="0">
+                <a:solidFill>
+                  <a:schemeClr val="bg1"/>
+                </a:solidFill>
+                <a:effectLst>
+                  <a:outerShdw blurRad="38100" dist="38100" dir="2700000" algn="tl">
+                    <a:srgbClr val="000000">
+                      <a:alpha val="43137"/>
+                    </a:srgbClr>
+                  </a:outerShdw>
+                </a:effectLst>
+                <a:latin typeface="Consolas" panose="020B0609020204030204" pitchFamily="49" charset="0"/>
+              </a:rPr>
+              <a:t>[uint16 crc16]</a:t>
+            </a:r>
+          </a:p>
+        </p:txBody>
+      </p:sp>
+      <p:sp>
+        <p:nvSpPr>
+          <p:cNvPr id="22" name="Nach oben gebogener Pfeil 21">
+            <a:extLst>
+              <a:ext uri="{FF2B5EF4-FFF2-40B4-BE49-F238E27FC236}">
+                <a16:creationId xmlns:a16="http://schemas.microsoft.com/office/drawing/2014/main" id="{F3757253-AE44-5DD7-15B1-5426C73C545F}"/>
+              </a:ext>
+            </a:extLst>
+          </p:cNvPr>
+          <p:cNvSpPr/>
+          <p:nvPr/>
+        </p:nvSpPr>
+        <p:spPr>
+          <a:xfrm rot="5400000">
+            <a:off x="6890916" y="5207554"/>
+            <a:ext cx="1621056" cy="534436"/>
+          </a:xfrm>
+          <a:prstGeom prst="bentUpArrow">
+            <a:avLst>
+              <a:gd name="adj1" fmla="val 10283"/>
+              <a:gd name="adj2" fmla="val 16209"/>
+              <a:gd name="adj3" fmla="val 27437"/>
+            </a:avLst>
+          </a:prstGeom>
+          <a:solidFill>
+            <a:schemeClr val="accent6"/>
+          </a:solidFill>
+        </p:spPr>
+        <p:style>
+          <a:lnRef idx="2">
+            <a:schemeClr val="accent1">
+              <a:shade val="15000"/>
+            </a:schemeClr>
+          </a:lnRef>
+          <a:fillRef idx="1">
+            <a:schemeClr val="accent1"/>
+          </a:fillRef>
+          <a:effectRef idx="0">
+            <a:schemeClr val="accent1"/>
+          </a:effectRef>
+          <a:fontRef idx="minor">
+            <a:schemeClr val="lt1"/>
+          </a:fontRef>
+        </p:style>
+        <p:txBody>
+          <a:bodyPr rtlCol="0" anchor="ctr"/>
+          <a:lstStyle/>
+          <a:p>
+            <a:pPr algn="ctr"/>
+            <a:endParaRPr lang="de-DE"/>
+          </a:p>
+        </p:txBody>
+      </p:sp>
+      <p:sp>
+        <p:nvSpPr>
+          <p:cNvPr id="21" name="Rechteck 20">
+            <a:extLst>
+              <a:ext uri="{FF2B5EF4-FFF2-40B4-BE49-F238E27FC236}">
+                <a16:creationId xmlns:a16="http://schemas.microsoft.com/office/drawing/2014/main" id="{73A9D863-8412-8D44-B81A-F6E5E1B672F4}"/>
+              </a:ext>
+            </a:extLst>
+          </p:cNvPr>
+          <p:cNvSpPr/>
+          <p:nvPr/>
+        </p:nvSpPr>
+        <p:spPr>
+          <a:xfrm>
+            <a:off x="6468496" y="2359986"/>
+            <a:ext cx="3938235" cy="2394894"/>
+          </a:xfrm>
+          <a:prstGeom prst="rect">
+            <a:avLst/>
+          </a:prstGeom>
+        </p:spPr>
+        <p:style>
+          <a:lnRef idx="0">
+            <a:schemeClr val="accent3"/>
+          </a:lnRef>
+          <a:fillRef idx="3">
+            <a:schemeClr val="accent3"/>
+          </a:fillRef>
+          <a:effectRef idx="3">
+            <a:schemeClr val="accent3"/>
+          </a:effectRef>
+          <a:fontRef idx="minor">
+            <a:schemeClr val="lt1"/>
+          </a:fontRef>
+        </p:style>
+        <p:txBody>
+          <a:bodyPr rtlCol="0" anchor="t"/>
+          <a:lstStyle/>
+          <a:p>
+            <a:pPr algn="ctr"/>
+            <a:r>
+              <a:rPr lang="de-DE" sz="1200" b="1" dirty="0" err="1">
+                <a:effectLst>
+                  <a:outerShdw blurRad="38100" dist="38100" dir="2700000" algn="tl">
+                    <a:srgbClr val="000000">
+                      <a:alpha val="43137"/>
+                    </a:srgbClr>
+                  </a:outerShdw>
+                </a:effectLst>
+              </a:rPr>
+              <a:t>main.py</a:t>
+            </a:r>
+            <a:endParaRPr lang="de-DE" sz="1200" b="1" dirty="0">
+              <a:effectLst>
+                <a:outerShdw blurRad="38100" dist="38100" dir="2700000" algn="tl">
+                  <a:srgbClr val="000000">
+                    <a:alpha val="43137"/>
+                  </a:srgbClr>
+                </a:outerShdw>
+              </a:effectLst>
+            </a:endParaRPr>
+          </a:p>
+          <a:p>
+            <a:pPr algn="ctr"/>
+            <a:endParaRPr lang="de-DE" sz="1200" b="1" dirty="0">
+              <a:effectLst>
+                <a:outerShdw blurRad="38100" dist="38100" dir="2700000" algn="tl">
+                  <a:srgbClr val="000000">
+                    <a:alpha val="43137"/>
+                  </a:srgbClr>
+                </a:outerShdw>
+              </a:effectLst>
+            </a:endParaRPr>
+          </a:p>
+          <a:p>
+            <a:r>
+              <a:rPr lang="de-DE" sz="1200" b="1" dirty="0">
+                <a:effectLst>
+                  <a:outerShdw blurRad="38100" dist="38100" dir="2700000" algn="tl">
+                    <a:srgbClr val="000000">
+                      <a:alpha val="43137"/>
+                    </a:srgbClr>
+                  </a:outerShdw>
+                </a:effectLst>
+              </a:rPr>
+              <a:t>Class </a:t>
+            </a:r>
+            <a:r>
+              <a:rPr lang="de-DE" sz="1200" b="1" dirty="0" err="1">
+                <a:effectLst>
+                  <a:outerShdw blurRad="38100" dist="38100" dir="2700000" algn="tl">
+                    <a:srgbClr val="000000">
+                      <a:alpha val="43137"/>
+                    </a:srgbClr>
+                  </a:outerShdw>
+                </a:effectLst>
+              </a:rPr>
+              <a:t>ECGWebServer</a:t>
+            </a:r>
+            <a:r>
+              <a:rPr lang="de-DE" sz="1200" b="1" dirty="0">
+                <a:effectLst>
+                  <a:outerShdw blurRad="38100" dist="38100" dir="2700000" algn="tl">
+                    <a:srgbClr val="000000">
+                      <a:alpha val="43137"/>
+                    </a:srgbClr>
+                  </a:outerShdw>
+                </a:effectLst>
+              </a:rPr>
+              <a:t>:</a:t>
+            </a:r>
+          </a:p>
+          <a:p>
+            <a:pPr marL="171450" indent="-171450">
+              <a:buFont typeface="Arial" panose="020B0604020202020204" pitchFamily="34" charset="0"/>
+              <a:buChar char="•"/>
+            </a:pPr>
+            <a:r>
+              <a:rPr lang="de-DE" sz="1200" dirty="0" err="1">
+                <a:effectLst>
+                  <a:outerShdw blurRad="38100" dist="38100" dir="2700000" algn="tl">
+                    <a:srgbClr val="000000">
+                      <a:alpha val="43137"/>
+                    </a:srgbClr>
+                  </a:outerShdw>
+                </a:effectLst>
+              </a:rPr>
+              <a:t>Creates</a:t>
+            </a:r>
+            <a:r>
+              <a:rPr lang="de-DE" sz="1200" dirty="0">
+                <a:effectLst>
+                  <a:outerShdw blurRad="38100" dist="38100" dir="2700000" algn="tl">
+                    <a:srgbClr val="000000">
+                      <a:alpha val="43137"/>
+                    </a:srgbClr>
+                  </a:outerShdw>
+                </a:effectLst>
+              </a:rPr>
+              <a:t> </a:t>
+            </a:r>
+            <a:r>
+              <a:rPr lang="de-DE" sz="1200" dirty="0" err="1">
+                <a:effectLst>
+                  <a:outerShdw blurRad="38100" dist="38100" dir="2700000" algn="tl">
+                    <a:srgbClr val="000000">
+                      <a:alpha val="43137"/>
+                    </a:srgbClr>
+                  </a:outerShdw>
+                </a:effectLst>
+              </a:rPr>
+              <a:t>DataStream</a:t>
+            </a:r>
+            <a:r>
+              <a:rPr lang="de-DE" sz="1200" dirty="0">
+                <a:effectLst>
+                  <a:outerShdw blurRad="38100" dist="38100" dir="2700000" algn="tl">
+                    <a:srgbClr val="000000">
+                      <a:alpha val="43137"/>
+                    </a:srgbClr>
+                  </a:outerShdw>
+                </a:effectLst>
+              </a:rPr>
+              <a:t> &gt;&gt; ring-</a:t>
+            </a:r>
+            <a:r>
+              <a:rPr lang="de-DE" sz="1200" dirty="0" err="1">
+                <a:effectLst>
+                  <a:outerShdw blurRad="38100" dist="38100" dir="2700000" algn="tl">
+                    <a:srgbClr val="000000">
+                      <a:alpha val="43137"/>
+                    </a:srgbClr>
+                  </a:outerShdw>
+                </a:effectLst>
+              </a:rPr>
+              <a:t>buffer</a:t>
+            </a:r>
+            <a:endParaRPr lang="de-DE" sz="1200" dirty="0">
+              <a:effectLst>
+                <a:outerShdw blurRad="38100" dist="38100" dir="2700000" algn="tl">
+                  <a:srgbClr val="000000">
+                    <a:alpha val="43137"/>
+                  </a:srgbClr>
+                </a:outerShdw>
+              </a:effectLst>
+            </a:endParaRPr>
+          </a:p>
+          <a:p>
+            <a:pPr marL="171450" indent="-171450">
+              <a:buFont typeface="Arial" panose="020B0604020202020204" pitchFamily="34" charset="0"/>
+              <a:buChar char="•"/>
+            </a:pPr>
+            <a:r>
+              <a:rPr lang="de-DE" sz="1200" dirty="0">
+                <a:effectLst>
+                  <a:outerShdw blurRad="38100" dist="38100" dir="2700000" algn="tl">
+                    <a:srgbClr val="000000">
+                      <a:alpha val="43137"/>
+                    </a:srgbClr>
+                  </a:outerShdw>
+                </a:effectLst>
+              </a:rPr>
+              <a:t>Polls RPC-Bridge in </a:t>
+            </a:r>
+            <a:r>
+              <a:rPr lang="de-DE" sz="1200" dirty="0" err="1">
+                <a:effectLst>
+                  <a:outerShdw blurRad="38100" dist="38100" dir="2700000" algn="tl">
+                    <a:srgbClr val="000000">
+                      <a:alpha val="43137"/>
+                    </a:srgbClr>
+                  </a:outerShdw>
+                </a:effectLst>
+              </a:rPr>
+              <a:t>seperate</a:t>
+            </a:r>
+            <a:r>
+              <a:rPr lang="de-DE" sz="1200" dirty="0">
+                <a:effectLst>
+                  <a:outerShdw blurRad="38100" dist="38100" dir="2700000" algn="tl">
+                    <a:srgbClr val="000000">
+                      <a:alpha val="43137"/>
+                    </a:srgbClr>
+                  </a:outerShdw>
+                </a:effectLst>
+              </a:rPr>
+              <a:t> Thread</a:t>
+            </a:r>
+          </a:p>
+          <a:p>
+            <a:pPr marL="628650" lvl="1" indent="-171450">
+              <a:buFont typeface="Arial" panose="020B0604020202020204" pitchFamily="34" charset="0"/>
+              <a:buChar char="•"/>
+            </a:pPr>
+            <a:r>
+              <a:rPr lang="de-DE" sz="1200" dirty="0" err="1">
+                <a:effectLst>
+                  <a:outerShdw blurRad="38100" dist="38100" dir="2700000" algn="tl">
+                    <a:srgbClr val="000000">
+                      <a:alpha val="43137"/>
+                    </a:srgbClr>
+                  </a:outerShdw>
+                </a:effectLst>
+              </a:rPr>
+              <a:t>calls</a:t>
+            </a:r>
+            <a:r>
+              <a:rPr lang="de-DE" sz="1200" dirty="0">
+                <a:effectLst>
+                  <a:outerShdw blurRad="38100" dist="38100" dir="2700000" algn="tl">
+                    <a:srgbClr val="000000">
+                      <a:alpha val="43137"/>
+                    </a:srgbClr>
+                  </a:outerShdw>
+                </a:effectLst>
+              </a:rPr>
+              <a:t> </a:t>
+            </a:r>
+            <a:r>
+              <a:rPr lang="de-DE" sz="1200" dirty="0" err="1">
+                <a:effectLst>
+                  <a:outerShdw blurRad="38100" dist="38100" dir="2700000" algn="tl">
+                    <a:srgbClr val="000000">
+                      <a:alpha val="43137"/>
+                    </a:srgbClr>
+                  </a:outerShdw>
+                </a:effectLst>
+              </a:rPr>
+              <a:t>request_frame</a:t>
+            </a:r>
+            <a:r>
+              <a:rPr lang="de-DE" sz="1200" dirty="0">
+                <a:effectLst>
+                  <a:outerShdw blurRad="38100" dist="38100" dir="2700000" algn="tl">
+                    <a:srgbClr val="000000">
+                      <a:alpha val="43137"/>
+                    </a:srgbClr>
+                  </a:outerShdw>
+                </a:effectLst>
+              </a:rPr>
+              <a:t> (</a:t>
+            </a:r>
+            <a:r>
+              <a:rPr lang="de-DE" sz="1200" dirty="0" err="1">
+                <a:effectLst>
+                  <a:outerShdw blurRad="38100" dist="38100" dir="2700000" algn="tl">
+                    <a:srgbClr val="000000">
+                      <a:alpha val="43137"/>
+                    </a:srgbClr>
+                  </a:outerShdw>
+                </a:effectLst>
+              </a:rPr>
+              <a:t>arduino_q_bridge_rpc.py</a:t>
+            </a:r>
+            <a:r>
+              <a:rPr lang="de-DE" sz="1200" dirty="0">
+                <a:effectLst>
+                  <a:outerShdw blurRad="38100" dist="38100" dir="2700000" algn="tl">
+                    <a:srgbClr val="000000">
+                      <a:alpha val="43137"/>
+                    </a:srgbClr>
+                  </a:outerShdw>
+                </a:effectLst>
+              </a:rPr>
+              <a:t>)</a:t>
+            </a:r>
+          </a:p>
+          <a:p>
+            <a:pPr marL="628650" lvl="1" indent="-171450">
+              <a:buFont typeface="Arial" panose="020B0604020202020204" pitchFamily="34" charset="0"/>
+              <a:buChar char="•"/>
+            </a:pPr>
+            <a:r>
+              <a:rPr lang="de-DE" sz="1200" dirty="0" err="1">
+                <a:effectLst>
+                  <a:outerShdw blurRad="38100" dist="38100" dir="2700000" algn="tl">
+                    <a:srgbClr val="000000">
+                      <a:alpha val="43137"/>
+                    </a:srgbClr>
+                  </a:outerShdw>
+                </a:effectLst>
+              </a:rPr>
+              <a:t>filter</a:t>
+            </a:r>
+            <a:r>
+              <a:rPr lang="de-DE" sz="1200" dirty="0">
+                <a:effectLst>
+                  <a:outerShdw blurRad="38100" dist="38100" dir="2700000" algn="tl">
+                    <a:srgbClr val="000000">
+                      <a:alpha val="43137"/>
+                    </a:srgbClr>
+                  </a:outerShdw>
+                </a:effectLst>
+              </a:rPr>
+              <a:t> </a:t>
+            </a:r>
+            <a:r>
+              <a:rPr lang="de-DE" sz="1200" dirty="0" err="1">
+                <a:effectLst>
+                  <a:outerShdw blurRad="38100" dist="38100" dir="2700000" algn="tl">
+                    <a:srgbClr val="000000">
+                      <a:alpha val="43137"/>
+                    </a:srgbClr>
+                  </a:outerShdw>
+                </a:effectLst>
+              </a:rPr>
+              <a:t>incoming</a:t>
+            </a:r>
+            <a:r>
+              <a:rPr lang="de-DE" sz="1200" dirty="0">
+                <a:effectLst>
+                  <a:outerShdw blurRad="38100" dist="38100" dir="2700000" algn="tl">
+                    <a:srgbClr val="000000">
+                      <a:alpha val="43137"/>
+                    </a:srgbClr>
+                  </a:outerShdw>
+                </a:effectLst>
+              </a:rPr>
+              <a:t> </a:t>
+            </a:r>
+            <a:r>
+              <a:rPr lang="de-DE" sz="1200" dirty="0" err="1">
+                <a:effectLst>
+                  <a:outerShdw blurRad="38100" dist="38100" dir="2700000" algn="tl">
+                    <a:srgbClr val="000000">
+                      <a:alpha val="43137"/>
+                    </a:srgbClr>
+                  </a:outerShdw>
+                </a:effectLst>
+              </a:rPr>
+              <a:t>data</a:t>
+            </a:r>
+            <a:r>
+              <a:rPr lang="de-DE" sz="1200" dirty="0">
+                <a:effectLst>
+                  <a:outerShdw blurRad="38100" dist="38100" dir="2700000" algn="tl">
+                    <a:srgbClr val="000000">
+                      <a:alpha val="43137"/>
+                    </a:srgbClr>
+                  </a:outerShdw>
+                </a:effectLst>
+              </a:rPr>
+              <a:t> (</a:t>
+            </a:r>
+            <a:r>
+              <a:rPr lang="de-DE" sz="1200" dirty="0" err="1">
+                <a:effectLst>
+                  <a:outerShdw blurRad="38100" dist="38100" dir="2700000" algn="tl">
+                    <a:srgbClr val="000000">
+                      <a:alpha val="43137"/>
+                    </a:srgbClr>
+                  </a:outerShdw>
+                </a:effectLst>
+              </a:rPr>
+              <a:t>data_stream.py</a:t>
+            </a:r>
+            <a:r>
+              <a:rPr lang="de-DE" sz="1200" dirty="0">
+                <a:effectLst>
+                  <a:outerShdw blurRad="38100" dist="38100" dir="2700000" algn="tl">
+                    <a:srgbClr val="000000">
+                      <a:alpha val="43137"/>
+                    </a:srgbClr>
+                  </a:outerShdw>
+                </a:effectLst>
+              </a:rPr>
+              <a:t>)</a:t>
+            </a:r>
+          </a:p>
+          <a:p>
+            <a:pPr marL="628650" lvl="1" indent="-171450">
+              <a:buFont typeface="Arial" panose="020B0604020202020204" pitchFamily="34" charset="0"/>
+              <a:buChar char="•"/>
+            </a:pPr>
+            <a:r>
+              <a:rPr lang="de-DE" sz="1200" dirty="0">
+                <a:effectLst>
+                  <a:outerShdw blurRad="38100" dist="38100" dir="2700000" algn="tl">
+                    <a:srgbClr val="000000">
+                      <a:alpha val="43137"/>
+                    </a:srgbClr>
+                  </a:outerShdw>
+                </a:effectLst>
+              </a:rPr>
+              <a:t>Store </a:t>
+            </a:r>
+            <a:r>
+              <a:rPr lang="de-DE" sz="1200" dirty="0" err="1">
+                <a:effectLst>
+                  <a:outerShdw blurRad="38100" dist="38100" dir="2700000" algn="tl">
+                    <a:srgbClr val="000000">
+                      <a:alpha val="43137"/>
+                    </a:srgbClr>
+                  </a:outerShdw>
+                </a:effectLst>
+              </a:rPr>
+              <a:t>data</a:t>
+            </a:r>
+            <a:r>
+              <a:rPr lang="de-DE" sz="1200" dirty="0">
+                <a:effectLst>
+                  <a:outerShdw blurRad="38100" dist="38100" dir="2700000" algn="tl">
+                    <a:srgbClr val="000000">
+                      <a:alpha val="43137"/>
+                    </a:srgbClr>
+                  </a:outerShdw>
+                </a:effectLst>
+              </a:rPr>
+              <a:t> in ring-</a:t>
+            </a:r>
+            <a:r>
+              <a:rPr lang="de-DE" sz="1200" dirty="0" err="1">
+                <a:effectLst>
+                  <a:outerShdw blurRad="38100" dist="38100" dir="2700000" algn="tl">
+                    <a:srgbClr val="000000">
+                      <a:alpha val="43137"/>
+                    </a:srgbClr>
+                  </a:outerShdw>
+                </a:effectLst>
+              </a:rPr>
+              <a:t>buffer</a:t>
+            </a:r>
+            <a:r>
+              <a:rPr lang="de-DE" sz="1200" dirty="0">
+                <a:effectLst>
+                  <a:outerShdw blurRad="38100" dist="38100" dir="2700000" algn="tl">
+                    <a:srgbClr val="000000">
+                      <a:alpha val="43137"/>
+                    </a:srgbClr>
+                  </a:outerShdw>
+                </a:effectLst>
+              </a:rPr>
+              <a:t> (</a:t>
+            </a:r>
+            <a:r>
+              <a:rPr lang="de-DE" sz="1200" dirty="0" err="1">
+                <a:effectLst>
+                  <a:outerShdw blurRad="38100" dist="38100" dir="2700000" algn="tl">
+                    <a:srgbClr val="000000">
+                      <a:alpha val="43137"/>
+                    </a:srgbClr>
+                  </a:outerShdw>
+                </a:effectLst>
+              </a:rPr>
+              <a:t>data_stream.py</a:t>
+            </a:r>
+            <a:r>
+              <a:rPr lang="de-DE" sz="1200" dirty="0">
+                <a:effectLst>
+                  <a:outerShdw blurRad="38100" dist="38100" dir="2700000" algn="tl">
+                    <a:srgbClr val="000000">
+                      <a:alpha val="43137"/>
+                    </a:srgbClr>
+                  </a:outerShdw>
+                </a:effectLst>
+              </a:rPr>
+              <a:t>)</a:t>
+            </a:r>
+          </a:p>
+          <a:p>
+            <a:pPr marL="628650" lvl="1" indent="-171450">
+              <a:buFont typeface="Arial" panose="020B0604020202020204" pitchFamily="34" charset="0"/>
+              <a:buChar char="•"/>
+            </a:pPr>
+            <a:r>
+              <a:rPr lang="de-DE" sz="1200" dirty="0">
+                <a:effectLst>
+                  <a:outerShdw blurRad="38100" dist="38100" dir="2700000" algn="tl">
+                    <a:srgbClr val="000000">
+                      <a:alpha val="43137"/>
+                    </a:srgbClr>
+                  </a:outerShdw>
+                </a:effectLst>
+              </a:rPr>
+              <a:t>Sends </a:t>
+            </a:r>
+            <a:r>
+              <a:rPr lang="de-DE" sz="1200" dirty="0" err="1">
+                <a:effectLst>
+                  <a:outerShdw blurRad="38100" dist="38100" dir="2700000" algn="tl">
+                    <a:srgbClr val="000000">
+                      <a:alpha val="43137"/>
+                    </a:srgbClr>
+                  </a:outerShdw>
+                </a:effectLst>
+              </a:rPr>
+              <a:t>data</a:t>
+            </a:r>
+            <a:r>
+              <a:rPr lang="de-DE" sz="1200" dirty="0">
+                <a:effectLst>
+                  <a:outerShdw blurRad="38100" dist="38100" dir="2700000" algn="tl">
+                    <a:srgbClr val="000000">
+                      <a:alpha val="43137"/>
+                    </a:srgbClr>
+                  </a:outerShdw>
+                </a:effectLst>
+              </a:rPr>
+              <a:t> </a:t>
+            </a:r>
+            <a:r>
+              <a:rPr lang="de-DE" sz="1200" dirty="0" err="1">
+                <a:effectLst>
+                  <a:outerShdw blurRad="38100" dist="38100" dir="2700000" algn="tl">
+                    <a:srgbClr val="000000">
+                      <a:alpha val="43137"/>
+                    </a:srgbClr>
+                  </a:outerShdw>
+                </a:effectLst>
+              </a:rPr>
+              <a:t>to</a:t>
+            </a:r>
+            <a:r>
+              <a:rPr lang="de-DE" sz="1200" dirty="0">
+                <a:effectLst>
+                  <a:outerShdw blurRad="38100" dist="38100" dir="2700000" algn="tl">
+                    <a:srgbClr val="000000">
+                      <a:alpha val="43137"/>
+                    </a:srgbClr>
+                  </a:outerShdw>
+                </a:effectLst>
+              </a:rPr>
+              <a:t> web-browser</a:t>
+            </a:r>
+          </a:p>
+          <a:p>
+            <a:pPr marL="1085850" lvl="2" indent="-171450">
+              <a:buFont typeface="Arial" panose="020B0604020202020204" pitchFamily="34" charset="0"/>
+              <a:buChar char="•"/>
+            </a:pPr>
+            <a:r>
+              <a:rPr lang="de-DE" sz="1200" dirty="0" err="1">
+                <a:effectLst>
+                  <a:outerShdw blurRad="38100" dist="38100" dir="2700000" algn="tl">
+                    <a:srgbClr val="000000">
+                      <a:alpha val="43137"/>
+                    </a:srgbClr>
+                  </a:outerShdw>
+                </a:effectLst>
+              </a:rPr>
+              <a:t>ecg_frame</a:t>
+            </a:r>
+            <a:endParaRPr lang="de-DE" sz="1200" dirty="0">
+              <a:effectLst>
+                <a:outerShdw blurRad="38100" dist="38100" dir="2700000" algn="tl">
+                  <a:srgbClr val="000000">
+                    <a:alpha val="43137"/>
+                  </a:srgbClr>
+                </a:outerShdw>
+              </a:effectLst>
+            </a:endParaRPr>
+          </a:p>
+          <a:p>
+            <a:pPr marL="1085850" lvl="2" indent="-171450">
+              <a:buFont typeface="Arial" panose="020B0604020202020204" pitchFamily="34" charset="0"/>
+              <a:buChar char="•"/>
+            </a:pPr>
+            <a:r>
+              <a:rPr lang="de-DE" sz="1200" dirty="0" err="1">
+                <a:effectLst>
+                  <a:outerShdw blurRad="38100" dist="38100" dir="2700000" algn="tl">
+                    <a:srgbClr val="000000">
+                      <a:alpha val="43137"/>
+                    </a:srgbClr>
+                  </a:outerShdw>
+                </a:effectLst>
+              </a:rPr>
+              <a:t>ecg_delta</a:t>
+            </a:r>
+            <a:endParaRPr lang="de-DE" sz="1200" dirty="0">
+              <a:effectLst>
+                <a:outerShdw blurRad="38100" dist="38100" dir="2700000" algn="tl">
+                  <a:srgbClr val="000000">
+                    <a:alpha val="43137"/>
+                  </a:srgbClr>
+                </a:outerShdw>
+              </a:effectLst>
+            </a:endParaRPr>
+          </a:p>
+          <a:p>
+            <a:pPr marL="1085850" lvl="2" indent="-171450">
+              <a:buFont typeface="Arial" panose="020B0604020202020204" pitchFamily="34" charset="0"/>
+              <a:buChar char="•"/>
+            </a:pPr>
+            <a:r>
+              <a:rPr lang="de-DE" sz="1200" dirty="0" err="1">
+                <a:effectLst>
+                  <a:outerShdw blurRad="38100" dist="38100" dir="2700000" algn="tl">
+                    <a:srgbClr val="000000">
+                      <a:alpha val="43137"/>
+                    </a:srgbClr>
+                  </a:outerShdw>
+                </a:effectLst>
+              </a:rPr>
+              <a:t>ecg_meta</a:t>
+            </a:r>
+            <a:endParaRPr lang="de-DE" sz="1200" dirty="0">
+              <a:effectLst>
+                <a:outerShdw blurRad="38100" dist="38100" dir="2700000" algn="tl">
+                  <a:srgbClr val="000000">
+                    <a:alpha val="43137"/>
+                  </a:srgbClr>
+                </a:outerShdw>
+              </a:effectLst>
+            </a:endParaRPr>
+          </a:p>
+          <a:p>
+            <a:pPr algn="ctr"/>
+            <a:endParaRPr lang="de-DE" sz="1200" dirty="0">
+              <a:effectLst>
+                <a:outerShdw blurRad="38100" dist="38100" dir="2700000" algn="tl">
+                  <a:srgbClr val="000000">
+                    <a:alpha val="43137"/>
+                  </a:srgbClr>
+                </a:outerShdw>
+              </a:effectLst>
+            </a:endParaRPr>
+          </a:p>
+        </p:txBody>
+      </p:sp>
+      <p:sp>
+        <p:nvSpPr>
+          <p:cNvPr id="23" name="Textfeld 22">
+            <a:extLst>
+              <a:ext uri="{FF2B5EF4-FFF2-40B4-BE49-F238E27FC236}">
+                <a16:creationId xmlns:a16="http://schemas.microsoft.com/office/drawing/2014/main" id="{883E0382-AE77-2581-F46B-A9E64E0FD21B}"/>
+              </a:ext>
+            </a:extLst>
+          </p:cNvPr>
+          <p:cNvSpPr txBox="1"/>
+          <p:nvPr/>
+        </p:nvSpPr>
+        <p:spPr>
+          <a:xfrm>
+            <a:off x="7950468" y="5759108"/>
+            <a:ext cx="4052235" cy="861774"/>
+          </a:xfrm>
+          <a:prstGeom prst="rect">
+            <a:avLst/>
+          </a:prstGeom>
+        </p:spPr>
+        <p:style>
+          <a:lnRef idx="0">
+            <a:schemeClr val="accent2"/>
+          </a:lnRef>
+          <a:fillRef idx="3">
+            <a:schemeClr val="accent2"/>
+          </a:fillRef>
+          <a:effectRef idx="3">
+            <a:schemeClr val="accent2"/>
+          </a:effectRef>
+          <a:fontRef idx="minor">
+            <a:schemeClr val="lt1"/>
+          </a:fontRef>
+        </p:style>
+        <p:txBody>
+          <a:bodyPr wrap="square" rtlCol="0">
+            <a:spAutoFit/>
+          </a:bodyPr>
+          <a:lstStyle/>
+          <a:p>
+            <a:pPr algn="ctr"/>
+            <a:r>
+              <a:rPr lang="de-DE" sz="1000" b="1" dirty="0">
+                <a:solidFill>
+                  <a:schemeClr val="bg1"/>
+                </a:solidFill>
+                <a:effectLst>
+                  <a:outerShdw blurRad="38100" dist="38100" dir="2700000" algn="tl">
+                    <a:srgbClr val="000000">
+                      <a:alpha val="43137"/>
+                    </a:srgbClr>
+                  </a:outerShdw>
+                </a:effectLst>
+                <a:latin typeface="Consolas" panose="020B0609020204030204" pitchFamily="49" charset="0"/>
+              </a:rPr>
+              <a:t>Messages </a:t>
+            </a:r>
+            <a:r>
+              <a:rPr lang="de-DE" sz="1000" b="1" dirty="0" err="1">
+                <a:solidFill>
+                  <a:schemeClr val="bg1"/>
+                </a:solidFill>
+                <a:effectLst>
+                  <a:outerShdw blurRad="38100" dist="38100" dir="2700000" algn="tl">
+                    <a:srgbClr val="000000">
+                      <a:alpha val="43137"/>
+                    </a:srgbClr>
+                  </a:outerShdw>
+                </a:effectLst>
+                <a:latin typeface="Consolas" panose="020B0609020204030204" pitchFamily="49" charset="0"/>
+              </a:rPr>
+              <a:t>to</a:t>
+            </a:r>
+            <a:r>
+              <a:rPr lang="de-DE" sz="1000" b="1" dirty="0">
+                <a:solidFill>
+                  <a:schemeClr val="bg1"/>
+                </a:solidFill>
+                <a:effectLst>
+                  <a:outerShdw blurRad="38100" dist="38100" dir="2700000" algn="tl">
+                    <a:srgbClr val="000000">
+                      <a:alpha val="43137"/>
+                    </a:srgbClr>
+                  </a:outerShdw>
+                </a:effectLst>
+                <a:latin typeface="Consolas" panose="020B0609020204030204" pitchFamily="49" charset="0"/>
+              </a:rPr>
+              <a:t> </a:t>
+            </a:r>
+            <a:r>
+              <a:rPr lang="de-DE" sz="1000" b="1" dirty="0" err="1">
+                <a:solidFill>
+                  <a:schemeClr val="bg1"/>
+                </a:solidFill>
+                <a:effectLst>
+                  <a:outerShdw blurRad="38100" dist="38100" dir="2700000" algn="tl">
+                    <a:srgbClr val="000000">
+                      <a:alpha val="43137"/>
+                    </a:srgbClr>
+                  </a:outerShdw>
+                </a:effectLst>
+                <a:latin typeface="Consolas" panose="020B0609020204030204" pitchFamily="49" charset="0"/>
+              </a:rPr>
+              <a:t>browser</a:t>
+            </a:r>
+            <a:r>
+              <a:rPr lang="de-DE" sz="1000" b="1" dirty="0">
+                <a:solidFill>
+                  <a:schemeClr val="bg1"/>
+                </a:solidFill>
+                <a:effectLst>
+                  <a:outerShdw blurRad="38100" dist="38100" dir="2700000" algn="tl">
+                    <a:srgbClr val="000000">
+                      <a:alpha val="43137"/>
+                    </a:srgbClr>
+                  </a:outerShdw>
+                </a:effectLst>
+                <a:latin typeface="Consolas" panose="020B0609020204030204" pitchFamily="49" charset="0"/>
+              </a:rPr>
+              <a:t> (JSON </a:t>
+            </a:r>
+            <a:r>
+              <a:rPr lang="de-DE" sz="1000" b="1" dirty="0" err="1">
+                <a:solidFill>
+                  <a:schemeClr val="bg1"/>
+                </a:solidFill>
+                <a:effectLst>
+                  <a:outerShdw blurRad="38100" dist="38100" dir="2700000" algn="tl">
+                    <a:srgbClr val="000000">
+                      <a:alpha val="43137"/>
+                    </a:srgbClr>
+                  </a:outerShdw>
+                </a:effectLst>
+                <a:latin typeface="Consolas" panose="020B0609020204030204" pitchFamily="49" charset="0"/>
+              </a:rPr>
+              <a:t>text</a:t>
+            </a:r>
+            <a:r>
+              <a:rPr lang="de-DE" sz="1000" b="1" dirty="0">
+                <a:solidFill>
+                  <a:schemeClr val="bg1"/>
+                </a:solidFill>
+                <a:effectLst>
+                  <a:outerShdw blurRad="38100" dist="38100" dir="2700000" algn="tl">
+                    <a:srgbClr val="000000">
+                      <a:alpha val="43137"/>
+                    </a:srgbClr>
+                  </a:outerShdw>
+                </a:effectLst>
+                <a:latin typeface="Consolas" panose="020B0609020204030204" pitchFamily="49" charset="0"/>
+              </a:rPr>
+              <a:t>)</a:t>
+            </a:r>
+          </a:p>
+          <a:p>
+            <a:r>
+              <a:rPr lang="de-DE" sz="1000" dirty="0" err="1">
+                <a:solidFill>
+                  <a:schemeClr val="bg1"/>
+                </a:solidFill>
+                <a:effectLst>
+                  <a:outerShdw blurRad="38100" dist="38100" dir="2700000" algn="tl">
+                    <a:srgbClr val="000000">
+                      <a:alpha val="43137"/>
+                    </a:srgbClr>
+                  </a:outerShdw>
+                </a:effectLst>
+                <a:latin typeface="Consolas" panose="020B0609020204030204" pitchFamily="49" charset="0"/>
+              </a:rPr>
+              <a:t>m</a:t>
+            </a:r>
+            <a:r>
+              <a:rPr lang="de-DE" sz="1000" b="0" dirty="0" err="1">
+                <a:solidFill>
+                  <a:schemeClr val="bg1"/>
+                </a:solidFill>
+                <a:effectLst>
+                  <a:outerShdw blurRad="38100" dist="38100" dir="2700000" algn="tl">
+                    <a:srgbClr val="000000">
+                      <a:alpha val="43137"/>
+                    </a:srgbClr>
+                  </a:outerShdw>
+                </a:effectLst>
+                <a:latin typeface="Consolas" panose="020B0609020204030204" pitchFamily="49" charset="0"/>
+              </a:rPr>
+              <a:t>eta</a:t>
+            </a:r>
+            <a:r>
+              <a:rPr lang="de-DE" sz="1000" b="0" dirty="0">
+                <a:solidFill>
+                  <a:schemeClr val="bg1"/>
+                </a:solidFill>
+                <a:effectLst>
+                  <a:outerShdw blurRad="38100" dist="38100" dir="2700000" algn="tl">
+                    <a:srgbClr val="000000">
+                      <a:alpha val="43137"/>
+                    </a:srgbClr>
+                  </a:outerShdw>
+                </a:effectLst>
+                <a:latin typeface="Consolas" panose="020B0609020204030204" pitchFamily="49" charset="0"/>
+              </a:rPr>
+              <a:t>  </a:t>
+            </a:r>
+            <a:r>
+              <a:rPr lang="de-DE" sz="1000" b="0" dirty="0">
+                <a:solidFill>
+                  <a:schemeClr val="bg1"/>
+                </a:solidFill>
+                <a:effectLst>
+                  <a:outerShdw blurRad="38100" dist="38100" dir="2700000" algn="tl">
+                    <a:srgbClr val="000000">
+                      <a:alpha val="43137"/>
+                    </a:srgbClr>
+                  </a:outerShdw>
+                </a:effectLst>
+                <a:latin typeface="Consolas" panose="020B0609020204030204" pitchFamily="49" charset="0"/>
+                <a:sym typeface="Wingdings" pitchFamily="2" charset="2"/>
+              </a:rPr>
+              <a:t> {</a:t>
+            </a:r>
+            <a:r>
+              <a:rPr lang="de-DE" sz="1000" b="0" dirty="0" err="1">
+                <a:solidFill>
+                  <a:schemeClr val="bg1"/>
+                </a:solidFill>
+                <a:effectLst>
+                  <a:outerShdw blurRad="38100" dist="38100" dir="2700000" algn="tl">
+                    <a:srgbClr val="000000">
+                      <a:alpha val="43137"/>
+                    </a:srgbClr>
+                  </a:outerShdw>
+                </a:effectLst>
+                <a:latin typeface="Consolas" panose="020B0609020204030204" pitchFamily="49" charset="0"/>
+                <a:sym typeface="Wingdings" pitchFamily="2" charset="2"/>
+              </a:rPr>
+              <a:t>status</a:t>
+            </a:r>
+            <a:r>
+              <a:rPr lang="de-DE" sz="1000" b="0" dirty="0">
+                <a:solidFill>
+                  <a:schemeClr val="bg1"/>
+                </a:solidFill>
+                <a:effectLst>
+                  <a:outerShdw blurRad="38100" dist="38100" dir="2700000" algn="tl">
+                    <a:srgbClr val="000000">
+                      <a:alpha val="43137"/>
+                    </a:srgbClr>
+                  </a:outerShdw>
+                </a:effectLst>
+                <a:latin typeface="Consolas" panose="020B0609020204030204" pitchFamily="49" charset="0"/>
+                <a:sym typeface="Wingdings" pitchFamily="2" charset="2"/>
+              </a:rPr>
+              <a:t>, bpm, … }</a:t>
+            </a:r>
+          </a:p>
+          <a:p>
+            <a:r>
+              <a:rPr lang="de-DE" sz="1000" dirty="0" err="1">
+                <a:solidFill>
+                  <a:schemeClr val="bg1"/>
+                </a:solidFill>
+                <a:effectLst>
+                  <a:outerShdw blurRad="38100" dist="38100" dir="2700000" algn="tl">
+                    <a:srgbClr val="000000">
+                      <a:alpha val="43137"/>
+                    </a:srgbClr>
+                  </a:outerShdw>
+                </a:effectLst>
+                <a:latin typeface="Consolas" panose="020B0609020204030204" pitchFamily="49" charset="0"/>
+                <a:sym typeface="Wingdings" pitchFamily="2" charset="2"/>
+              </a:rPr>
+              <a:t>delta</a:t>
+            </a:r>
+            <a:r>
+              <a:rPr lang="de-DE" sz="1000" dirty="0">
+                <a:solidFill>
+                  <a:schemeClr val="bg1"/>
+                </a:solidFill>
+                <a:effectLst>
+                  <a:outerShdw blurRad="38100" dist="38100" dir="2700000" algn="tl">
+                    <a:srgbClr val="000000">
+                      <a:alpha val="43137"/>
+                    </a:srgbClr>
+                  </a:outerShdw>
+                </a:effectLst>
+                <a:latin typeface="Consolas" panose="020B0609020204030204" pitchFamily="49" charset="0"/>
+                <a:sym typeface="Wingdings" pitchFamily="2" charset="2"/>
+              </a:rPr>
+              <a:t>  {t0,t:….,</a:t>
+            </a:r>
+            <a:r>
+              <a:rPr lang="de-DE" sz="1000" dirty="0" err="1">
+                <a:solidFill>
+                  <a:schemeClr val="bg1"/>
+                </a:solidFill>
+                <a:effectLst>
+                  <a:outerShdw blurRad="38100" dist="38100" dir="2700000" algn="tl">
+                    <a:srgbClr val="000000">
+                      <a:alpha val="43137"/>
+                    </a:srgbClr>
+                  </a:outerShdw>
+                </a:effectLst>
+                <a:latin typeface="Consolas" panose="020B0609020204030204" pitchFamily="49" charset="0"/>
+                <a:sym typeface="Wingdings" pitchFamily="2" charset="2"/>
+              </a:rPr>
+              <a:t>y</a:t>
+            </a:r>
+            <a:r>
+              <a:rPr lang="de-DE" sz="1000" dirty="0">
+                <a:solidFill>
+                  <a:schemeClr val="bg1"/>
+                </a:solidFill>
+                <a:effectLst>
+                  <a:outerShdw blurRad="38100" dist="38100" dir="2700000" algn="tl">
+                    <a:srgbClr val="000000">
+                      <a:alpha val="43137"/>
+                    </a:srgbClr>
+                  </a:outerShdw>
+                </a:effectLst>
+                <a:latin typeface="Consolas" panose="020B0609020204030204" pitchFamily="49" charset="0"/>
+                <a:sym typeface="Wingdings" pitchFamily="2" charset="2"/>
+              </a:rPr>
+              <a:t>:…, </a:t>
+            </a:r>
+            <a:r>
+              <a:rPr lang="de-DE" sz="1000" dirty="0" err="1">
+                <a:solidFill>
+                  <a:schemeClr val="bg1"/>
+                </a:solidFill>
+                <a:effectLst>
+                  <a:outerShdw blurRad="38100" dist="38100" dir="2700000" algn="tl">
+                    <a:srgbClr val="000000">
+                      <a:alpha val="43137"/>
+                    </a:srgbClr>
+                  </a:outerShdw>
+                </a:effectLst>
+                <a:latin typeface="Consolas" panose="020B0609020204030204" pitchFamily="49" charset="0"/>
+                <a:sym typeface="Wingdings" pitchFamily="2" charset="2"/>
+              </a:rPr>
+              <a:t>threshold</a:t>
+            </a:r>
+            <a:r>
+              <a:rPr lang="de-DE" sz="1000" dirty="0">
+                <a:solidFill>
+                  <a:schemeClr val="bg1"/>
+                </a:solidFill>
+                <a:effectLst>
+                  <a:outerShdw blurRad="38100" dist="38100" dir="2700000" algn="tl">
+                    <a:srgbClr val="000000">
+                      <a:alpha val="43137"/>
+                    </a:srgbClr>
+                  </a:outerShdw>
+                </a:effectLst>
+                <a:latin typeface="Consolas" panose="020B0609020204030204" pitchFamily="49" charset="0"/>
+                <a:sym typeface="Wingdings" pitchFamily="2" charset="2"/>
+              </a:rPr>
+              <a:t>}</a:t>
+            </a:r>
+          </a:p>
+          <a:p>
+            <a:r>
+              <a:rPr lang="de-DE" sz="1000" dirty="0">
+                <a:solidFill>
+                  <a:schemeClr val="bg1"/>
+                </a:solidFill>
+                <a:effectLst>
+                  <a:outerShdw blurRad="38100" dist="38100" dir="2700000" algn="tl">
+                    <a:srgbClr val="000000">
+                      <a:alpha val="43137"/>
+                    </a:srgbClr>
+                  </a:outerShdw>
+                </a:effectLst>
+                <a:latin typeface="Consolas" panose="020B0609020204030204" pitchFamily="49" charset="0"/>
+                <a:sym typeface="Wingdings" pitchFamily="2" charset="2"/>
+              </a:rPr>
+              <a:t>frame  {</a:t>
+            </a:r>
+            <a:r>
+              <a:rPr lang="de-DE" sz="1000" dirty="0" err="1">
+                <a:solidFill>
+                  <a:schemeClr val="bg1"/>
+                </a:solidFill>
+                <a:effectLst>
+                  <a:outerShdw blurRad="38100" dist="38100" dir="2700000" algn="tl">
+                    <a:srgbClr val="000000">
+                      <a:alpha val="43137"/>
+                    </a:srgbClr>
+                  </a:outerShdw>
+                </a:effectLst>
+                <a:latin typeface="Consolas" panose="020B0609020204030204" pitchFamily="49" charset="0"/>
+                <a:sym typeface="Wingdings" pitchFamily="2" charset="2"/>
+              </a:rPr>
+              <a:t>plotwindow</a:t>
+            </a:r>
+            <a:r>
+              <a:rPr lang="de-DE" sz="1000" dirty="0">
+                <a:solidFill>
+                  <a:schemeClr val="bg1"/>
+                </a:solidFill>
+                <a:effectLst>
+                  <a:outerShdw blurRad="38100" dist="38100" dir="2700000" algn="tl">
+                    <a:srgbClr val="000000">
+                      <a:alpha val="43137"/>
+                    </a:srgbClr>
+                  </a:outerShdw>
+                </a:effectLst>
+                <a:latin typeface="Consolas" panose="020B0609020204030204" pitchFamily="49" charset="0"/>
+                <a:sym typeface="Wingdings" pitchFamily="2" charset="2"/>
+              </a:rPr>
+              <a:t>, </a:t>
+            </a:r>
+            <a:r>
+              <a:rPr lang="de-DE" sz="1000" dirty="0" err="1">
+                <a:solidFill>
+                  <a:schemeClr val="bg1"/>
+                </a:solidFill>
+                <a:effectLst>
+                  <a:outerShdw blurRad="38100" dist="38100" dir="2700000" algn="tl">
+                    <a:srgbClr val="000000">
+                      <a:alpha val="43137"/>
+                    </a:srgbClr>
+                  </a:outerShdw>
+                </a:effectLst>
+                <a:latin typeface="Consolas" panose="020B0609020204030204" pitchFamily="49" charset="0"/>
+                <a:sym typeface="Wingdings" pitchFamily="2" charset="2"/>
+              </a:rPr>
+              <a:t>signal</a:t>
+            </a:r>
+            <a:r>
+              <a:rPr lang="de-DE" sz="1000" dirty="0">
+                <a:solidFill>
+                  <a:schemeClr val="bg1"/>
+                </a:solidFill>
+                <a:effectLst>
+                  <a:outerShdw blurRad="38100" dist="38100" dir="2700000" algn="tl">
+                    <a:srgbClr val="000000">
+                      <a:alpha val="43137"/>
+                    </a:srgbClr>
+                  </a:outerShdw>
+                </a:effectLst>
+                <a:latin typeface="Consolas" panose="020B0609020204030204" pitchFamily="49" charset="0"/>
+                <a:sym typeface="Wingdings" pitchFamily="2" charset="2"/>
+              </a:rPr>
+              <a:t>: t0,t:….,</a:t>
+            </a:r>
+            <a:r>
+              <a:rPr lang="de-DE" sz="1000" dirty="0" err="1">
+                <a:solidFill>
+                  <a:schemeClr val="bg1"/>
+                </a:solidFill>
+                <a:effectLst>
+                  <a:outerShdw blurRad="38100" dist="38100" dir="2700000" algn="tl">
+                    <a:srgbClr val="000000">
+                      <a:alpha val="43137"/>
+                    </a:srgbClr>
+                  </a:outerShdw>
+                </a:effectLst>
+                <a:latin typeface="Consolas" panose="020B0609020204030204" pitchFamily="49" charset="0"/>
+                <a:sym typeface="Wingdings" pitchFamily="2" charset="2"/>
+              </a:rPr>
+              <a:t>y</a:t>
+            </a:r>
+            <a:r>
+              <a:rPr lang="de-DE" sz="1000" dirty="0">
+                <a:solidFill>
+                  <a:schemeClr val="bg1"/>
+                </a:solidFill>
+                <a:effectLst>
+                  <a:outerShdw blurRad="38100" dist="38100" dir="2700000" algn="tl">
+                    <a:srgbClr val="000000">
+                      <a:alpha val="43137"/>
+                    </a:srgbClr>
+                  </a:outerShdw>
+                </a:effectLst>
+                <a:latin typeface="Consolas" panose="020B0609020204030204" pitchFamily="49" charset="0"/>
+                <a:sym typeface="Wingdings" pitchFamily="2" charset="2"/>
+              </a:rPr>
+              <a:t>:…, </a:t>
+            </a:r>
+            <a:r>
+              <a:rPr lang="de-DE" sz="1000" dirty="0" err="1">
+                <a:solidFill>
+                  <a:schemeClr val="bg1"/>
+                </a:solidFill>
+                <a:effectLst>
+                  <a:outerShdw blurRad="38100" dist="38100" dir="2700000" algn="tl">
+                    <a:srgbClr val="000000">
+                      <a:alpha val="43137"/>
+                    </a:srgbClr>
+                  </a:outerShdw>
+                </a:effectLst>
+                <a:latin typeface="Consolas" panose="020B0609020204030204" pitchFamily="49" charset="0"/>
+                <a:sym typeface="Wingdings" pitchFamily="2" charset="2"/>
+              </a:rPr>
+              <a:t>threshold</a:t>
+            </a:r>
+            <a:r>
+              <a:rPr lang="de-DE" sz="1000" dirty="0">
+                <a:solidFill>
+                  <a:schemeClr val="bg1"/>
+                </a:solidFill>
+                <a:effectLst>
+                  <a:outerShdw blurRad="38100" dist="38100" dir="2700000" algn="tl">
+                    <a:srgbClr val="000000">
+                      <a:alpha val="43137"/>
+                    </a:srgbClr>
+                  </a:outerShdw>
+                </a:effectLst>
+                <a:latin typeface="Consolas" panose="020B0609020204030204" pitchFamily="49" charset="0"/>
+                <a:sym typeface="Wingdings" pitchFamily="2" charset="2"/>
+              </a:rPr>
+              <a:t>}</a:t>
+            </a:r>
+            <a:br>
+              <a:rPr lang="de-DE" sz="1000" dirty="0">
+                <a:solidFill>
+                  <a:schemeClr val="bg1"/>
+                </a:solidFill>
+                <a:effectLst>
+                  <a:outerShdw blurRad="38100" dist="38100" dir="2700000" algn="tl">
+                    <a:srgbClr val="000000">
+                      <a:alpha val="43137"/>
+                    </a:srgbClr>
+                  </a:outerShdw>
+                </a:effectLst>
+                <a:latin typeface="Consolas" panose="020B0609020204030204" pitchFamily="49" charset="0"/>
+                <a:sym typeface="Wingdings" pitchFamily="2" charset="2"/>
+              </a:rPr>
+            </a:br>
+            <a:r>
+              <a:rPr lang="de-DE" sz="1000" dirty="0">
+                <a:solidFill>
+                  <a:schemeClr val="bg1"/>
+                </a:solidFill>
+                <a:effectLst>
+                  <a:outerShdw blurRad="38100" dist="38100" dir="2700000" algn="tl">
+                    <a:srgbClr val="000000">
+                      <a:alpha val="43137"/>
+                    </a:srgbClr>
+                  </a:outerShdw>
+                </a:effectLst>
+                <a:latin typeface="Consolas" panose="020B0609020204030204" pitchFamily="49" charset="0"/>
+                <a:sym typeface="Wingdings" pitchFamily="2" charset="2"/>
+              </a:rPr>
+              <a:t>(frame </a:t>
+            </a:r>
+            <a:r>
+              <a:rPr lang="de-DE" sz="1000" dirty="0" err="1">
+                <a:solidFill>
+                  <a:schemeClr val="bg1"/>
+                </a:solidFill>
+                <a:effectLst>
+                  <a:outerShdw blurRad="38100" dist="38100" dir="2700000" algn="tl">
+                    <a:srgbClr val="000000">
+                      <a:alpha val="43137"/>
+                    </a:srgbClr>
+                  </a:outerShdw>
+                </a:effectLst>
+                <a:latin typeface="Consolas" panose="020B0609020204030204" pitchFamily="49" charset="0"/>
+                <a:sym typeface="Wingdings" pitchFamily="2" charset="2"/>
+              </a:rPr>
+              <a:t>once</a:t>
+            </a:r>
+            <a:r>
+              <a:rPr lang="de-DE" sz="1000" dirty="0">
+                <a:solidFill>
+                  <a:schemeClr val="bg1"/>
+                </a:solidFill>
+                <a:effectLst>
+                  <a:outerShdw blurRad="38100" dist="38100" dir="2700000" algn="tl">
+                    <a:srgbClr val="000000">
+                      <a:alpha val="43137"/>
+                    </a:srgbClr>
+                  </a:outerShdw>
+                </a:effectLst>
+                <a:latin typeface="Consolas" panose="020B0609020204030204" pitchFamily="49" charset="0"/>
+                <a:sym typeface="Wingdings" pitchFamily="2" charset="2"/>
+              </a:rPr>
+              <a:t> @ </a:t>
+            </a:r>
+            <a:r>
+              <a:rPr lang="de-DE" sz="1000" dirty="0" err="1">
+                <a:solidFill>
+                  <a:schemeClr val="bg1"/>
+                </a:solidFill>
+                <a:effectLst>
+                  <a:outerShdw blurRad="38100" dist="38100" dir="2700000" algn="tl">
+                    <a:srgbClr val="000000">
+                      <a:alpha val="43137"/>
+                    </a:srgbClr>
+                  </a:outerShdw>
+                </a:effectLst>
+                <a:latin typeface="Consolas" panose="020B0609020204030204" pitchFamily="49" charset="0"/>
+                <a:sym typeface="Wingdings" pitchFamily="2" charset="2"/>
+              </a:rPr>
+              <a:t>on_connect</a:t>
+            </a:r>
+            <a:r>
+              <a:rPr lang="de-DE" sz="1000" dirty="0">
+                <a:solidFill>
+                  <a:schemeClr val="bg1"/>
+                </a:solidFill>
+                <a:effectLst>
+                  <a:outerShdw blurRad="38100" dist="38100" dir="2700000" algn="tl">
+                    <a:srgbClr val="000000">
+                      <a:alpha val="43137"/>
+                    </a:srgbClr>
+                  </a:outerShdw>
+                </a:effectLst>
+                <a:latin typeface="Consolas" panose="020B0609020204030204" pitchFamily="49" charset="0"/>
+                <a:sym typeface="Wingdings" pitchFamily="2" charset="2"/>
+              </a:rPr>
+              <a:t>)</a:t>
+            </a:r>
+          </a:p>
+        </p:txBody>
+      </p:sp>
+    </p:spTree>
+    <p:extLst>
+      <p:ext uri="{BB962C8B-B14F-4D97-AF65-F5344CB8AC3E}">
+        <p14:creationId xmlns:p14="http://schemas.microsoft.com/office/powerpoint/2010/main" val="1092690064"/>
+      </p:ext>
+    </p:extLst>
+  </p:cSld>
+  <p:clrMapOvr>
+    <a:masterClrMapping/>
+  </p:clrMapOvr>
+</p:sld>
+</file>
+
+<file path=ppt/slides/slide4.xml><?xml version="1.0" encoding="utf-8"?>
+<p:sld xmlns:a="http://schemas.openxmlformats.org/drawingml/2006/main" xmlns:r="http://schemas.openxmlformats.org/officeDocument/2006/relationships" xmlns:p="http://schemas.openxmlformats.org/presentationml/2006/main">
+  <p:cSld>
+    <p:spTree>
+      <p:nvGrpSpPr>
+        <p:cNvPr id="1" name="">
+          <a:extLst>
+            <a:ext uri="{FF2B5EF4-FFF2-40B4-BE49-F238E27FC236}">
+              <a16:creationId xmlns:a16="http://schemas.microsoft.com/office/drawing/2014/main" id="{1E615A29-1708-0622-FADC-546566A7E103}"/>
+            </a:ext>
+          </a:extLst>
+        </p:cNvPr>
+        <p:cNvGrpSpPr/>
+        <p:nvPr/>
+      </p:nvGrpSpPr>
+      <p:grpSpPr>
+        <a:xfrm>
+          <a:off x="0" y="0"/>
+          <a:ext cx="0" cy="0"/>
+          <a:chOff x="0" y="0"/>
+          <a:chExt cx="0" cy="0"/>
+        </a:xfrm>
+      </p:grpSpPr>
+      <p:sp>
+        <p:nvSpPr>
+          <p:cNvPr id="4" name="Rechteck 3">
+            <a:extLst>
+              <a:ext uri="{FF2B5EF4-FFF2-40B4-BE49-F238E27FC236}">
+                <a16:creationId xmlns:a16="http://schemas.microsoft.com/office/drawing/2014/main" id="{C4E9D9A5-6C7B-BBD1-C618-4073F189B448}"/>
+              </a:ext>
+            </a:extLst>
+          </p:cNvPr>
+          <p:cNvSpPr/>
+          <p:nvPr/>
+        </p:nvSpPr>
+        <p:spPr>
+          <a:xfrm>
+            <a:off x="276073" y="1423870"/>
+            <a:ext cx="4969695" cy="4010259"/>
+          </a:xfrm>
+          <a:prstGeom prst="rect">
+            <a:avLst/>
+          </a:prstGeom>
+          <a:solidFill>
+            <a:schemeClr val="accent1">
+              <a:lumMod val="40000"/>
+              <a:lumOff val="60000"/>
+            </a:schemeClr>
+          </a:solidFill>
+          <a:ln/>
+        </p:spPr>
+        <p:style>
+          <a:lnRef idx="0">
+            <a:schemeClr val="accent5"/>
+          </a:lnRef>
+          <a:fillRef idx="3">
+            <a:schemeClr val="accent5"/>
+          </a:fillRef>
+          <a:effectRef idx="3">
+            <a:schemeClr val="accent5"/>
+          </a:effectRef>
+          <a:fontRef idx="minor">
+            <a:schemeClr val="lt1"/>
+          </a:fontRef>
+        </p:style>
+        <p:txBody>
+          <a:bodyPr rtlCol="0" anchor="t"/>
+          <a:lstStyle/>
+          <a:p>
+            <a:pPr algn="ctr"/>
+            <a:r>
+              <a:rPr lang="de-DE" b="1" dirty="0">
+                <a:effectLst>
+                  <a:outerShdw blurRad="38100" dist="38100" dir="2700000" algn="tl">
+                    <a:srgbClr val="000000">
+                      <a:alpha val="43137"/>
+                    </a:srgbClr>
+                  </a:outerShdw>
+                </a:effectLst>
+              </a:rPr>
+              <a:t>Debian Linux</a:t>
+            </a:r>
+          </a:p>
+        </p:txBody>
+      </p:sp>
+      <p:sp>
+        <p:nvSpPr>
+          <p:cNvPr id="5" name="Rechteck 4">
+            <a:extLst>
+              <a:ext uri="{FF2B5EF4-FFF2-40B4-BE49-F238E27FC236}">
+                <a16:creationId xmlns:a16="http://schemas.microsoft.com/office/drawing/2014/main" id="{A1D20AE1-3087-EA60-7EE0-20BD91B7EE23}"/>
+              </a:ext>
+            </a:extLst>
+          </p:cNvPr>
+          <p:cNvSpPr/>
+          <p:nvPr/>
+        </p:nvSpPr>
+        <p:spPr>
+          <a:xfrm>
+            <a:off x="276073" y="939071"/>
+            <a:ext cx="4969695" cy="465290"/>
+          </a:xfrm>
+          <a:prstGeom prst="rect">
+            <a:avLst/>
+          </a:prstGeom>
+          <a:ln/>
+        </p:spPr>
+        <p:style>
+          <a:lnRef idx="0">
+            <a:schemeClr val="accent6"/>
+          </a:lnRef>
+          <a:fillRef idx="3">
+            <a:schemeClr val="accent6"/>
+          </a:fillRef>
+          <a:effectRef idx="3">
+            <a:schemeClr val="accent6"/>
+          </a:effectRef>
+          <a:fontRef idx="minor">
+            <a:schemeClr val="lt1"/>
+          </a:fontRef>
+        </p:style>
+        <p:txBody>
+          <a:bodyPr rtlCol="0" anchor="t"/>
+          <a:lstStyle/>
+          <a:p>
+            <a:pPr algn="ctr"/>
+            <a:r>
+              <a:rPr lang="de-DE" b="1" dirty="0">
+                <a:effectLst>
+                  <a:outerShdw blurRad="38100" dist="38100" dir="2700000" algn="tl">
+                    <a:srgbClr val="000000">
+                      <a:alpha val="43137"/>
+                    </a:srgbClr>
+                  </a:outerShdw>
+                </a:effectLst>
+              </a:rPr>
+              <a:t>MPU – QRB2210</a:t>
+            </a:r>
+          </a:p>
+        </p:txBody>
+      </p:sp>
+      <p:sp>
+        <p:nvSpPr>
+          <p:cNvPr id="6" name="Rechteck 5">
+            <a:extLst>
+              <a:ext uri="{FF2B5EF4-FFF2-40B4-BE49-F238E27FC236}">
+                <a16:creationId xmlns:a16="http://schemas.microsoft.com/office/drawing/2014/main" id="{B84550C6-A302-F314-CD3C-98F8278B6878}"/>
+              </a:ext>
+            </a:extLst>
+          </p:cNvPr>
+          <p:cNvSpPr/>
+          <p:nvPr/>
+        </p:nvSpPr>
+        <p:spPr>
+          <a:xfrm>
+            <a:off x="388219" y="1937337"/>
+            <a:ext cx="4597668" cy="3306664"/>
+          </a:xfrm>
+          <a:prstGeom prst="rect">
+            <a:avLst/>
+          </a:prstGeom>
+          <a:ln/>
+        </p:spPr>
+        <p:style>
+          <a:lnRef idx="0">
+            <a:schemeClr val="accent4"/>
+          </a:lnRef>
+          <a:fillRef idx="3">
+            <a:schemeClr val="accent4"/>
+          </a:fillRef>
+          <a:effectRef idx="3">
+            <a:schemeClr val="accent4"/>
+          </a:effectRef>
+          <a:fontRef idx="minor">
+            <a:schemeClr val="lt1"/>
+          </a:fontRef>
+        </p:style>
+        <p:txBody>
+          <a:bodyPr rtlCol="0" anchor="b"/>
+          <a:lstStyle/>
+          <a:p>
+            <a:pPr algn="ctr"/>
+            <a:r>
+              <a:rPr lang="de-DE" sz="1600" b="1" dirty="0">
+                <a:effectLst>
+                  <a:outerShdw blurRad="38100" dist="38100" dir="2700000" algn="tl">
+                    <a:srgbClr val="000000">
+                      <a:alpha val="43137"/>
+                    </a:srgbClr>
+                  </a:outerShdw>
+                </a:effectLst>
+              </a:rPr>
+              <a:t>Docker-Container</a:t>
+            </a:r>
+          </a:p>
+        </p:txBody>
+      </p:sp>
+      <p:sp>
+        <p:nvSpPr>
+          <p:cNvPr id="7" name="Rechteck 6">
+            <a:extLst>
+              <a:ext uri="{FF2B5EF4-FFF2-40B4-BE49-F238E27FC236}">
+                <a16:creationId xmlns:a16="http://schemas.microsoft.com/office/drawing/2014/main" id="{638C51F7-B880-6AA1-8D08-94F50B987BE7}"/>
+              </a:ext>
+            </a:extLst>
+          </p:cNvPr>
+          <p:cNvSpPr/>
+          <p:nvPr/>
+        </p:nvSpPr>
+        <p:spPr>
+          <a:xfrm>
+            <a:off x="548640" y="2026879"/>
+            <a:ext cx="4288333" cy="2851362"/>
+          </a:xfrm>
+          <a:prstGeom prst="rect">
+            <a:avLst/>
+          </a:prstGeom>
+        </p:spPr>
+        <p:style>
+          <a:lnRef idx="0">
+            <a:schemeClr val="accent1"/>
+          </a:lnRef>
+          <a:fillRef idx="3">
+            <a:schemeClr val="accent1"/>
+          </a:fillRef>
+          <a:effectRef idx="3">
+            <a:schemeClr val="accent1"/>
+          </a:effectRef>
+          <a:fontRef idx="minor">
+            <a:schemeClr val="lt1"/>
+          </a:fontRef>
+        </p:style>
+        <p:txBody>
+          <a:bodyPr rtlCol="0" anchor="b"/>
+          <a:lstStyle/>
+          <a:p>
+            <a:pPr algn="ctr"/>
+            <a:r>
+              <a:rPr lang="de-DE" sz="1600" b="1" dirty="0">
+                <a:effectLst>
+                  <a:outerShdw blurRad="38100" dist="38100" dir="2700000" algn="tl">
+                    <a:srgbClr val="000000">
+                      <a:alpha val="43137"/>
+                    </a:srgbClr>
+                  </a:outerShdw>
+                </a:effectLst>
+              </a:rPr>
+              <a:t>Python</a:t>
+            </a:r>
+          </a:p>
+        </p:txBody>
+      </p:sp>
+      <p:sp>
+        <p:nvSpPr>
+          <p:cNvPr id="22" name="Nach oben gebogener Pfeil 21">
+            <a:extLst>
+              <a:ext uri="{FF2B5EF4-FFF2-40B4-BE49-F238E27FC236}">
+                <a16:creationId xmlns:a16="http://schemas.microsoft.com/office/drawing/2014/main" id="{422192B1-19EC-26E8-DC67-ED40E2BC4B24}"/>
+              </a:ext>
+            </a:extLst>
+          </p:cNvPr>
+          <p:cNvSpPr/>
+          <p:nvPr/>
+        </p:nvSpPr>
+        <p:spPr>
+          <a:xfrm rot="5400000">
+            <a:off x="795577" y="5035932"/>
+            <a:ext cx="1621056" cy="534436"/>
+          </a:xfrm>
+          <a:prstGeom prst="bentUpArrow">
+            <a:avLst>
+              <a:gd name="adj1" fmla="val 10283"/>
+              <a:gd name="adj2" fmla="val 16209"/>
+              <a:gd name="adj3" fmla="val 27437"/>
+            </a:avLst>
+          </a:prstGeom>
+          <a:solidFill>
+            <a:schemeClr val="accent6"/>
+          </a:solidFill>
+        </p:spPr>
+        <p:style>
+          <a:lnRef idx="2">
+            <a:schemeClr val="accent1">
+              <a:shade val="15000"/>
+            </a:schemeClr>
+          </a:lnRef>
+          <a:fillRef idx="1">
+            <a:schemeClr val="accent1"/>
+          </a:fillRef>
+          <a:effectRef idx="0">
+            <a:schemeClr val="accent1"/>
+          </a:effectRef>
+          <a:fontRef idx="minor">
+            <a:schemeClr val="lt1"/>
+          </a:fontRef>
+        </p:style>
+        <p:txBody>
+          <a:bodyPr rtlCol="0" anchor="ctr"/>
+          <a:lstStyle/>
+          <a:p>
+            <a:pPr algn="ctr"/>
+            <a:endParaRPr lang="de-DE"/>
+          </a:p>
+        </p:txBody>
+      </p:sp>
+      <p:sp>
+        <p:nvSpPr>
+          <p:cNvPr id="21" name="Rechteck 20">
+            <a:extLst>
+              <a:ext uri="{FF2B5EF4-FFF2-40B4-BE49-F238E27FC236}">
+                <a16:creationId xmlns:a16="http://schemas.microsoft.com/office/drawing/2014/main" id="{67C3A7A4-402E-4F51-0EAF-49FCC64D0F2E}"/>
+              </a:ext>
+            </a:extLst>
+          </p:cNvPr>
+          <p:cNvSpPr/>
+          <p:nvPr/>
+        </p:nvSpPr>
+        <p:spPr>
+          <a:xfrm>
+            <a:off x="760715" y="2117586"/>
+            <a:ext cx="3938235" cy="2394894"/>
+          </a:xfrm>
+          <a:prstGeom prst="rect">
+            <a:avLst/>
+          </a:prstGeom>
+        </p:spPr>
+        <p:style>
+          <a:lnRef idx="0">
+            <a:schemeClr val="accent3"/>
+          </a:lnRef>
+          <a:fillRef idx="3">
+            <a:schemeClr val="accent3"/>
+          </a:fillRef>
+          <a:effectRef idx="3">
+            <a:schemeClr val="accent3"/>
+          </a:effectRef>
+          <a:fontRef idx="minor">
+            <a:schemeClr val="lt1"/>
+          </a:fontRef>
+        </p:style>
+        <p:txBody>
+          <a:bodyPr rtlCol="0" anchor="t"/>
+          <a:lstStyle/>
+          <a:p>
+            <a:pPr algn="ctr"/>
+            <a:r>
+              <a:rPr lang="de-DE" sz="1200" b="1" dirty="0" err="1">
+                <a:effectLst>
+                  <a:outerShdw blurRad="38100" dist="38100" dir="2700000" algn="tl">
+                    <a:srgbClr val="000000">
+                      <a:alpha val="43137"/>
+                    </a:srgbClr>
+                  </a:outerShdw>
+                </a:effectLst>
+              </a:rPr>
+              <a:t>main.py</a:t>
+            </a:r>
+            <a:endParaRPr lang="de-DE" sz="1200" b="1" dirty="0">
+              <a:effectLst>
+                <a:outerShdw blurRad="38100" dist="38100" dir="2700000" algn="tl">
+                  <a:srgbClr val="000000">
+                    <a:alpha val="43137"/>
+                  </a:srgbClr>
+                </a:outerShdw>
+              </a:effectLst>
+            </a:endParaRPr>
+          </a:p>
+          <a:p>
+            <a:pPr algn="ctr"/>
+            <a:endParaRPr lang="de-DE" sz="1200" b="1" dirty="0">
+              <a:effectLst>
+                <a:outerShdw blurRad="38100" dist="38100" dir="2700000" algn="tl">
+                  <a:srgbClr val="000000">
+                    <a:alpha val="43137"/>
+                  </a:srgbClr>
+                </a:outerShdw>
+              </a:effectLst>
+            </a:endParaRPr>
+          </a:p>
+          <a:p>
+            <a:r>
+              <a:rPr lang="de-DE" sz="1200" b="1" dirty="0">
+                <a:effectLst>
+                  <a:outerShdw blurRad="38100" dist="38100" dir="2700000" algn="tl">
+                    <a:srgbClr val="000000">
+                      <a:alpha val="43137"/>
+                    </a:srgbClr>
+                  </a:outerShdw>
+                </a:effectLst>
+              </a:rPr>
+              <a:t>Class </a:t>
+            </a:r>
+            <a:r>
+              <a:rPr lang="de-DE" sz="1200" b="1" dirty="0" err="1">
+                <a:effectLst>
+                  <a:outerShdw blurRad="38100" dist="38100" dir="2700000" algn="tl">
+                    <a:srgbClr val="000000">
+                      <a:alpha val="43137"/>
+                    </a:srgbClr>
+                  </a:outerShdw>
+                </a:effectLst>
+              </a:rPr>
+              <a:t>ECGWebServer</a:t>
+            </a:r>
+            <a:r>
+              <a:rPr lang="de-DE" sz="1200" b="1" dirty="0">
+                <a:effectLst>
+                  <a:outerShdw blurRad="38100" dist="38100" dir="2700000" algn="tl">
+                    <a:srgbClr val="000000">
+                      <a:alpha val="43137"/>
+                    </a:srgbClr>
+                  </a:outerShdw>
+                </a:effectLst>
+              </a:rPr>
+              <a:t>:</a:t>
+            </a:r>
+          </a:p>
+          <a:p>
+            <a:pPr marL="171450" indent="-171450">
+              <a:buFont typeface="Arial" panose="020B0604020202020204" pitchFamily="34" charset="0"/>
+              <a:buChar char="•"/>
+            </a:pPr>
+            <a:r>
+              <a:rPr lang="de-DE" sz="1200" dirty="0" err="1">
+                <a:effectLst>
+                  <a:outerShdw blurRad="38100" dist="38100" dir="2700000" algn="tl">
+                    <a:srgbClr val="000000">
+                      <a:alpha val="43137"/>
+                    </a:srgbClr>
+                  </a:outerShdw>
+                </a:effectLst>
+              </a:rPr>
+              <a:t>Creates</a:t>
+            </a:r>
+            <a:r>
+              <a:rPr lang="de-DE" sz="1200" dirty="0">
+                <a:effectLst>
+                  <a:outerShdw blurRad="38100" dist="38100" dir="2700000" algn="tl">
+                    <a:srgbClr val="000000">
+                      <a:alpha val="43137"/>
+                    </a:srgbClr>
+                  </a:outerShdw>
+                </a:effectLst>
+              </a:rPr>
+              <a:t> </a:t>
+            </a:r>
+            <a:r>
+              <a:rPr lang="de-DE" sz="1200" dirty="0" err="1">
+                <a:effectLst>
+                  <a:outerShdw blurRad="38100" dist="38100" dir="2700000" algn="tl">
+                    <a:srgbClr val="000000">
+                      <a:alpha val="43137"/>
+                    </a:srgbClr>
+                  </a:outerShdw>
+                </a:effectLst>
+              </a:rPr>
+              <a:t>DataStream</a:t>
+            </a:r>
+            <a:r>
+              <a:rPr lang="de-DE" sz="1200" dirty="0">
+                <a:effectLst>
+                  <a:outerShdw blurRad="38100" dist="38100" dir="2700000" algn="tl">
+                    <a:srgbClr val="000000">
+                      <a:alpha val="43137"/>
+                    </a:srgbClr>
+                  </a:outerShdw>
+                </a:effectLst>
+              </a:rPr>
+              <a:t> &gt;&gt; ring-</a:t>
+            </a:r>
+            <a:r>
+              <a:rPr lang="de-DE" sz="1200" dirty="0" err="1">
+                <a:effectLst>
+                  <a:outerShdw blurRad="38100" dist="38100" dir="2700000" algn="tl">
+                    <a:srgbClr val="000000">
+                      <a:alpha val="43137"/>
+                    </a:srgbClr>
+                  </a:outerShdw>
+                </a:effectLst>
+              </a:rPr>
+              <a:t>buffer</a:t>
+            </a:r>
+            <a:endParaRPr lang="de-DE" sz="1200" dirty="0">
+              <a:effectLst>
+                <a:outerShdw blurRad="38100" dist="38100" dir="2700000" algn="tl">
+                  <a:srgbClr val="000000">
+                    <a:alpha val="43137"/>
+                  </a:srgbClr>
+                </a:outerShdw>
+              </a:effectLst>
+            </a:endParaRPr>
+          </a:p>
+          <a:p>
+            <a:pPr marL="171450" indent="-171450">
+              <a:buFont typeface="Arial" panose="020B0604020202020204" pitchFamily="34" charset="0"/>
+              <a:buChar char="•"/>
+            </a:pPr>
+            <a:r>
+              <a:rPr lang="de-DE" sz="1200" dirty="0">
+                <a:effectLst>
+                  <a:outerShdw blurRad="38100" dist="38100" dir="2700000" algn="tl">
+                    <a:srgbClr val="000000">
+                      <a:alpha val="43137"/>
+                    </a:srgbClr>
+                  </a:outerShdw>
+                </a:effectLst>
+              </a:rPr>
+              <a:t>Polls RPC-Bridge in </a:t>
+            </a:r>
+            <a:r>
+              <a:rPr lang="de-DE" sz="1200" dirty="0" err="1">
+                <a:effectLst>
+                  <a:outerShdw blurRad="38100" dist="38100" dir="2700000" algn="tl">
+                    <a:srgbClr val="000000">
+                      <a:alpha val="43137"/>
+                    </a:srgbClr>
+                  </a:outerShdw>
+                </a:effectLst>
+              </a:rPr>
+              <a:t>seperate</a:t>
+            </a:r>
+            <a:r>
+              <a:rPr lang="de-DE" sz="1200" dirty="0">
+                <a:effectLst>
+                  <a:outerShdw blurRad="38100" dist="38100" dir="2700000" algn="tl">
+                    <a:srgbClr val="000000">
+                      <a:alpha val="43137"/>
+                    </a:srgbClr>
+                  </a:outerShdw>
+                </a:effectLst>
+              </a:rPr>
+              <a:t> Thread</a:t>
+            </a:r>
+          </a:p>
+          <a:p>
+            <a:pPr marL="628650" lvl="1" indent="-171450">
+              <a:buFont typeface="Arial" panose="020B0604020202020204" pitchFamily="34" charset="0"/>
+              <a:buChar char="•"/>
+            </a:pPr>
+            <a:r>
+              <a:rPr lang="de-DE" sz="1200" dirty="0" err="1">
+                <a:effectLst>
+                  <a:outerShdw blurRad="38100" dist="38100" dir="2700000" algn="tl">
+                    <a:srgbClr val="000000">
+                      <a:alpha val="43137"/>
+                    </a:srgbClr>
+                  </a:outerShdw>
+                </a:effectLst>
+              </a:rPr>
+              <a:t>calls</a:t>
+            </a:r>
+            <a:r>
+              <a:rPr lang="de-DE" sz="1200" dirty="0">
+                <a:effectLst>
+                  <a:outerShdw blurRad="38100" dist="38100" dir="2700000" algn="tl">
+                    <a:srgbClr val="000000">
+                      <a:alpha val="43137"/>
+                    </a:srgbClr>
+                  </a:outerShdw>
+                </a:effectLst>
+              </a:rPr>
+              <a:t> </a:t>
+            </a:r>
+            <a:r>
+              <a:rPr lang="de-DE" sz="1200" dirty="0" err="1">
+                <a:effectLst>
+                  <a:outerShdw blurRad="38100" dist="38100" dir="2700000" algn="tl">
+                    <a:srgbClr val="000000">
+                      <a:alpha val="43137"/>
+                    </a:srgbClr>
+                  </a:outerShdw>
+                </a:effectLst>
+              </a:rPr>
+              <a:t>request_frame</a:t>
+            </a:r>
+            <a:r>
+              <a:rPr lang="de-DE" sz="1200" dirty="0">
+                <a:effectLst>
+                  <a:outerShdw blurRad="38100" dist="38100" dir="2700000" algn="tl">
+                    <a:srgbClr val="000000">
+                      <a:alpha val="43137"/>
+                    </a:srgbClr>
+                  </a:outerShdw>
+                </a:effectLst>
+              </a:rPr>
+              <a:t> (</a:t>
+            </a:r>
+            <a:r>
+              <a:rPr lang="de-DE" sz="1200" dirty="0" err="1">
+                <a:effectLst>
+                  <a:outerShdw blurRad="38100" dist="38100" dir="2700000" algn="tl">
+                    <a:srgbClr val="000000">
+                      <a:alpha val="43137"/>
+                    </a:srgbClr>
+                  </a:outerShdw>
+                </a:effectLst>
+              </a:rPr>
+              <a:t>arduino_q_bridge_rpc.py</a:t>
+            </a:r>
+            <a:r>
+              <a:rPr lang="de-DE" sz="1200" dirty="0">
+                <a:effectLst>
+                  <a:outerShdw blurRad="38100" dist="38100" dir="2700000" algn="tl">
+                    <a:srgbClr val="000000">
+                      <a:alpha val="43137"/>
+                    </a:srgbClr>
+                  </a:outerShdw>
+                </a:effectLst>
+              </a:rPr>
+              <a:t>)</a:t>
+            </a:r>
+          </a:p>
+          <a:p>
+            <a:pPr marL="628650" lvl="1" indent="-171450">
+              <a:buFont typeface="Arial" panose="020B0604020202020204" pitchFamily="34" charset="0"/>
+              <a:buChar char="•"/>
+            </a:pPr>
+            <a:r>
+              <a:rPr lang="de-DE" sz="1200" dirty="0" err="1">
+                <a:effectLst>
+                  <a:outerShdw blurRad="38100" dist="38100" dir="2700000" algn="tl">
+                    <a:srgbClr val="000000">
+                      <a:alpha val="43137"/>
+                    </a:srgbClr>
+                  </a:outerShdw>
+                </a:effectLst>
+              </a:rPr>
+              <a:t>filter</a:t>
+            </a:r>
+            <a:r>
+              <a:rPr lang="de-DE" sz="1200" dirty="0">
+                <a:effectLst>
+                  <a:outerShdw blurRad="38100" dist="38100" dir="2700000" algn="tl">
+                    <a:srgbClr val="000000">
+                      <a:alpha val="43137"/>
+                    </a:srgbClr>
+                  </a:outerShdw>
+                </a:effectLst>
+              </a:rPr>
+              <a:t> </a:t>
+            </a:r>
+            <a:r>
+              <a:rPr lang="de-DE" sz="1200" dirty="0" err="1">
+                <a:effectLst>
+                  <a:outerShdw blurRad="38100" dist="38100" dir="2700000" algn="tl">
+                    <a:srgbClr val="000000">
+                      <a:alpha val="43137"/>
+                    </a:srgbClr>
+                  </a:outerShdw>
+                </a:effectLst>
+              </a:rPr>
+              <a:t>incoming</a:t>
+            </a:r>
+            <a:r>
+              <a:rPr lang="de-DE" sz="1200" dirty="0">
+                <a:effectLst>
+                  <a:outerShdw blurRad="38100" dist="38100" dir="2700000" algn="tl">
+                    <a:srgbClr val="000000">
+                      <a:alpha val="43137"/>
+                    </a:srgbClr>
+                  </a:outerShdw>
+                </a:effectLst>
+              </a:rPr>
+              <a:t> </a:t>
+            </a:r>
+            <a:r>
+              <a:rPr lang="de-DE" sz="1200" dirty="0" err="1">
+                <a:effectLst>
+                  <a:outerShdw blurRad="38100" dist="38100" dir="2700000" algn="tl">
+                    <a:srgbClr val="000000">
+                      <a:alpha val="43137"/>
+                    </a:srgbClr>
+                  </a:outerShdw>
+                </a:effectLst>
+              </a:rPr>
+              <a:t>data</a:t>
+            </a:r>
+            <a:r>
+              <a:rPr lang="de-DE" sz="1200" dirty="0">
+                <a:effectLst>
+                  <a:outerShdw blurRad="38100" dist="38100" dir="2700000" algn="tl">
+                    <a:srgbClr val="000000">
+                      <a:alpha val="43137"/>
+                    </a:srgbClr>
+                  </a:outerShdw>
+                </a:effectLst>
+              </a:rPr>
+              <a:t> (</a:t>
+            </a:r>
+            <a:r>
+              <a:rPr lang="de-DE" sz="1200" dirty="0" err="1">
+                <a:effectLst>
+                  <a:outerShdw blurRad="38100" dist="38100" dir="2700000" algn="tl">
+                    <a:srgbClr val="000000">
+                      <a:alpha val="43137"/>
+                    </a:srgbClr>
+                  </a:outerShdw>
+                </a:effectLst>
+              </a:rPr>
+              <a:t>data_stream.py</a:t>
+            </a:r>
+            <a:r>
+              <a:rPr lang="de-DE" sz="1200" dirty="0">
+                <a:effectLst>
+                  <a:outerShdw blurRad="38100" dist="38100" dir="2700000" algn="tl">
+                    <a:srgbClr val="000000">
+                      <a:alpha val="43137"/>
+                    </a:srgbClr>
+                  </a:outerShdw>
+                </a:effectLst>
+              </a:rPr>
+              <a:t>)</a:t>
+            </a:r>
+          </a:p>
+          <a:p>
+            <a:pPr marL="628650" lvl="1" indent="-171450">
+              <a:buFont typeface="Arial" panose="020B0604020202020204" pitchFamily="34" charset="0"/>
+              <a:buChar char="•"/>
+            </a:pPr>
+            <a:r>
+              <a:rPr lang="de-DE" sz="1200" dirty="0">
+                <a:effectLst>
+                  <a:outerShdw blurRad="38100" dist="38100" dir="2700000" algn="tl">
+                    <a:srgbClr val="000000">
+                      <a:alpha val="43137"/>
+                    </a:srgbClr>
+                  </a:outerShdw>
+                </a:effectLst>
+              </a:rPr>
+              <a:t>Store </a:t>
+            </a:r>
+            <a:r>
+              <a:rPr lang="de-DE" sz="1200" dirty="0" err="1">
+                <a:effectLst>
+                  <a:outerShdw blurRad="38100" dist="38100" dir="2700000" algn="tl">
+                    <a:srgbClr val="000000">
+                      <a:alpha val="43137"/>
+                    </a:srgbClr>
+                  </a:outerShdw>
+                </a:effectLst>
+              </a:rPr>
+              <a:t>data</a:t>
+            </a:r>
+            <a:r>
+              <a:rPr lang="de-DE" sz="1200" dirty="0">
+                <a:effectLst>
+                  <a:outerShdw blurRad="38100" dist="38100" dir="2700000" algn="tl">
+                    <a:srgbClr val="000000">
+                      <a:alpha val="43137"/>
+                    </a:srgbClr>
+                  </a:outerShdw>
+                </a:effectLst>
+              </a:rPr>
+              <a:t> in ring-</a:t>
+            </a:r>
+            <a:r>
+              <a:rPr lang="de-DE" sz="1200" dirty="0" err="1">
+                <a:effectLst>
+                  <a:outerShdw blurRad="38100" dist="38100" dir="2700000" algn="tl">
+                    <a:srgbClr val="000000">
+                      <a:alpha val="43137"/>
+                    </a:srgbClr>
+                  </a:outerShdw>
+                </a:effectLst>
+              </a:rPr>
+              <a:t>buffer</a:t>
+            </a:r>
+            <a:r>
+              <a:rPr lang="de-DE" sz="1200" dirty="0">
+                <a:effectLst>
+                  <a:outerShdw blurRad="38100" dist="38100" dir="2700000" algn="tl">
+                    <a:srgbClr val="000000">
+                      <a:alpha val="43137"/>
+                    </a:srgbClr>
+                  </a:outerShdw>
+                </a:effectLst>
+              </a:rPr>
+              <a:t> (</a:t>
+            </a:r>
+            <a:r>
+              <a:rPr lang="de-DE" sz="1200" dirty="0" err="1">
+                <a:effectLst>
+                  <a:outerShdw blurRad="38100" dist="38100" dir="2700000" algn="tl">
+                    <a:srgbClr val="000000">
+                      <a:alpha val="43137"/>
+                    </a:srgbClr>
+                  </a:outerShdw>
+                </a:effectLst>
+              </a:rPr>
+              <a:t>data_stream.py</a:t>
+            </a:r>
+            <a:r>
+              <a:rPr lang="de-DE" sz="1200" dirty="0">
+                <a:effectLst>
+                  <a:outerShdw blurRad="38100" dist="38100" dir="2700000" algn="tl">
+                    <a:srgbClr val="000000">
+                      <a:alpha val="43137"/>
+                    </a:srgbClr>
+                  </a:outerShdw>
+                </a:effectLst>
+              </a:rPr>
+              <a:t>)</a:t>
+            </a:r>
+          </a:p>
+          <a:p>
+            <a:pPr marL="628650" lvl="1" indent="-171450">
+              <a:buFont typeface="Arial" panose="020B0604020202020204" pitchFamily="34" charset="0"/>
+              <a:buChar char="•"/>
+            </a:pPr>
+            <a:r>
+              <a:rPr lang="de-DE" sz="1200" dirty="0">
+                <a:effectLst>
+                  <a:outerShdw blurRad="38100" dist="38100" dir="2700000" algn="tl">
+                    <a:srgbClr val="000000">
+                      <a:alpha val="43137"/>
+                    </a:srgbClr>
+                  </a:outerShdw>
+                </a:effectLst>
+              </a:rPr>
+              <a:t>Sends </a:t>
+            </a:r>
+            <a:r>
+              <a:rPr lang="de-DE" sz="1200" dirty="0" err="1">
+                <a:effectLst>
+                  <a:outerShdw blurRad="38100" dist="38100" dir="2700000" algn="tl">
+                    <a:srgbClr val="000000">
+                      <a:alpha val="43137"/>
+                    </a:srgbClr>
+                  </a:outerShdw>
+                </a:effectLst>
+              </a:rPr>
+              <a:t>data</a:t>
+            </a:r>
+            <a:r>
+              <a:rPr lang="de-DE" sz="1200" dirty="0">
+                <a:effectLst>
+                  <a:outerShdw blurRad="38100" dist="38100" dir="2700000" algn="tl">
+                    <a:srgbClr val="000000">
+                      <a:alpha val="43137"/>
+                    </a:srgbClr>
+                  </a:outerShdw>
+                </a:effectLst>
+              </a:rPr>
+              <a:t> </a:t>
+            </a:r>
+            <a:r>
+              <a:rPr lang="de-DE" sz="1200" dirty="0" err="1">
+                <a:effectLst>
+                  <a:outerShdw blurRad="38100" dist="38100" dir="2700000" algn="tl">
+                    <a:srgbClr val="000000">
+                      <a:alpha val="43137"/>
+                    </a:srgbClr>
+                  </a:outerShdw>
+                </a:effectLst>
+              </a:rPr>
+              <a:t>to</a:t>
+            </a:r>
+            <a:r>
+              <a:rPr lang="de-DE" sz="1200" dirty="0">
+                <a:effectLst>
+                  <a:outerShdw blurRad="38100" dist="38100" dir="2700000" algn="tl">
+                    <a:srgbClr val="000000">
+                      <a:alpha val="43137"/>
+                    </a:srgbClr>
+                  </a:outerShdw>
+                </a:effectLst>
+              </a:rPr>
+              <a:t> web-browser</a:t>
+            </a:r>
+          </a:p>
+          <a:p>
+            <a:pPr marL="1085850" lvl="2" indent="-171450">
+              <a:buFont typeface="Arial" panose="020B0604020202020204" pitchFamily="34" charset="0"/>
+              <a:buChar char="•"/>
+            </a:pPr>
+            <a:r>
+              <a:rPr lang="de-DE" sz="1200" dirty="0" err="1">
+                <a:effectLst>
+                  <a:outerShdw blurRad="38100" dist="38100" dir="2700000" algn="tl">
+                    <a:srgbClr val="000000">
+                      <a:alpha val="43137"/>
+                    </a:srgbClr>
+                  </a:outerShdw>
+                </a:effectLst>
+              </a:rPr>
+              <a:t>ecg_frame</a:t>
+            </a:r>
+            <a:endParaRPr lang="de-DE" sz="1200" dirty="0">
+              <a:effectLst>
+                <a:outerShdw blurRad="38100" dist="38100" dir="2700000" algn="tl">
+                  <a:srgbClr val="000000">
+                    <a:alpha val="43137"/>
+                  </a:srgbClr>
+                </a:outerShdw>
+              </a:effectLst>
+            </a:endParaRPr>
+          </a:p>
+          <a:p>
+            <a:pPr marL="1085850" lvl="2" indent="-171450">
+              <a:buFont typeface="Arial" panose="020B0604020202020204" pitchFamily="34" charset="0"/>
+              <a:buChar char="•"/>
+            </a:pPr>
+            <a:r>
+              <a:rPr lang="de-DE" sz="1200" dirty="0" err="1">
+                <a:effectLst>
+                  <a:outerShdw blurRad="38100" dist="38100" dir="2700000" algn="tl">
+                    <a:srgbClr val="000000">
+                      <a:alpha val="43137"/>
+                    </a:srgbClr>
+                  </a:outerShdw>
+                </a:effectLst>
+              </a:rPr>
+              <a:t>ecg_delta</a:t>
+            </a:r>
+            <a:endParaRPr lang="de-DE" sz="1200" dirty="0">
+              <a:effectLst>
+                <a:outerShdw blurRad="38100" dist="38100" dir="2700000" algn="tl">
+                  <a:srgbClr val="000000">
+                    <a:alpha val="43137"/>
+                  </a:srgbClr>
+                </a:outerShdw>
+              </a:effectLst>
+            </a:endParaRPr>
+          </a:p>
+          <a:p>
+            <a:pPr marL="1085850" lvl="2" indent="-171450">
+              <a:buFont typeface="Arial" panose="020B0604020202020204" pitchFamily="34" charset="0"/>
+              <a:buChar char="•"/>
+            </a:pPr>
+            <a:r>
+              <a:rPr lang="de-DE" sz="1200" dirty="0" err="1">
+                <a:effectLst>
+                  <a:outerShdw blurRad="38100" dist="38100" dir="2700000" algn="tl">
+                    <a:srgbClr val="000000">
+                      <a:alpha val="43137"/>
+                    </a:srgbClr>
+                  </a:outerShdw>
+                </a:effectLst>
+              </a:rPr>
+              <a:t>ecg_meta</a:t>
+            </a:r>
+            <a:endParaRPr lang="de-DE" sz="1200" dirty="0">
+              <a:effectLst>
+                <a:outerShdw blurRad="38100" dist="38100" dir="2700000" algn="tl">
+                  <a:srgbClr val="000000">
+                    <a:alpha val="43137"/>
+                  </a:srgbClr>
+                </a:outerShdw>
+              </a:effectLst>
+            </a:endParaRPr>
+          </a:p>
+          <a:p>
+            <a:pPr algn="ctr"/>
+            <a:endParaRPr lang="de-DE" sz="1200" dirty="0">
+              <a:effectLst>
+                <a:outerShdw blurRad="38100" dist="38100" dir="2700000" algn="tl">
+                  <a:srgbClr val="000000">
+                    <a:alpha val="43137"/>
+                  </a:srgbClr>
+                </a:outerShdw>
+              </a:effectLst>
+            </a:endParaRPr>
+          </a:p>
+        </p:txBody>
+      </p:sp>
+      <p:sp>
+        <p:nvSpPr>
+          <p:cNvPr id="2" name="Rechteck 1">
+            <a:extLst>
+              <a:ext uri="{FF2B5EF4-FFF2-40B4-BE49-F238E27FC236}">
+                <a16:creationId xmlns:a16="http://schemas.microsoft.com/office/drawing/2014/main" id="{C3764567-CE87-B4E5-FC87-C27288980A99}"/>
+              </a:ext>
+            </a:extLst>
+          </p:cNvPr>
+          <p:cNvSpPr/>
+          <p:nvPr/>
+        </p:nvSpPr>
+        <p:spPr>
+          <a:xfrm>
+            <a:off x="5441101" y="1424025"/>
+            <a:ext cx="4969695" cy="4010259"/>
+          </a:xfrm>
+          <a:prstGeom prst="rect">
+            <a:avLst/>
+          </a:prstGeom>
+          <a:solidFill>
+            <a:schemeClr val="accent1">
+              <a:lumMod val="40000"/>
+              <a:lumOff val="60000"/>
+            </a:schemeClr>
+          </a:solidFill>
+          <a:ln/>
+        </p:spPr>
+        <p:style>
+          <a:lnRef idx="0">
+            <a:schemeClr val="accent5"/>
+          </a:lnRef>
+          <a:fillRef idx="3">
+            <a:schemeClr val="accent5"/>
+          </a:fillRef>
+          <a:effectRef idx="3">
+            <a:schemeClr val="accent5"/>
+          </a:effectRef>
+          <a:fontRef idx="minor">
+            <a:schemeClr val="lt1"/>
+          </a:fontRef>
+        </p:style>
+        <p:txBody>
+          <a:bodyPr rtlCol="0" anchor="t"/>
+          <a:lstStyle/>
+          <a:p>
+            <a:pPr algn="ctr"/>
+            <a:endParaRPr lang="de-DE" b="1" dirty="0">
+              <a:effectLst>
+                <a:outerShdw blurRad="38100" dist="38100" dir="2700000" algn="tl">
+                  <a:srgbClr val="000000">
+                    <a:alpha val="43137"/>
+                  </a:srgbClr>
+                </a:outerShdw>
+              </a:effectLst>
+            </a:endParaRPr>
+          </a:p>
+        </p:txBody>
+      </p:sp>
+      <p:sp>
+        <p:nvSpPr>
+          <p:cNvPr id="3" name="Rechteck 2">
+            <a:extLst>
+              <a:ext uri="{FF2B5EF4-FFF2-40B4-BE49-F238E27FC236}">
+                <a16:creationId xmlns:a16="http://schemas.microsoft.com/office/drawing/2014/main" id="{297D46F3-303E-4852-5197-4C67FDE066AF}"/>
+              </a:ext>
+            </a:extLst>
+          </p:cNvPr>
+          <p:cNvSpPr/>
+          <p:nvPr/>
+        </p:nvSpPr>
+        <p:spPr>
+          <a:xfrm>
+            <a:off x="5441101" y="939226"/>
+            <a:ext cx="4969695" cy="465290"/>
+          </a:xfrm>
+          <a:prstGeom prst="rect">
+            <a:avLst/>
+          </a:prstGeom>
+          <a:ln/>
+        </p:spPr>
+        <p:style>
+          <a:lnRef idx="0">
+            <a:schemeClr val="accent6"/>
+          </a:lnRef>
+          <a:fillRef idx="3">
+            <a:schemeClr val="accent6"/>
+          </a:fillRef>
+          <a:effectRef idx="3">
+            <a:schemeClr val="accent6"/>
+          </a:effectRef>
+          <a:fontRef idx="minor">
+            <a:schemeClr val="lt1"/>
+          </a:fontRef>
+        </p:style>
+        <p:txBody>
+          <a:bodyPr rtlCol="0" anchor="t"/>
+          <a:lstStyle/>
+          <a:p>
+            <a:pPr algn="ctr"/>
+            <a:r>
+              <a:rPr lang="de-DE" b="1" dirty="0">
+                <a:effectLst>
+                  <a:outerShdw blurRad="38100" dist="38100" dir="2700000" algn="tl">
+                    <a:srgbClr val="000000">
+                      <a:alpha val="43137"/>
+                    </a:srgbClr>
+                  </a:outerShdw>
+                </a:effectLst>
+              </a:rPr>
+              <a:t>Webbrowser</a:t>
+            </a:r>
+          </a:p>
+        </p:txBody>
+      </p:sp>
+      <p:sp>
+        <p:nvSpPr>
+          <p:cNvPr id="11" name="Rechteck 10">
+            <a:extLst>
+              <a:ext uri="{FF2B5EF4-FFF2-40B4-BE49-F238E27FC236}">
+                <a16:creationId xmlns:a16="http://schemas.microsoft.com/office/drawing/2014/main" id="{B25358CA-47CB-90F5-CB7D-361ED99118B7}"/>
+              </a:ext>
+            </a:extLst>
+          </p:cNvPr>
+          <p:cNvSpPr/>
+          <p:nvPr/>
+        </p:nvSpPr>
+        <p:spPr>
+          <a:xfrm>
+            <a:off x="5538860" y="1572716"/>
+            <a:ext cx="2689679" cy="2394894"/>
+          </a:xfrm>
+          <a:prstGeom prst="rect">
+            <a:avLst/>
+          </a:prstGeom>
+        </p:spPr>
+        <p:style>
+          <a:lnRef idx="0">
+            <a:schemeClr val="accent3"/>
+          </a:lnRef>
+          <a:fillRef idx="3">
+            <a:schemeClr val="accent3"/>
+          </a:fillRef>
+          <a:effectRef idx="3">
+            <a:schemeClr val="accent3"/>
+          </a:effectRef>
+          <a:fontRef idx="minor">
+            <a:schemeClr val="lt1"/>
+          </a:fontRef>
+        </p:style>
+        <p:txBody>
+          <a:bodyPr rtlCol="0" anchor="t"/>
+          <a:lstStyle/>
+          <a:p>
+            <a:pPr algn="ctr"/>
+            <a:r>
+              <a:rPr lang="de-DE" sz="1200" b="1" dirty="0" err="1">
+                <a:effectLst>
+                  <a:outerShdw blurRad="38100" dist="38100" dir="2700000" algn="tl">
+                    <a:srgbClr val="000000">
+                      <a:alpha val="43137"/>
+                    </a:srgbClr>
+                  </a:outerShdw>
+                </a:effectLst>
+              </a:rPr>
+              <a:t>app.js</a:t>
+            </a:r>
+            <a:endParaRPr lang="de-DE" sz="1200" b="1" dirty="0">
+              <a:effectLst>
+                <a:outerShdw blurRad="38100" dist="38100" dir="2700000" algn="tl">
+                  <a:srgbClr val="000000">
+                    <a:alpha val="43137"/>
+                  </a:srgbClr>
+                </a:outerShdw>
+              </a:effectLst>
+            </a:endParaRPr>
+          </a:p>
+          <a:p>
+            <a:pPr algn="ctr"/>
+            <a:endParaRPr lang="de-DE" sz="1200" b="1" dirty="0">
+              <a:effectLst>
+                <a:outerShdw blurRad="38100" dist="38100" dir="2700000" algn="tl">
+                  <a:srgbClr val="000000">
+                    <a:alpha val="43137"/>
+                  </a:srgbClr>
+                </a:outerShdw>
+              </a:effectLst>
+            </a:endParaRPr>
+          </a:p>
+          <a:p>
+            <a:pPr algn="ctr"/>
+            <a:endParaRPr lang="de-DE" sz="1200" dirty="0">
+              <a:effectLst>
+                <a:outerShdw blurRad="38100" dist="38100" dir="2700000" algn="tl">
+                  <a:srgbClr val="000000">
+                    <a:alpha val="43137"/>
+                  </a:srgbClr>
+                </a:outerShdw>
+              </a:effectLst>
+            </a:endParaRPr>
+          </a:p>
+        </p:txBody>
+      </p:sp>
+      <p:sp>
+        <p:nvSpPr>
+          <p:cNvPr id="12" name="Rechteck 11">
+            <a:extLst>
+              <a:ext uri="{FF2B5EF4-FFF2-40B4-BE49-F238E27FC236}">
+                <a16:creationId xmlns:a16="http://schemas.microsoft.com/office/drawing/2014/main" id="{1CDAF486-E576-E54A-D078-58362A0D887F}"/>
+              </a:ext>
+            </a:extLst>
+          </p:cNvPr>
+          <p:cNvSpPr/>
+          <p:nvPr/>
+        </p:nvSpPr>
+        <p:spPr>
+          <a:xfrm>
+            <a:off x="8330452" y="1572716"/>
+            <a:ext cx="1919173" cy="1141142"/>
+          </a:xfrm>
+          <a:prstGeom prst="rect">
+            <a:avLst/>
+          </a:prstGeom>
+        </p:spPr>
+        <p:style>
+          <a:lnRef idx="0">
+            <a:schemeClr val="accent3"/>
+          </a:lnRef>
+          <a:fillRef idx="3">
+            <a:schemeClr val="accent3"/>
+          </a:fillRef>
+          <a:effectRef idx="3">
+            <a:schemeClr val="accent3"/>
+          </a:effectRef>
+          <a:fontRef idx="minor">
+            <a:schemeClr val="lt1"/>
+          </a:fontRef>
+        </p:style>
+        <p:txBody>
+          <a:bodyPr rtlCol="0" anchor="t"/>
+          <a:lstStyle/>
+          <a:p>
+            <a:pPr algn="ctr"/>
+            <a:r>
+              <a:rPr lang="de-DE" sz="1200" b="1" dirty="0" err="1">
+                <a:effectLst>
+                  <a:outerShdw blurRad="38100" dist="38100" dir="2700000" algn="tl">
+                    <a:srgbClr val="000000">
+                      <a:alpha val="43137"/>
+                    </a:srgbClr>
+                  </a:outerShdw>
+                </a:effectLst>
+              </a:rPr>
+              <a:t>index.html</a:t>
+            </a:r>
+            <a:endParaRPr lang="de-DE" sz="1200" b="1" dirty="0">
+              <a:effectLst>
+                <a:outerShdw blurRad="38100" dist="38100" dir="2700000" algn="tl">
+                  <a:srgbClr val="000000">
+                    <a:alpha val="43137"/>
+                  </a:srgbClr>
+                </a:outerShdw>
+              </a:effectLst>
+            </a:endParaRPr>
+          </a:p>
+          <a:p>
+            <a:pPr algn="ctr"/>
+            <a:endParaRPr lang="de-DE" sz="1200" b="1" dirty="0">
+              <a:effectLst>
+                <a:outerShdw blurRad="38100" dist="38100" dir="2700000" algn="tl">
+                  <a:srgbClr val="000000">
+                    <a:alpha val="43137"/>
+                  </a:srgbClr>
+                </a:outerShdw>
+              </a:effectLst>
+            </a:endParaRPr>
+          </a:p>
+          <a:p>
+            <a:pPr algn="ctr"/>
+            <a:endParaRPr lang="de-DE" sz="1200" dirty="0">
+              <a:effectLst>
+                <a:outerShdw blurRad="38100" dist="38100" dir="2700000" algn="tl">
+                  <a:srgbClr val="000000">
+                    <a:alpha val="43137"/>
+                  </a:srgbClr>
+                </a:outerShdw>
+              </a:effectLst>
+            </a:endParaRPr>
+          </a:p>
+        </p:txBody>
+      </p:sp>
+      <p:sp>
+        <p:nvSpPr>
+          <p:cNvPr id="13" name="Rechteck 12">
+            <a:extLst>
+              <a:ext uri="{FF2B5EF4-FFF2-40B4-BE49-F238E27FC236}">
+                <a16:creationId xmlns:a16="http://schemas.microsoft.com/office/drawing/2014/main" id="{F5AEF9A5-5B73-3365-3469-5DD90F50F2AF}"/>
+              </a:ext>
+            </a:extLst>
+          </p:cNvPr>
+          <p:cNvSpPr/>
+          <p:nvPr/>
+        </p:nvSpPr>
+        <p:spPr>
+          <a:xfrm>
+            <a:off x="8360081" y="2826469"/>
+            <a:ext cx="1919173" cy="1141141"/>
+          </a:xfrm>
+          <a:prstGeom prst="rect">
+            <a:avLst/>
+          </a:prstGeom>
+        </p:spPr>
+        <p:style>
+          <a:lnRef idx="0">
+            <a:schemeClr val="accent3"/>
+          </a:lnRef>
+          <a:fillRef idx="3">
+            <a:schemeClr val="accent3"/>
+          </a:fillRef>
+          <a:effectRef idx="3">
+            <a:schemeClr val="accent3"/>
+          </a:effectRef>
+          <a:fontRef idx="minor">
+            <a:schemeClr val="lt1"/>
+          </a:fontRef>
+        </p:style>
+        <p:txBody>
+          <a:bodyPr rtlCol="0" anchor="t"/>
+          <a:lstStyle/>
+          <a:p>
+            <a:pPr algn="ctr"/>
+            <a:r>
+              <a:rPr lang="de-DE" sz="1200" b="1" dirty="0" err="1">
+                <a:effectLst>
+                  <a:outerShdw blurRad="38100" dist="38100" dir="2700000" algn="tl">
+                    <a:srgbClr val="000000">
+                      <a:alpha val="43137"/>
+                    </a:srgbClr>
+                  </a:outerShdw>
+                </a:effectLst>
+              </a:rPr>
+              <a:t>styles.css</a:t>
+            </a:r>
+            <a:endParaRPr lang="de-DE" sz="1200" b="1" dirty="0">
+              <a:effectLst>
+                <a:outerShdw blurRad="38100" dist="38100" dir="2700000" algn="tl">
+                  <a:srgbClr val="000000">
+                    <a:alpha val="43137"/>
+                  </a:srgbClr>
+                </a:outerShdw>
+              </a:effectLst>
+            </a:endParaRPr>
+          </a:p>
+          <a:p>
+            <a:pPr algn="ctr"/>
+            <a:endParaRPr lang="de-DE" sz="1200" b="1" dirty="0">
+              <a:effectLst>
+                <a:outerShdw blurRad="38100" dist="38100" dir="2700000" algn="tl">
+                  <a:srgbClr val="000000">
+                    <a:alpha val="43137"/>
+                  </a:srgbClr>
+                </a:outerShdw>
+              </a:effectLst>
+            </a:endParaRPr>
+          </a:p>
+          <a:p>
+            <a:pPr algn="ctr"/>
+            <a:endParaRPr lang="de-DE" sz="1200" dirty="0">
+              <a:effectLst>
+                <a:outerShdw blurRad="38100" dist="38100" dir="2700000" algn="tl">
+                  <a:srgbClr val="000000">
+                    <a:alpha val="43137"/>
+                  </a:srgbClr>
+                </a:outerShdw>
+              </a:effectLst>
+            </a:endParaRPr>
+          </a:p>
+        </p:txBody>
+      </p:sp>
+      <p:sp>
+        <p:nvSpPr>
+          <p:cNvPr id="14" name="Rechteck 13">
+            <a:extLst>
+              <a:ext uri="{FF2B5EF4-FFF2-40B4-BE49-F238E27FC236}">
+                <a16:creationId xmlns:a16="http://schemas.microsoft.com/office/drawing/2014/main" id="{EFD5B330-F9D2-F935-5395-7DCB04156277}"/>
+              </a:ext>
+            </a:extLst>
+          </p:cNvPr>
+          <p:cNvSpPr/>
+          <p:nvPr/>
+        </p:nvSpPr>
+        <p:spPr>
+          <a:xfrm>
+            <a:off x="5538860" y="4482299"/>
+            <a:ext cx="4710764" cy="335507"/>
+          </a:xfrm>
+          <a:prstGeom prst="rect">
+            <a:avLst/>
+          </a:prstGeom>
+          <a:solidFill>
+            <a:schemeClr val="bg1">
+              <a:lumMod val="75000"/>
+            </a:schemeClr>
+          </a:solidFill>
+          <a:ln/>
+        </p:spPr>
+        <p:style>
+          <a:lnRef idx="0">
+            <a:schemeClr val="accent1"/>
+          </a:lnRef>
+          <a:fillRef idx="3">
+            <a:schemeClr val="accent1"/>
+          </a:fillRef>
+          <a:effectRef idx="3">
+            <a:schemeClr val="accent1"/>
+          </a:effectRef>
+          <a:fontRef idx="minor">
+            <a:schemeClr val="lt1"/>
+          </a:fontRef>
+        </p:style>
+        <p:txBody>
+          <a:bodyPr rtlCol="0" anchor="t"/>
+          <a:lstStyle/>
+          <a:p>
+            <a:pPr algn="ctr"/>
+            <a:r>
+              <a:rPr lang="de-DE" sz="1600" b="1" dirty="0" err="1">
+                <a:effectLst>
+                  <a:outerShdw blurRad="38100" dist="38100" dir="2700000" algn="tl">
+                    <a:srgbClr val="000000">
+                      <a:alpha val="43137"/>
+                    </a:srgbClr>
+                  </a:outerShdw>
+                </a:effectLst>
+              </a:rPr>
+              <a:t>XOrg</a:t>
+            </a:r>
+            <a:r>
+              <a:rPr lang="de-DE" sz="1600" b="1" dirty="0">
+                <a:effectLst>
+                  <a:outerShdw blurRad="38100" dist="38100" dir="2700000" algn="tl">
+                    <a:srgbClr val="000000">
+                      <a:alpha val="43137"/>
+                    </a:srgbClr>
+                  </a:outerShdw>
+                </a:effectLst>
+              </a:rPr>
+              <a:t> </a:t>
+            </a:r>
+            <a:r>
+              <a:rPr lang="de-DE" sz="1600" b="1" dirty="0" err="1">
+                <a:effectLst>
+                  <a:outerShdw blurRad="38100" dist="38100" dir="2700000" algn="tl">
+                    <a:srgbClr val="000000">
+                      <a:alpha val="43137"/>
+                    </a:srgbClr>
+                  </a:outerShdw>
+                </a:effectLst>
+              </a:rPr>
+              <a:t>or</a:t>
+            </a:r>
+            <a:r>
+              <a:rPr lang="de-DE" sz="1600" b="1" dirty="0">
+                <a:effectLst>
+                  <a:outerShdw blurRad="38100" dist="38100" dir="2700000" algn="tl">
+                    <a:srgbClr val="000000">
+                      <a:alpha val="43137"/>
+                    </a:srgbClr>
+                  </a:outerShdw>
+                </a:effectLst>
+              </a:rPr>
+              <a:t> Wayland</a:t>
+            </a:r>
+          </a:p>
+        </p:txBody>
+      </p:sp>
+      <p:sp>
+        <p:nvSpPr>
+          <p:cNvPr id="15" name="Rechteck 14">
+            <a:extLst>
+              <a:ext uri="{FF2B5EF4-FFF2-40B4-BE49-F238E27FC236}">
+                <a16:creationId xmlns:a16="http://schemas.microsoft.com/office/drawing/2014/main" id="{4CEC3D7C-AD4F-FC1F-8B18-E412583F9DD6}"/>
+              </a:ext>
+            </a:extLst>
+          </p:cNvPr>
+          <p:cNvSpPr/>
+          <p:nvPr/>
+        </p:nvSpPr>
+        <p:spPr>
+          <a:xfrm>
+            <a:off x="5538860" y="4907347"/>
+            <a:ext cx="4710764" cy="335508"/>
+          </a:xfrm>
+          <a:prstGeom prst="rect">
+            <a:avLst/>
+          </a:prstGeom>
+          <a:solidFill>
+            <a:schemeClr val="bg1">
+              <a:lumMod val="65000"/>
+            </a:schemeClr>
+          </a:solidFill>
+          <a:ln/>
+        </p:spPr>
+        <p:style>
+          <a:lnRef idx="0">
+            <a:schemeClr val="accent3"/>
+          </a:lnRef>
+          <a:fillRef idx="3">
+            <a:schemeClr val="accent3"/>
+          </a:fillRef>
+          <a:effectRef idx="3">
+            <a:schemeClr val="accent3"/>
+          </a:effectRef>
+          <a:fontRef idx="minor">
+            <a:schemeClr val="lt1"/>
+          </a:fontRef>
+        </p:style>
+        <p:txBody>
+          <a:bodyPr rtlCol="0" anchor="t"/>
+          <a:lstStyle/>
+          <a:p>
+            <a:pPr algn="ctr"/>
+            <a:r>
+              <a:rPr lang="de-DE" sz="1600" b="1" dirty="0">
+                <a:effectLst>
+                  <a:outerShdw blurRad="38100" dist="38100" dir="2700000" algn="tl">
+                    <a:srgbClr val="000000">
+                      <a:alpha val="43137"/>
+                    </a:srgbClr>
+                  </a:outerShdw>
+                </a:effectLst>
+              </a:rPr>
+              <a:t>DRM/KMS</a:t>
+            </a:r>
+          </a:p>
+        </p:txBody>
+      </p:sp>
+      <p:sp>
+        <p:nvSpPr>
+          <p:cNvPr id="16" name="Pfeil: nach rechts 39">
+            <a:extLst>
+              <a:ext uri="{FF2B5EF4-FFF2-40B4-BE49-F238E27FC236}">
+                <a16:creationId xmlns:a16="http://schemas.microsoft.com/office/drawing/2014/main" id="{8749DF28-8CE2-C732-BD7D-07E0B57B3C27}"/>
+              </a:ext>
+            </a:extLst>
+          </p:cNvPr>
+          <p:cNvSpPr/>
+          <p:nvPr/>
+        </p:nvSpPr>
+        <p:spPr>
+          <a:xfrm>
+            <a:off x="10347383" y="4880706"/>
+            <a:ext cx="505730" cy="362149"/>
+          </a:xfrm>
+          <a:prstGeom prst="rightArrow">
+            <a:avLst/>
+          </a:prstGeom>
+        </p:spPr>
+        <p:style>
+          <a:lnRef idx="0">
+            <a:schemeClr val="accent6"/>
+          </a:lnRef>
+          <a:fillRef idx="3">
+            <a:schemeClr val="accent6"/>
+          </a:fillRef>
+          <a:effectRef idx="3">
+            <a:schemeClr val="accent6"/>
+          </a:effectRef>
+          <a:fontRef idx="minor">
+            <a:schemeClr val="lt1"/>
+          </a:fontRef>
+        </p:style>
+        <p:txBody>
+          <a:bodyPr rtlCol="0" anchor="ctr"/>
+          <a:lstStyle/>
+          <a:p>
+            <a:pPr algn="ctr"/>
+            <a:endParaRPr lang="de-DE" sz="1050" b="1" dirty="0">
+              <a:effectLst>
+                <a:outerShdw blurRad="38100" dist="38100" dir="2700000" algn="tl">
+                  <a:srgbClr val="000000">
+                    <a:alpha val="43137"/>
+                  </a:srgbClr>
+                </a:outerShdw>
+              </a:effectLst>
+            </a:endParaRPr>
+          </a:p>
+        </p:txBody>
+      </p:sp>
+      <p:sp>
+        <p:nvSpPr>
+          <p:cNvPr id="17" name="Rechteck 16">
+            <a:extLst>
+              <a:ext uri="{FF2B5EF4-FFF2-40B4-BE49-F238E27FC236}">
+                <a16:creationId xmlns:a16="http://schemas.microsoft.com/office/drawing/2014/main" id="{CB2C5071-BBE0-866C-8BDC-C00954DE54EA}"/>
+              </a:ext>
+            </a:extLst>
+          </p:cNvPr>
+          <p:cNvSpPr/>
+          <p:nvPr/>
+        </p:nvSpPr>
+        <p:spPr>
+          <a:xfrm>
+            <a:off x="5538860" y="4057151"/>
+            <a:ext cx="4710764" cy="335607"/>
+          </a:xfrm>
+          <a:prstGeom prst="rect">
+            <a:avLst/>
+          </a:prstGeom>
+        </p:spPr>
+        <p:style>
+          <a:lnRef idx="0">
+            <a:schemeClr val="accent5"/>
+          </a:lnRef>
+          <a:fillRef idx="3">
+            <a:schemeClr val="accent5"/>
+          </a:fillRef>
+          <a:effectRef idx="3">
+            <a:schemeClr val="accent5"/>
+          </a:effectRef>
+          <a:fontRef idx="minor">
+            <a:schemeClr val="lt1"/>
+          </a:fontRef>
+        </p:style>
+        <p:txBody>
+          <a:bodyPr rtlCol="0" anchor="ctr"/>
+          <a:lstStyle/>
+          <a:p>
+            <a:pPr algn="ctr"/>
+            <a:r>
+              <a:rPr lang="de-DE" sz="1600" b="1" dirty="0" err="1">
+                <a:effectLst>
+                  <a:outerShdw blurRad="38100" dist="38100" dir="2700000" algn="tl">
+                    <a:srgbClr val="000000">
+                      <a:alpha val="43137"/>
+                    </a:srgbClr>
+                  </a:outerShdw>
+                </a:effectLst>
+              </a:rPr>
+              <a:t>WebGL</a:t>
+            </a:r>
+            <a:endParaRPr lang="de-DE" sz="1600" b="1" dirty="0">
+              <a:effectLst>
+                <a:outerShdw blurRad="38100" dist="38100" dir="2700000" algn="tl">
+                  <a:srgbClr val="000000">
+                    <a:alpha val="43137"/>
+                  </a:srgbClr>
+                </a:outerShdw>
+              </a:effectLst>
+            </a:endParaRPr>
+          </a:p>
+        </p:txBody>
+      </p:sp>
+      <p:sp>
+        <p:nvSpPr>
+          <p:cNvPr id="18" name="Nach oben gebogener Pfeil 17">
+            <a:extLst>
+              <a:ext uri="{FF2B5EF4-FFF2-40B4-BE49-F238E27FC236}">
+                <a16:creationId xmlns:a16="http://schemas.microsoft.com/office/drawing/2014/main" id="{F60C7FAF-444E-3D9F-146B-3466D6B5192F}"/>
+              </a:ext>
+            </a:extLst>
+          </p:cNvPr>
+          <p:cNvSpPr/>
+          <p:nvPr/>
+        </p:nvSpPr>
+        <p:spPr>
+          <a:xfrm rot="5400000" flipH="1">
+            <a:off x="4000380" y="3803557"/>
+            <a:ext cx="3181402" cy="534436"/>
+          </a:xfrm>
+          <a:prstGeom prst="bentUpArrow">
+            <a:avLst>
+              <a:gd name="adj1" fmla="val 10283"/>
+              <a:gd name="adj2" fmla="val 16209"/>
+              <a:gd name="adj3" fmla="val 27437"/>
+            </a:avLst>
+          </a:prstGeom>
+          <a:solidFill>
+            <a:schemeClr val="accent6"/>
+          </a:solidFill>
+        </p:spPr>
+        <p:style>
+          <a:lnRef idx="2">
+            <a:schemeClr val="accent1">
+              <a:shade val="15000"/>
+            </a:schemeClr>
+          </a:lnRef>
+          <a:fillRef idx="1">
+            <a:schemeClr val="accent1"/>
+          </a:fillRef>
+          <a:effectRef idx="0">
+            <a:schemeClr val="accent1"/>
+          </a:effectRef>
+          <a:fontRef idx="minor">
+            <a:schemeClr val="lt1"/>
+          </a:fontRef>
+        </p:style>
+        <p:txBody>
+          <a:bodyPr rtlCol="0" anchor="ctr"/>
+          <a:lstStyle/>
+          <a:p>
+            <a:pPr algn="ctr"/>
+            <a:endParaRPr lang="de-DE"/>
+          </a:p>
+        </p:txBody>
+      </p:sp>
+      <p:sp>
+        <p:nvSpPr>
+          <p:cNvPr id="23" name="Textfeld 22">
+            <a:extLst>
+              <a:ext uri="{FF2B5EF4-FFF2-40B4-BE49-F238E27FC236}">
+                <a16:creationId xmlns:a16="http://schemas.microsoft.com/office/drawing/2014/main" id="{A0186DB0-43FD-49A8-968A-BA84524AE1C5}"/>
+              </a:ext>
+            </a:extLst>
+          </p:cNvPr>
+          <p:cNvSpPr txBox="1"/>
+          <p:nvPr/>
+        </p:nvSpPr>
+        <p:spPr>
+          <a:xfrm>
+            <a:off x="1903211" y="5582820"/>
+            <a:ext cx="4052235" cy="861774"/>
+          </a:xfrm>
+          <a:prstGeom prst="rect">
+            <a:avLst/>
+          </a:prstGeom>
+        </p:spPr>
+        <p:style>
+          <a:lnRef idx="0">
+            <a:schemeClr val="accent2"/>
+          </a:lnRef>
+          <a:fillRef idx="3">
+            <a:schemeClr val="accent2"/>
+          </a:fillRef>
+          <a:effectRef idx="3">
+            <a:schemeClr val="accent2"/>
+          </a:effectRef>
+          <a:fontRef idx="minor">
+            <a:schemeClr val="lt1"/>
+          </a:fontRef>
+        </p:style>
+        <p:txBody>
+          <a:bodyPr wrap="square" rtlCol="0">
+            <a:spAutoFit/>
+          </a:bodyPr>
+          <a:lstStyle/>
+          <a:p>
+            <a:pPr algn="ctr"/>
+            <a:r>
+              <a:rPr lang="de-DE" sz="1000" b="1" dirty="0">
+                <a:solidFill>
+                  <a:schemeClr val="bg1"/>
+                </a:solidFill>
+                <a:effectLst>
+                  <a:outerShdw blurRad="38100" dist="38100" dir="2700000" algn="tl">
+                    <a:srgbClr val="000000">
+                      <a:alpha val="43137"/>
+                    </a:srgbClr>
+                  </a:outerShdw>
+                </a:effectLst>
+                <a:latin typeface="Consolas" panose="020B0609020204030204" pitchFamily="49" charset="0"/>
+              </a:rPr>
+              <a:t>Messages </a:t>
+            </a:r>
+            <a:r>
+              <a:rPr lang="de-DE" sz="1000" b="1" dirty="0" err="1">
+                <a:solidFill>
+                  <a:schemeClr val="bg1"/>
+                </a:solidFill>
+                <a:effectLst>
+                  <a:outerShdw blurRad="38100" dist="38100" dir="2700000" algn="tl">
+                    <a:srgbClr val="000000">
+                      <a:alpha val="43137"/>
+                    </a:srgbClr>
+                  </a:outerShdw>
+                </a:effectLst>
+                <a:latin typeface="Consolas" panose="020B0609020204030204" pitchFamily="49" charset="0"/>
+              </a:rPr>
+              <a:t>to</a:t>
+            </a:r>
+            <a:r>
+              <a:rPr lang="de-DE" sz="1000" b="1" dirty="0">
+                <a:solidFill>
+                  <a:schemeClr val="bg1"/>
+                </a:solidFill>
+                <a:effectLst>
+                  <a:outerShdw blurRad="38100" dist="38100" dir="2700000" algn="tl">
+                    <a:srgbClr val="000000">
+                      <a:alpha val="43137"/>
+                    </a:srgbClr>
+                  </a:outerShdw>
+                </a:effectLst>
+                <a:latin typeface="Consolas" panose="020B0609020204030204" pitchFamily="49" charset="0"/>
+              </a:rPr>
+              <a:t> </a:t>
+            </a:r>
+            <a:r>
+              <a:rPr lang="de-DE" sz="1000" b="1" dirty="0" err="1">
+                <a:solidFill>
+                  <a:schemeClr val="bg1"/>
+                </a:solidFill>
+                <a:effectLst>
+                  <a:outerShdw blurRad="38100" dist="38100" dir="2700000" algn="tl">
+                    <a:srgbClr val="000000">
+                      <a:alpha val="43137"/>
+                    </a:srgbClr>
+                  </a:outerShdw>
+                </a:effectLst>
+                <a:latin typeface="Consolas" panose="020B0609020204030204" pitchFamily="49" charset="0"/>
+              </a:rPr>
+              <a:t>browser</a:t>
+            </a:r>
+            <a:r>
+              <a:rPr lang="de-DE" sz="1000" b="1" dirty="0">
+                <a:solidFill>
+                  <a:schemeClr val="bg1"/>
+                </a:solidFill>
+                <a:effectLst>
+                  <a:outerShdw blurRad="38100" dist="38100" dir="2700000" algn="tl">
+                    <a:srgbClr val="000000">
+                      <a:alpha val="43137"/>
+                    </a:srgbClr>
+                  </a:outerShdw>
+                </a:effectLst>
+                <a:latin typeface="Consolas" panose="020B0609020204030204" pitchFamily="49" charset="0"/>
+              </a:rPr>
+              <a:t> (JSON </a:t>
+            </a:r>
+            <a:r>
+              <a:rPr lang="de-DE" sz="1000" b="1" dirty="0" err="1">
+                <a:solidFill>
+                  <a:schemeClr val="bg1"/>
+                </a:solidFill>
+                <a:effectLst>
+                  <a:outerShdw blurRad="38100" dist="38100" dir="2700000" algn="tl">
+                    <a:srgbClr val="000000">
+                      <a:alpha val="43137"/>
+                    </a:srgbClr>
+                  </a:outerShdw>
+                </a:effectLst>
+                <a:latin typeface="Consolas" panose="020B0609020204030204" pitchFamily="49" charset="0"/>
+              </a:rPr>
+              <a:t>text</a:t>
+            </a:r>
+            <a:r>
+              <a:rPr lang="de-DE" sz="1000" b="1" dirty="0">
+                <a:solidFill>
+                  <a:schemeClr val="bg1"/>
+                </a:solidFill>
+                <a:effectLst>
+                  <a:outerShdw blurRad="38100" dist="38100" dir="2700000" algn="tl">
+                    <a:srgbClr val="000000">
+                      <a:alpha val="43137"/>
+                    </a:srgbClr>
+                  </a:outerShdw>
+                </a:effectLst>
+                <a:latin typeface="Consolas" panose="020B0609020204030204" pitchFamily="49" charset="0"/>
+              </a:rPr>
+              <a:t>)</a:t>
+            </a:r>
+          </a:p>
+          <a:p>
+            <a:r>
+              <a:rPr lang="de-DE" sz="1000" dirty="0" err="1">
+                <a:solidFill>
+                  <a:schemeClr val="bg1"/>
+                </a:solidFill>
+                <a:effectLst>
+                  <a:outerShdw blurRad="38100" dist="38100" dir="2700000" algn="tl">
+                    <a:srgbClr val="000000">
+                      <a:alpha val="43137"/>
+                    </a:srgbClr>
+                  </a:outerShdw>
+                </a:effectLst>
+                <a:latin typeface="Consolas" panose="020B0609020204030204" pitchFamily="49" charset="0"/>
+              </a:rPr>
+              <a:t>m</a:t>
+            </a:r>
+            <a:r>
+              <a:rPr lang="de-DE" sz="1000" b="0" dirty="0" err="1">
+                <a:solidFill>
+                  <a:schemeClr val="bg1"/>
+                </a:solidFill>
+                <a:effectLst>
+                  <a:outerShdw blurRad="38100" dist="38100" dir="2700000" algn="tl">
+                    <a:srgbClr val="000000">
+                      <a:alpha val="43137"/>
+                    </a:srgbClr>
+                  </a:outerShdw>
+                </a:effectLst>
+                <a:latin typeface="Consolas" panose="020B0609020204030204" pitchFamily="49" charset="0"/>
+              </a:rPr>
+              <a:t>eta</a:t>
+            </a:r>
+            <a:r>
+              <a:rPr lang="de-DE" sz="1000" b="0" dirty="0">
+                <a:solidFill>
+                  <a:schemeClr val="bg1"/>
+                </a:solidFill>
+                <a:effectLst>
+                  <a:outerShdw blurRad="38100" dist="38100" dir="2700000" algn="tl">
+                    <a:srgbClr val="000000">
+                      <a:alpha val="43137"/>
+                    </a:srgbClr>
+                  </a:outerShdw>
+                </a:effectLst>
+                <a:latin typeface="Consolas" panose="020B0609020204030204" pitchFamily="49" charset="0"/>
+              </a:rPr>
+              <a:t>  </a:t>
+            </a:r>
+            <a:r>
+              <a:rPr lang="de-DE" sz="1000" b="0" dirty="0">
+                <a:solidFill>
+                  <a:schemeClr val="bg1"/>
+                </a:solidFill>
+                <a:effectLst>
+                  <a:outerShdw blurRad="38100" dist="38100" dir="2700000" algn="tl">
+                    <a:srgbClr val="000000">
+                      <a:alpha val="43137"/>
+                    </a:srgbClr>
+                  </a:outerShdw>
+                </a:effectLst>
+                <a:latin typeface="Consolas" panose="020B0609020204030204" pitchFamily="49" charset="0"/>
+                <a:sym typeface="Wingdings" pitchFamily="2" charset="2"/>
+              </a:rPr>
+              <a:t> {</a:t>
+            </a:r>
+            <a:r>
+              <a:rPr lang="de-DE" sz="1000" b="0" dirty="0" err="1">
+                <a:solidFill>
+                  <a:schemeClr val="bg1"/>
+                </a:solidFill>
+                <a:effectLst>
+                  <a:outerShdw blurRad="38100" dist="38100" dir="2700000" algn="tl">
+                    <a:srgbClr val="000000">
+                      <a:alpha val="43137"/>
+                    </a:srgbClr>
+                  </a:outerShdw>
+                </a:effectLst>
+                <a:latin typeface="Consolas" panose="020B0609020204030204" pitchFamily="49" charset="0"/>
+                <a:sym typeface="Wingdings" pitchFamily="2" charset="2"/>
+              </a:rPr>
+              <a:t>status</a:t>
+            </a:r>
+            <a:r>
+              <a:rPr lang="de-DE" sz="1000" b="0" dirty="0">
+                <a:solidFill>
+                  <a:schemeClr val="bg1"/>
+                </a:solidFill>
+                <a:effectLst>
+                  <a:outerShdw blurRad="38100" dist="38100" dir="2700000" algn="tl">
+                    <a:srgbClr val="000000">
+                      <a:alpha val="43137"/>
+                    </a:srgbClr>
+                  </a:outerShdw>
+                </a:effectLst>
+                <a:latin typeface="Consolas" panose="020B0609020204030204" pitchFamily="49" charset="0"/>
+                <a:sym typeface="Wingdings" pitchFamily="2" charset="2"/>
+              </a:rPr>
+              <a:t>, bpm, … }</a:t>
+            </a:r>
+          </a:p>
+          <a:p>
+            <a:r>
+              <a:rPr lang="de-DE" sz="1000" dirty="0" err="1">
+                <a:solidFill>
+                  <a:schemeClr val="bg1"/>
+                </a:solidFill>
+                <a:effectLst>
+                  <a:outerShdw blurRad="38100" dist="38100" dir="2700000" algn="tl">
+                    <a:srgbClr val="000000">
+                      <a:alpha val="43137"/>
+                    </a:srgbClr>
+                  </a:outerShdw>
+                </a:effectLst>
+                <a:latin typeface="Consolas" panose="020B0609020204030204" pitchFamily="49" charset="0"/>
+                <a:sym typeface="Wingdings" pitchFamily="2" charset="2"/>
+              </a:rPr>
+              <a:t>delta</a:t>
+            </a:r>
+            <a:r>
+              <a:rPr lang="de-DE" sz="1000" dirty="0">
+                <a:solidFill>
+                  <a:schemeClr val="bg1"/>
+                </a:solidFill>
+                <a:effectLst>
+                  <a:outerShdw blurRad="38100" dist="38100" dir="2700000" algn="tl">
+                    <a:srgbClr val="000000">
+                      <a:alpha val="43137"/>
+                    </a:srgbClr>
+                  </a:outerShdw>
+                </a:effectLst>
+                <a:latin typeface="Consolas" panose="020B0609020204030204" pitchFamily="49" charset="0"/>
+                <a:sym typeface="Wingdings" pitchFamily="2" charset="2"/>
+              </a:rPr>
+              <a:t>  {t0,t:….,</a:t>
+            </a:r>
+            <a:r>
+              <a:rPr lang="de-DE" sz="1000" dirty="0" err="1">
+                <a:solidFill>
+                  <a:schemeClr val="bg1"/>
+                </a:solidFill>
+                <a:effectLst>
+                  <a:outerShdw blurRad="38100" dist="38100" dir="2700000" algn="tl">
+                    <a:srgbClr val="000000">
+                      <a:alpha val="43137"/>
+                    </a:srgbClr>
+                  </a:outerShdw>
+                </a:effectLst>
+                <a:latin typeface="Consolas" panose="020B0609020204030204" pitchFamily="49" charset="0"/>
+                <a:sym typeface="Wingdings" pitchFamily="2" charset="2"/>
+              </a:rPr>
+              <a:t>y</a:t>
+            </a:r>
+            <a:r>
+              <a:rPr lang="de-DE" sz="1000" dirty="0">
+                <a:solidFill>
+                  <a:schemeClr val="bg1"/>
+                </a:solidFill>
+                <a:effectLst>
+                  <a:outerShdw blurRad="38100" dist="38100" dir="2700000" algn="tl">
+                    <a:srgbClr val="000000">
+                      <a:alpha val="43137"/>
+                    </a:srgbClr>
+                  </a:outerShdw>
+                </a:effectLst>
+                <a:latin typeface="Consolas" panose="020B0609020204030204" pitchFamily="49" charset="0"/>
+                <a:sym typeface="Wingdings" pitchFamily="2" charset="2"/>
+              </a:rPr>
+              <a:t>:…, </a:t>
+            </a:r>
+            <a:r>
+              <a:rPr lang="de-DE" sz="1000" dirty="0" err="1">
+                <a:solidFill>
+                  <a:schemeClr val="bg1"/>
+                </a:solidFill>
+                <a:effectLst>
+                  <a:outerShdw blurRad="38100" dist="38100" dir="2700000" algn="tl">
+                    <a:srgbClr val="000000">
+                      <a:alpha val="43137"/>
+                    </a:srgbClr>
+                  </a:outerShdw>
+                </a:effectLst>
+                <a:latin typeface="Consolas" panose="020B0609020204030204" pitchFamily="49" charset="0"/>
+                <a:sym typeface="Wingdings" pitchFamily="2" charset="2"/>
+              </a:rPr>
+              <a:t>threshold</a:t>
+            </a:r>
+            <a:r>
+              <a:rPr lang="de-DE" sz="1000" dirty="0">
+                <a:solidFill>
+                  <a:schemeClr val="bg1"/>
+                </a:solidFill>
+                <a:effectLst>
+                  <a:outerShdw blurRad="38100" dist="38100" dir="2700000" algn="tl">
+                    <a:srgbClr val="000000">
+                      <a:alpha val="43137"/>
+                    </a:srgbClr>
+                  </a:outerShdw>
+                </a:effectLst>
+                <a:latin typeface="Consolas" panose="020B0609020204030204" pitchFamily="49" charset="0"/>
+                <a:sym typeface="Wingdings" pitchFamily="2" charset="2"/>
+              </a:rPr>
+              <a:t>}</a:t>
+            </a:r>
+          </a:p>
+          <a:p>
+            <a:r>
+              <a:rPr lang="de-DE" sz="1000" dirty="0">
+                <a:solidFill>
+                  <a:schemeClr val="bg1"/>
+                </a:solidFill>
+                <a:effectLst>
+                  <a:outerShdw blurRad="38100" dist="38100" dir="2700000" algn="tl">
+                    <a:srgbClr val="000000">
+                      <a:alpha val="43137"/>
+                    </a:srgbClr>
+                  </a:outerShdw>
+                </a:effectLst>
+                <a:latin typeface="Consolas" panose="020B0609020204030204" pitchFamily="49" charset="0"/>
+                <a:sym typeface="Wingdings" pitchFamily="2" charset="2"/>
+              </a:rPr>
+              <a:t>frame  {</a:t>
+            </a:r>
+            <a:r>
+              <a:rPr lang="de-DE" sz="1000" dirty="0" err="1">
+                <a:solidFill>
+                  <a:schemeClr val="bg1"/>
+                </a:solidFill>
+                <a:effectLst>
+                  <a:outerShdw blurRad="38100" dist="38100" dir="2700000" algn="tl">
+                    <a:srgbClr val="000000">
+                      <a:alpha val="43137"/>
+                    </a:srgbClr>
+                  </a:outerShdw>
+                </a:effectLst>
+                <a:latin typeface="Consolas" panose="020B0609020204030204" pitchFamily="49" charset="0"/>
+                <a:sym typeface="Wingdings" pitchFamily="2" charset="2"/>
+              </a:rPr>
+              <a:t>plotwindow</a:t>
+            </a:r>
+            <a:r>
+              <a:rPr lang="de-DE" sz="1000" dirty="0">
+                <a:solidFill>
+                  <a:schemeClr val="bg1"/>
+                </a:solidFill>
+                <a:effectLst>
+                  <a:outerShdw blurRad="38100" dist="38100" dir="2700000" algn="tl">
+                    <a:srgbClr val="000000">
+                      <a:alpha val="43137"/>
+                    </a:srgbClr>
+                  </a:outerShdw>
+                </a:effectLst>
+                <a:latin typeface="Consolas" panose="020B0609020204030204" pitchFamily="49" charset="0"/>
+                <a:sym typeface="Wingdings" pitchFamily="2" charset="2"/>
+              </a:rPr>
+              <a:t>, </a:t>
+            </a:r>
+            <a:r>
+              <a:rPr lang="de-DE" sz="1000" dirty="0" err="1">
+                <a:solidFill>
+                  <a:schemeClr val="bg1"/>
+                </a:solidFill>
+                <a:effectLst>
+                  <a:outerShdw blurRad="38100" dist="38100" dir="2700000" algn="tl">
+                    <a:srgbClr val="000000">
+                      <a:alpha val="43137"/>
+                    </a:srgbClr>
+                  </a:outerShdw>
+                </a:effectLst>
+                <a:latin typeface="Consolas" panose="020B0609020204030204" pitchFamily="49" charset="0"/>
+                <a:sym typeface="Wingdings" pitchFamily="2" charset="2"/>
+              </a:rPr>
+              <a:t>signal</a:t>
+            </a:r>
+            <a:r>
+              <a:rPr lang="de-DE" sz="1000" dirty="0">
+                <a:solidFill>
+                  <a:schemeClr val="bg1"/>
+                </a:solidFill>
+                <a:effectLst>
+                  <a:outerShdw blurRad="38100" dist="38100" dir="2700000" algn="tl">
+                    <a:srgbClr val="000000">
+                      <a:alpha val="43137"/>
+                    </a:srgbClr>
+                  </a:outerShdw>
+                </a:effectLst>
+                <a:latin typeface="Consolas" panose="020B0609020204030204" pitchFamily="49" charset="0"/>
+                <a:sym typeface="Wingdings" pitchFamily="2" charset="2"/>
+              </a:rPr>
+              <a:t>: t0,t:….,</a:t>
+            </a:r>
+            <a:r>
+              <a:rPr lang="de-DE" sz="1000" dirty="0" err="1">
+                <a:solidFill>
+                  <a:schemeClr val="bg1"/>
+                </a:solidFill>
+                <a:effectLst>
+                  <a:outerShdw blurRad="38100" dist="38100" dir="2700000" algn="tl">
+                    <a:srgbClr val="000000">
+                      <a:alpha val="43137"/>
+                    </a:srgbClr>
+                  </a:outerShdw>
+                </a:effectLst>
+                <a:latin typeface="Consolas" panose="020B0609020204030204" pitchFamily="49" charset="0"/>
+                <a:sym typeface="Wingdings" pitchFamily="2" charset="2"/>
+              </a:rPr>
+              <a:t>y</a:t>
+            </a:r>
+            <a:r>
+              <a:rPr lang="de-DE" sz="1000" dirty="0">
+                <a:solidFill>
+                  <a:schemeClr val="bg1"/>
+                </a:solidFill>
+                <a:effectLst>
+                  <a:outerShdw blurRad="38100" dist="38100" dir="2700000" algn="tl">
+                    <a:srgbClr val="000000">
+                      <a:alpha val="43137"/>
+                    </a:srgbClr>
+                  </a:outerShdw>
+                </a:effectLst>
+                <a:latin typeface="Consolas" panose="020B0609020204030204" pitchFamily="49" charset="0"/>
+                <a:sym typeface="Wingdings" pitchFamily="2" charset="2"/>
+              </a:rPr>
+              <a:t>:…, </a:t>
+            </a:r>
+            <a:r>
+              <a:rPr lang="de-DE" sz="1000" dirty="0" err="1">
+                <a:solidFill>
+                  <a:schemeClr val="bg1"/>
+                </a:solidFill>
+                <a:effectLst>
+                  <a:outerShdw blurRad="38100" dist="38100" dir="2700000" algn="tl">
+                    <a:srgbClr val="000000">
+                      <a:alpha val="43137"/>
+                    </a:srgbClr>
+                  </a:outerShdw>
+                </a:effectLst>
+                <a:latin typeface="Consolas" panose="020B0609020204030204" pitchFamily="49" charset="0"/>
+                <a:sym typeface="Wingdings" pitchFamily="2" charset="2"/>
+              </a:rPr>
+              <a:t>threshold</a:t>
+            </a:r>
+            <a:r>
+              <a:rPr lang="de-DE" sz="1000" dirty="0">
+                <a:solidFill>
+                  <a:schemeClr val="bg1"/>
+                </a:solidFill>
+                <a:effectLst>
+                  <a:outerShdw blurRad="38100" dist="38100" dir="2700000" algn="tl">
+                    <a:srgbClr val="000000">
+                      <a:alpha val="43137"/>
+                    </a:srgbClr>
+                  </a:outerShdw>
+                </a:effectLst>
+                <a:latin typeface="Consolas" panose="020B0609020204030204" pitchFamily="49" charset="0"/>
+                <a:sym typeface="Wingdings" pitchFamily="2" charset="2"/>
+              </a:rPr>
+              <a:t>}</a:t>
+            </a:r>
+            <a:br>
+              <a:rPr lang="de-DE" sz="1000" dirty="0">
+                <a:solidFill>
+                  <a:schemeClr val="bg1"/>
+                </a:solidFill>
+                <a:effectLst>
+                  <a:outerShdw blurRad="38100" dist="38100" dir="2700000" algn="tl">
+                    <a:srgbClr val="000000">
+                      <a:alpha val="43137"/>
+                    </a:srgbClr>
+                  </a:outerShdw>
+                </a:effectLst>
+                <a:latin typeface="Consolas" panose="020B0609020204030204" pitchFamily="49" charset="0"/>
+                <a:sym typeface="Wingdings" pitchFamily="2" charset="2"/>
+              </a:rPr>
+            </a:br>
+            <a:r>
+              <a:rPr lang="de-DE" sz="1000" dirty="0">
+                <a:solidFill>
+                  <a:schemeClr val="bg1"/>
+                </a:solidFill>
+                <a:effectLst>
+                  <a:outerShdw blurRad="38100" dist="38100" dir="2700000" algn="tl">
+                    <a:srgbClr val="000000">
+                      <a:alpha val="43137"/>
+                    </a:srgbClr>
+                  </a:outerShdw>
+                </a:effectLst>
+                <a:latin typeface="Consolas" panose="020B0609020204030204" pitchFamily="49" charset="0"/>
+                <a:sym typeface="Wingdings" pitchFamily="2" charset="2"/>
+              </a:rPr>
+              <a:t>(frame </a:t>
+            </a:r>
+            <a:r>
+              <a:rPr lang="de-DE" sz="1000" dirty="0" err="1">
+                <a:solidFill>
+                  <a:schemeClr val="bg1"/>
+                </a:solidFill>
+                <a:effectLst>
+                  <a:outerShdw blurRad="38100" dist="38100" dir="2700000" algn="tl">
+                    <a:srgbClr val="000000">
+                      <a:alpha val="43137"/>
+                    </a:srgbClr>
+                  </a:outerShdw>
+                </a:effectLst>
+                <a:latin typeface="Consolas" panose="020B0609020204030204" pitchFamily="49" charset="0"/>
+                <a:sym typeface="Wingdings" pitchFamily="2" charset="2"/>
+              </a:rPr>
+              <a:t>once</a:t>
+            </a:r>
+            <a:r>
+              <a:rPr lang="de-DE" sz="1000" dirty="0">
+                <a:solidFill>
+                  <a:schemeClr val="bg1"/>
+                </a:solidFill>
+                <a:effectLst>
+                  <a:outerShdw blurRad="38100" dist="38100" dir="2700000" algn="tl">
+                    <a:srgbClr val="000000">
+                      <a:alpha val="43137"/>
+                    </a:srgbClr>
+                  </a:outerShdw>
+                </a:effectLst>
+                <a:latin typeface="Consolas" panose="020B0609020204030204" pitchFamily="49" charset="0"/>
+                <a:sym typeface="Wingdings" pitchFamily="2" charset="2"/>
+              </a:rPr>
+              <a:t> @ </a:t>
+            </a:r>
+            <a:r>
+              <a:rPr lang="de-DE" sz="1000" dirty="0" err="1">
+                <a:solidFill>
+                  <a:schemeClr val="bg1"/>
+                </a:solidFill>
+                <a:effectLst>
+                  <a:outerShdw blurRad="38100" dist="38100" dir="2700000" algn="tl">
+                    <a:srgbClr val="000000">
+                      <a:alpha val="43137"/>
+                    </a:srgbClr>
+                  </a:outerShdw>
+                </a:effectLst>
+                <a:latin typeface="Consolas" panose="020B0609020204030204" pitchFamily="49" charset="0"/>
+                <a:sym typeface="Wingdings" pitchFamily="2" charset="2"/>
+              </a:rPr>
+              <a:t>on_connect</a:t>
+            </a:r>
+            <a:r>
+              <a:rPr lang="de-DE" sz="1000" dirty="0">
+                <a:solidFill>
+                  <a:schemeClr val="bg1"/>
+                </a:solidFill>
+                <a:effectLst>
+                  <a:outerShdw blurRad="38100" dist="38100" dir="2700000" algn="tl">
+                    <a:srgbClr val="000000">
+                      <a:alpha val="43137"/>
+                    </a:srgbClr>
+                  </a:outerShdw>
+                </a:effectLst>
+                <a:latin typeface="Consolas" panose="020B0609020204030204" pitchFamily="49" charset="0"/>
+                <a:sym typeface="Wingdings" pitchFamily="2" charset="2"/>
+              </a:rPr>
+              <a:t>)</a:t>
+            </a:r>
+          </a:p>
+        </p:txBody>
+      </p:sp>
+    </p:spTree>
+    <p:extLst>
+      <p:ext uri="{BB962C8B-B14F-4D97-AF65-F5344CB8AC3E}">
+        <p14:creationId xmlns:p14="http://schemas.microsoft.com/office/powerpoint/2010/main" val="2737756477"/>
+      </p:ext>
+    </p:extLst>
+  </p:cSld>
+  <p:clrMapOvr>
+    <a:masterClrMapping/>
+  </p:clrMapOvr>
+</p:sld>
+</file>
+
 <file path=ppt/theme/theme1.xml><?xml version="1.0" encoding="utf-8"?>
 <a:theme xmlns:a="http://schemas.openxmlformats.org/drawingml/2006/main" name="Office">
   <a:themeElements>
